--- a/fyp_3[1]-1.pptx
+++ b/fyp_3[1]-1.pptx
@@ -63,7 +63,7 @@
       </p:grpSpPr>
       <p:sp>
         <p:nvSpPr>
-          <p:cNvPr id="80" name="PlaceHolder 1"/>
+          <p:cNvPr id="78" name="PlaceHolder 1"/>
           <p:cNvSpPr>
             <a:spLocks noGrp="1"/>
           </p:cNvSpPr>
@@ -89,27 +89,24 @@
             <a:noAutofit/>
           </a:bodyPr>
           <a:p>
-            <a:r>
-              <a:rPr b="0" lang="en-US" sz="1800" spc="-1" strike="noStrike">
-                <a:solidFill>
-                  <a:srgbClr val="000000"/>
-                </a:solidFill>
-                <a:latin typeface="Calibri"/>
+            <a:pPr algn="ctr">
+              <a:buNone/>
+            </a:pPr>
+            <a:r>
+              <a:rPr b="0" lang="en-IN" sz="4400" spc="-1" strike="noStrike">
+                <a:latin typeface="Arial"/>
               </a:rPr>
               <a:t>Click to move the slide</a:t>
             </a:r>
-            <a:endParaRPr b="0" lang="en-US" sz="1800" spc="-1" strike="noStrike">
-              <a:solidFill>
-                <a:srgbClr val="000000"/>
-              </a:solidFill>
-              <a:latin typeface="Calibri"/>
-            </a:endParaRPr>
-          </a:p>
-        </p:txBody>
-      </p:sp>
-      <p:sp>
-        <p:nvSpPr>
-          <p:cNvPr id="81" name="PlaceHolder 2"/>
+            <a:endParaRPr b="0" lang="en-IN" sz="4400" spc="-1" strike="noStrike">
+              <a:latin typeface="Arial"/>
+            </a:endParaRPr>
+          </a:p>
+        </p:txBody>
+      </p:sp>
+      <p:sp>
+        <p:nvSpPr>
+          <p:cNvPr id="79" name="PlaceHolder 2"/>
           <p:cNvSpPr>
             <a:spLocks noGrp="1"/>
           </p:cNvSpPr>
@@ -149,7 +146,7 @@
       </p:sp>
       <p:sp>
         <p:nvSpPr>
-          <p:cNvPr id="82" name="PlaceHolder 3"/>
+          <p:cNvPr id="80" name="PlaceHolder 3"/>
           <p:cNvSpPr>
             <a:spLocks noGrp="1"/>
           </p:cNvSpPr>
@@ -189,7 +186,7 @@
       </p:sp>
       <p:sp>
         <p:nvSpPr>
-          <p:cNvPr id="83" name="PlaceHolder 4"/>
+          <p:cNvPr id="81" name="PlaceHolder 4"/>
           <p:cNvSpPr>
             <a:spLocks noGrp="1"/>
           </p:cNvSpPr>
@@ -240,7 +237,7 @@
       </p:sp>
       <p:sp>
         <p:nvSpPr>
-          <p:cNvPr id="84" name="PlaceHolder 5"/>
+          <p:cNvPr id="82" name="PlaceHolder 5"/>
           <p:cNvSpPr>
             <a:spLocks noGrp="1"/>
           </p:cNvSpPr>
@@ -287,7 +284,7 @@
       </p:sp>
       <p:sp>
         <p:nvSpPr>
-          <p:cNvPr id="85" name="PlaceHolder 6"/>
+          <p:cNvPr id="83" name="PlaceHolder 6"/>
           <p:cNvSpPr>
             <a:spLocks noGrp="1"/>
           </p:cNvSpPr>
@@ -324,7 +321,7 @@
             <a:pPr algn="r">
               <a:buNone/>
             </a:pPr>
-            <a:fld id="{EDD7941D-E25E-410A-BC4D-DBB444271704}" type="slidenum">
+            <a:fld id="{1A26370E-C9D3-43D8-9CA2-0D1792FD0E1F}" type="slidenum">
               <a:rPr b="0" lang="en-IN" sz="1400" spc="-1" strike="noStrike">
                 <a:latin typeface="Times New Roman"/>
               </a:rPr>
@@ -361,7 +358,7 @@
       </p:grpSpPr>
       <p:sp>
         <p:nvSpPr>
-          <p:cNvPr id="188" name="PlaceHolder 1"/>
+          <p:cNvPr id="186" name="PlaceHolder 1"/>
           <p:cNvSpPr>
             <a:spLocks noGrp="1"/>
           </p:cNvSpPr>
@@ -372,19 +369,19 @@
         <p:spPr>
           <a:xfrm>
             <a:off x="380880" y="685800"/>
-            <a:ext cx="6095520" cy="3428640"/>
-          </a:xfrm>
-          <a:prstGeom prst="rect">
-            <a:avLst/>
-          </a:prstGeom>
-          <a:ln w="0">
-            <a:noFill/>
-          </a:ln>
-        </p:spPr>
-      </p:sp>
-      <p:sp>
-        <p:nvSpPr>
-          <p:cNvPr id="189" name="PlaceHolder 2"/>
+            <a:ext cx="6095160" cy="3428280"/>
+          </a:xfrm>
+          <a:prstGeom prst="rect">
+            <a:avLst/>
+          </a:prstGeom>
+          <a:ln w="0">
+            <a:noFill/>
+          </a:ln>
+        </p:spPr>
+      </p:sp>
+      <p:sp>
+        <p:nvSpPr>
+          <p:cNvPr id="187" name="PlaceHolder 2"/>
           <p:cNvSpPr>
             <a:spLocks noGrp="1"/>
           </p:cNvSpPr>
@@ -395,7 +392,7 @@
         <p:spPr>
           <a:xfrm>
             <a:off x="914400" y="4343400"/>
-            <a:ext cx="5028840" cy="4114440"/>
+            <a:ext cx="5028480" cy="4114080"/>
           </a:xfrm>
           <a:prstGeom prst="rect">
             <a:avLst/>
@@ -415,6 +412,9 @@
                 <a:spcPct val="100000"/>
               </a:lnSpc>
               <a:buNone/>
+              <a:tabLst>
+                <a:tab algn="l" pos="0"/>
+              </a:tabLst>
             </a:pPr>
             <a:r>
               <a:rPr b="0" lang="en-IN" sz="2000" spc="-1" strike="noStrike">
@@ -464,7 +464,7 @@
         <p:txBody>
           <a:bodyPr/>
           <a:p>
-            <a:fld id="{59D4266E-3BC9-4862-BE02-48C3728A5147}" type="slidenum">
+            <a:fld id="{0B8185E7-55DF-408B-A77C-DD6513AB86C2}" type="slidenum">
               <a:t>&lt;#&gt;</a:t>
             </a:fld>
           </a:p>
@@ -494,7 +494,7 @@
       </p:grpSpPr>
       <p:sp>
         <p:nvSpPr>
-          <p:cNvPr id="25" name="PlaceHolder 1"/>
+          <p:cNvPr id="24" name="PlaceHolder 1"/>
           <p:cNvSpPr>
             <a:spLocks noGrp="1"/>
           </p:cNvSpPr>
@@ -505,7 +505,7 @@
         <p:spPr>
           <a:xfrm>
             <a:off x="609480" y="366120"/>
-            <a:ext cx="10972440" cy="1523520"/>
+            <a:ext cx="10972080" cy="1523160"/>
           </a:xfrm>
           <a:prstGeom prst="rect">
             <a:avLst/>
@@ -520,18 +520,18 @@
             <a:noAutofit/>
           </a:bodyPr>
           <a:p>
-            <a:endParaRPr b="0" lang="en-US" sz="1800" spc="-1" strike="noStrike">
-              <a:solidFill>
-                <a:srgbClr val="000000"/>
-              </a:solidFill>
-              <a:latin typeface="Calibri"/>
-            </a:endParaRPr>
-          </a:p>
-        </p:txBody>
-      </p:sp>
-      <p:sp>
-        <p:nvSpPr>
-          <p:cNvPr id="26" name="PlaceHolder 2"/>
+            <a:pPr algn="ctr">
+              <a:buNone/>
+            </a:pPr>
+            <a:endParaRPr b="0" lang="en-IN" sz="4400" spc="-1" strike="noStrike">
+              <a:latin typeface="Arial"/>
+            </a:endParaRPr>
+          </a:p>
+        </p:txBody>
+      </p:sp>
+      <p:sp>
+        <p:nvSpPr>
+          <p:cNvPr id="25" name="PlaceHolder 2"/>
           <p:cNvSpPr>
             <a:spLocks noGrp="1"/>
           </p:cNvSpPr>
@@ -542,7 +542,7 @@
         <p:spPr>
           <a:xfrm>
             <a:off x="1206360" y="2324160"/>
-            <a:ext cx="21970800" cy="478080"/>
+            <a:ext cx="21970440" cy="478080"/>
           </a:xfrm>
           <a:prstGeom prst="rect">
             <a:avLst/>
@@ -554,21 +554,18 @@
         </p:spPr>
         <p:txBody>
           <a:bodyPr lIns="0" rIns="0" tIns="0" bIns="0" anchor="t">
-            <a:normAutofit fontScale="88000"/>
-          </a:bodyPr>
-          <a:p>
-            <a:endParaRPr b="0" lang="en-US" sz="4270" spc="-1" strike="noStrike">
-              <a:solidFill>
-                <a:srgbClr val="000000"/>
-              </a:solidFill>
-              <a:latin typeface="Calibri"/>
-            </a:endParaRPr>
-          </a:p>
-        </p:txBody>
-      </p:sp>
-      <p:sp>
-        <p:nvSpPr>
-          <p:cNvPr id="27" name="PlaceHolder 3"/>
+            <a:normAutofit/>
+          </a:bodyPr>
+          <a:p>
+            <a:endParaRPr b="0" lang="en-IN" sz="3200" spc="-1" strike="noStrike">
+              <a:latin typeface="Arial"/>
+            </a:endParaRPr>
+          </a:p>
+        </p:txBody>
+      </p:sp>
+      <p:sp>
+        <p:nvSpPr>
+          <p:cNvPr id="26" name="PlaceHolder 3"/>
           <p:cNvSpPr>
             <a:spLocks noGrp="1"/>
           </p:cNvSpPr>
@@ -579,7 +576,7 @@
         <p:spPr>
           <a:xfrm>
             <a:off x="1206360" y="2847960"/>
-            <a:ext cx="21970800" cy="478080"/>
+            <a:ext cx="21970440" cy="478080"/>
           </a:xfrm>
           <a:prstGeom prst="rect">
             <a:avLst/>
@@ -591,14 +588,11 @@
         </p:spPr>
         <p:txBody>
           <a:bodyPr lIns="0" rIns="0" tIns="0" bIns="0" anchor="t">
-            <a:normAutofit fontScale="88000"/>
-          </a:bodyPr>
-          <a:p>
-            <a:endParaRPr b="0" lang="en-US" sz="4270" spc="-1" strike="noStrike">
-              <a:solidFill>
-                <a:srgbClr val="000000"/>
-              </a:solidFill>
-              <a:latin typeface="Calibri"/>
+            <a:normAutofit/>
+          </a:bodyPr>
+          <a:p>
+            <a:endParaRPr b="0" lang="en-IN" sz="3200" spc="-1" strike="noStrike">
+              <a:latin typeface="Arial"/>
             </a:endParaRPr>
           </a:p>
         </p:txBody>
@@ -617,7 +611,7 @@
         <p:txBody>
           <a:bodyPr/>
           <a:p>
-            <a:fld id="{2FD65158-2300-4A1D-A794-6FEE1D2102DC}" type="slidenum">
+            <a:fld id="{F3F4C17C-97AB-44DE-9381-6B7A8473913A}" type="slidenum">
               <a:t>&lt;#&gt;</a:t>
             </a:fld>
           </a:p>
@@ -647,7 +641,7 @@
       </p:grpSpPr>
       <p:sp>
         <p:nvSpPr>
-          <p:cNvPr id="28" name="PlaceHolder 1"/>
+          <p:cNvPr id="27" name="PlaceHolder 1"/>
           <p:cNvSpPr>
             <a:spLocks noGrp="1"/>
           </p:cNvSpPr>
@@ -658,7 +652,7 @@
         <p:spPr>
           <a:xfrm>
             <a:off x="609480" y="366120"/>
-            <a:ext cx="10972440" cy="1523520"/>
+            <a:ext cx="10972080" cy="1523160"/>
           </a:xfrm>
           <a:prstGeom prst="rect">
             <a:avLst/>
@@ -673,18 +667,18 @@
             <a:noAutofit/>
           </a:bodyPr>
           <a:p>
-            <a:endParaRPr b="0" lang="en-US" sz="1800" spc="-1" strike="noStrike">
-              <a:solidFill>
-                <a:srgbClr val="000000"/>
-              </a:solidFill>
-              <a:latin typeface="Calibri"/>
-            </a:endParaRPr>
-          </a:p>
-        </p:txBody>
-      </p:sp>
-      <p:sp>
-        <p:nvSpPr>
-          <p:cNvPr id="29" name="PlaceHolder 2"/>
+            <a:pPr algn="ctr">
+              <a:buNone/>
+            </a:pPr>
+            <a:endParaRPr b="0" lang="en-IN" sz="4400" spc="-1" strike="noStrike">
+              <a:latin typeface="Arial"/>
+            </a:endParaRPr>
+          </a:p>
+        </p:txBody>
+      </p:sp>
+      <p:sp>
+        <p:nvSpPr>
+          <p:cNvPr id="28" name="PlaceHolder 2"/>
           <p:cNvSpPr>
             <a:spLocks noGrp="1"/>
           </p:cNvSpPr>
@@ -707,21 +701,18 @@
         </p:spPr>
         <p:txBody>
           <a:bodyPr lIns="0" rIns="0" tIns="0" bIns="0" anchor="t">
-            <a:normAutofit fontScale="88000"/>
-          </a:bodyPr>
-          <a:p>
-            <a:endParaRPr b="0" lang="en-US" sz="4270" spc="-1" strike="noStrike">
-              <a:solidFill>
-                <a:srgbClr val="000000"/>
-              </a:solidFill>
-              <a:latin typeface="Calibri"/>
-            </a:endParaRPr>
-          </a:p>
-        </p:txBody>
-      </p:sp>
-      <p:sp>
-        <p:nvSpPr>
-          <p:cNvPr id="30" name="PlaceHolder 3"/>
+            <a:normAutofit/>
+          </a:bodyPr>
+          <a:p>
+            <a:endParaRPr b="0" lang="en-IN" sz="3200" spc="-1" strike="noStrike">
+              <a:latin typeface="Arial"/>
+            </a:endParaRPr>
+          </a:p>
+        </p:txBody>
+      </p:sp>
+      <p:sp>
+        <p:nvSpPr>
+          <p:cNvPr id="29" name="PlaceHolder 3"/>
           <p:cNvSpPr>
             <a:spLocks noGrp="1"/>
           </p:cNvSpPr>
@@ -744,21 +735,18 @@
         </p:spPr>
         <p:txBody>
           <a:bodyPr lIns="0" rIns="0" tIns="0" bIns="0" anchor="t">
-            <a:normAutofit fontScale="88000"/>
-          </a:bodyPr>
-          <a:p>
-            <a:endParaRPr b="0" lang="en-US" sz="4270" spc="-1" strike="noStrike">
-              <a:solidFill>
-                <a:srgbClr val="000000"/>
-              </a:solidFill>
-              <a:latin typeface="Calibri"/>
-            </a:endParaRPr>
-          </a:p>
-        </p:txBody>
-      </p:sp>
-      <p:sp>
-        <p:nvSpPr>
-          <p:cNvPr id="31" name="PlaceHolder 4"/>
+            <a:normAutofit/>
+          </a:bodyPr>
+          <a:p>
+            <a:endParaRPr b="0" lang="en-IN" sz="3200" spc="-1" strike="noStrike">
+              <a:latin typeface="Arial"/>
+            </a:endParaRPr>
+          </a:p>
+        </p:txBody>
+      </p:sp>
+      <p:sp>
+        <p:nvSpPr>
+          <p:cNvPr id="30" name="PlaceHolder 4"/>
           <p:cNvSpPr>
             <a:spLocks noGrp="1"/>
           </p:cNvSpPr>
@@ -781,21 +769,18 @@
         </p:spPr>
         <p:txBody>
           <a:bodyPr lIns="0" rIns="0" tIns="0" bIns="0" anchor="t">
-            <a:normAutofit fontScale="88000"/>
-          </a:bodyPr>
-          <a:p>
-            <a:endParaRPr b="0" lang="en-US" sz="4270" spc="-1" strike="noStrike">
-              <a:solidFill>
-                <a:srgbClr val="000000"/>
-              </a:solidFill>
-              <a:latin typeface="Calibri"/>
-            </a:endParaRPr>
-          </a:p>
-        </p:txBody>
-      </p:sp>
-      <p:sp>
-        <p:nvSpPr>
-          <p:cNvPr id="32" name="PlaceHolder 5"/>
+            <a:normAutofit/>
+          </a:bodyPr>
+          <a:p>
+            <a:endParaRPr b="0" lang="en-IN" sz="3200" spc="-1" strike="noStrike">
+              <a:latin typeface="Arial"/>
+            </a:endParaRPr>
+          </a:p>
+        </p:txBody>
+      </p:sp>
+      <p:sp>
+        <p:nvSpPr>
+          <p:cNvPr id="31" name="PlaceHolder 5"/>
           <p:cNvSpPr>
             <a:spLocks noGrp="1"/>
           </p:cNvSpPr>
@@ -818,14 +803,11 @@
         </p:spPr>
         <p:txBody>
           <a:bodyPr lIns="0" rIns="0" tIns="0" bIns="0" anchor="t">
-            <a:normAutofit fontScale="88000"/>
-          </a:bodyPr>
-          <a:p>
-            <a:endParaRPr b="0" lang="en-US" sz="4270" spc="-1" strike="noStrike">
-              <a:solidFill>
-                <a:srgbClr val="000000"/>
-              </a:solidFill>
-              <a:latin typeface="Calibri"/>
+            <a:normAutofit/>
+          </a:bodyPr>
+          <a:p>
+            <a:endParaRPr b="0" lang="en-IN" sz="3200" spc="-1" strike="noStrike">
+              <a:latin typeface="Arial"/>
             </a:endParaRPr>
           </a:p>
         </p:txBody>
@@ -844,7 +826,7 @@
         <p:txBody>
           <a:bodyPr/>
           <a:p>
-            <a:fld id="{2283342D-FC8F-42B3-9613-587E34D6B0BB}" type="slidenum">
+            <a:fld id="{C685F160-0F7F-4EA6-A523-45334FF50687}" type="slidenum">
               <a:t>&lt;#&gt;</a:t>
             </a:fld>
           </a:p>
@@ -874,7 +856,7 @@
       </p:grpSpPr>
       <p:sp>
         <p:nvSpPr>
-          <p:cNvPr id="33" name="PlaceHolder 1"/>
+          <p:cNvPr id="32" name="PlaceHolder 1"/>
           <p:cNvSpPr>
             <a:spLocks noGrp="1"/>
           </p:cNvSpPr>
@@ -885,7 +867,7 @@
         <p:spPr>
           <a:xfrm>
             <a:off x="609480" y="366120"/>
-            <a:ext cx="10972440" cy="1523520"/>
+            <a:ext cx="10972080" cy="1523160"/>
           </a:xfrm>
           <a:prstGeom prst="rect">
             <a:avLst/>
@@ -900,18 +882,18 @@
             <a:noAutofit/>
           </a:bodyPr>
           <a:p>
-            <a:endParaRPr b="0" lang="en-US" sz="1800" spc="-1" strike="noStrike">
-              <a:solidFill>
-                <a:srgbClr val="000000"/>
-              </a:solidFill>
-              <a:latin typeface="Calibri"/>
-            </a:endParaRPr>
-          </a:p>
-        </p:txBody>
-      </p:sp>
-      <p:sp>
-        <p:nvSpPr>
-          <p:cNvPr id="34" name="PlaceHolder 2"/>
+            <a:pPr algn="ctr">
+              <a:buNone/>
+            </a:pPr>
+            <a:endParaRPr b="0" lang="en-IN" sz="4400" spc="-1" strike="noStrike">
+              <a:latin typeface="Arial"/>
+            </a:endParaRPr>
+          </a:p>
+        </p:txBody>
+      </p:sp>
+      <p:sp>
+        <p:nvSpPr>
+          <p:cNvPr id="33" name="PlaceHolder 2"/>
           <p:cNvSpPr>
             <a:spLocks noGrp="1"/>
           </p:cNvSpPr>
@@ -934,21 +916,18 @@
         </p:spPr>
         <p:txBody>
           <a:bodyPr lIns="0" rIns="0" tIns="0" bIns="0" anchor="t">
-            <a:normAutofit fontScale="88000"/>
-          </a:bodyPr>
-          <a:p>
-            <a:endParaRPr b="0" lang="en-US" sz="4270" spc="-1" strike="noStrike">
-              <a:solidFill>
-                <a:srgbClr val="000000"/>
-              </a:solidFill>
-              <a:latin typeface="Calibri"/>
-            </a:endParaRPr>
-          </a:p>
-        </p:txBody>
-      </p:sp>
-      <p:sp>
-        <p:nvSpPr>
-          <p:cNvPr id="35" name="PlaceHolder 3"/>
+            <a:normAutofit/>
+          </a:bodyPr>
+          <a:p>
+            <a:endParaRPr b="0" lang="en-IN" sz="3200" spc="-1" strike="noStrike">
+              <a:latin typeface="Arial"/>
+            </a:endParaRPr>
+          </a:p>
+        </p:txBody>
+      </p:sp>
+      <p:sp>
+        <p:nvSpPr>
+          <p:cNvPr id="34" name="PlaceHolder 3"/>
           <p:cNvSpPr>
             <a:spLocks noGrp="1"/>
           </p:cNvSpPr>
@@ -971,21 +950,18 @@
         </p:spPr>
         <p:txBody>
           <a:bodyPr lIns="0" rIns="0" tIns="0" bIns="0" anchor="t">
-            <a:normAutofit fontScale="88000"/>
-          </a:bodyPr>
-          <a:p>
-            <a:endParaRPr b="0" lang="en-US" sz="4270" spc="-1" strike="noStrike">
-              <a:solidFill>
-                <a:srgbClr val="000000"/>
-              </a:solidFill>
-              <a:latin typeface="Calibri"/>
-            </a:endParaRPr>
-          </a:p>
-        </p:txBody>
-      </p:sp>
-      <p:sp>
-        <p:nvSpPr>
-          <p:cNvPr id="36" name="PlaceHolder 4"/>
+            <a:normAutofit/>
+          </a:bodyPr>
+          <a:p>
+            <a:endParaRPr b="0" lang="en-IN" sz="3200" spc="-1" strike="noStrike">
+              <a:latin typeface="Arial"/>
+            </a:endParaRPr>
+          </a:p>
+        </p:txBody>
+      </p:sp>
+      <p:sp>
+        <p:nvSpPr>
+          <p:cNvPr id="35" name="PlaceHolder 4"/>
           <p:cNvSpPr>
             <a:spLocks noGrp="1"/>
           </p:cNvSpPr>
@@ -1008,21 +984,18 @@
         </p:spPr>
         <p:txBody>
           <a:bodyPr lIns="0" rIns="0" tIns="0" bIns="0" anchor="t">
-            <a:normAutofit fontScale="88000"/>
-          </a:bodyPr>
-          <a:p>
-            <a:endParaRPr b="0" lang="en-US" sz="4270" spc="-1" strike="noStrike">
-              <a:solidFill>
-                <a:srgbClr val="000000"/>
-              </a:solidFill>
-              <a:latin typeface="Calibri"/>
-            </a:endParaRPr>
-          </a:p>
-        </p:txBody>
-      </p:sp>
-      <p:sp>
-        <p:nvSpPr>
-          <p:cNvPr id="37" name="PlaceHolder 5"/>
+            <a:normAutofit/>
+          </a:bodyPr>
+          <a:p>
+            <a:endParaRPr b="0" lang="en-IN" sz="3200" spc="-1" strike="noStrike">
+              <a:latin typeface="Arial"/>
+            </a:endParaRPr>
+          </a:p>
+        </p:txBody>
+      </p:sp>
+      <p:sp>
+        <p:nvSpPr>
+          <p:cNvPr id="36" name="PlaceHolder 5"/>
           <p:cNvSpPr>
             <a:spLocks noGrp="1"/>
           </p:cNvSpPr>
@@ -1045,21 +1018,18 @@
         </p:spPr>
         <p:txBody>
           <a:bodyPr lIns="0" rIns="0" tIns="0" bIns="0" anchor="t">
-            <a:normAutofit fontScale="88000"/>
-          </a:bodyPr>
-          <a:p>
-            <a:endParaRPr b="0" lang="en-US" sz="4270" spc="-1" strike="noStrike">
-              <a:solidFill>
-                <a:srgbClr val="000000"/>
-              </a:solidFill>
-              <a:latin typeface="Calibri"/>
-            </a:endParaRPr>
-          </a:p>
-        </p:txBody>
-      </p:sp>
-      <p:sp>
-        <p:nvSpPr>
-          <p:cNvPr id="38" name="PlaceHolder 6"/>
+            <a:normAutofit/>
+          </a:bodyPr>
+          <a:p>
+            <a:endParaRPr b="0" lang="en-IN" sz="3200" spc="-1" strike="noStrike">
+              <a:latin typeface="Arial"/>
+            </a:endParaRPr>
+          </a:p>
+        </p:txBody>
+      </p:sp>
+      <p:sp>
+        <p:nvSpPr>
+          <p:cNvPr id="37" name="PlaceHolder 6"/>
           <p:cNvSpPr>
             <a:spLocks noGrp="1"/>
           </p:cNvSpPr>
@@ -1082,21 +1052,18 @@
         </p:spPr>
         <p:txBody>
           <a:bodyPr lIns="0" rIns="0" tIns="0" bIns="0" anchor="t">
-            <a:normAutofit fontScale="88000"/>
-          </a:bodyPr>
-          <a:p>
-            <a:endParaRPr b="0" lang="en-US" sz="4270" spc="-1" strike="noStrike">
-              <a:solidFill>
-                <a:srgbClr val="000000"/>
-              </a:solidFill>
-              <a:latin typeface="Calibri"/>
-            </a:endParaRPr>
-          </a:p>
-        </p:txBody>
-      </p:sp>
-      <p:sp>
-        <p:nvSpPr>
-          <p:cNvPr id="39" name="PlaceHolder 7"/>
+            <a:normAutofit/>
+          </a:bodyPr>
+          <a:p>
+            <a:endParaRPr b="0" lang="en-IN" sz="3200" spc="-1" strike="noStrike">
+              <a:latin typeface="Arial"/>
+            </a:endParaRPr>
+          </a:p>
+        </p:txBody>
+      </p:sp>
+      <p:sp>
+        <p:nvSpPr>
+          <p:cNvPr id="38" name="PlaceHolder 7"/>
           <p:cNvSpPr>
             <a:spLocks noGrp="1"/>
           </p:cNvSpPr>
@@ -1119,14 +1086,11 @@
         </p:spPr>
         <p:txBody>
           <a:bodyPr lIns="0" rIns="0" tIns="0" bIns="0" anchor="t">
-            <a:normAutofit fontScale="88000"/>
-          </a:bodyPr>
-          <a:p>
-            <a:endParaRPr b="0" lang="en-US" sz="4270" spc="-1" strike="noStrike">
-              <a:solidFill>
-                <a:srgbClr val="000000"/>
-              </a:solidFill>
-              <a:latin typeface="Calibri"/>
+            <a:normAutofit/>
+          </a:bodyPr>
+          <a:p>
+            <a:endParaRPr b="0" lang="en-IN" sz="3200" spc="-1" strike="noStrike">
+              <a:latin typeface="Arial"/>
             </a:endParaRPr>
           </a:p>
         </p:txBody>
@@ -1145,7 +1109,7 @@
         <p:txBody>
           <a:bodyPr/>
           <a:p>
-            <a:fld id="{0A26CA0E-31EB-4BBA-B3E9-030FFBC04C17}" type="slidenum">
+            <a:fld id="{E5A32F2D-2840-4BF8-81E5-AFCE97A75D43}" type="slidenum">
               <a:t>&lt;#&gt;</a:t>
             </a:fld>
           </a:p>
@@ -1187,7 +1151,7 @@
         <p:txBody>
           <a:bodyPr/>
           <a:p>
-            <a:fld id="{B5C77313-2E41-4896-AD42-02E43E43472F}" type="slidenum">
+            <a:fld id="{ED1FA7B5-E24C-47F1-9332-B5EE54ED9E3F}" type="slidenum">
               <a:t>&lt;#&gt;</a:t>
             </a:fld>
           </a:p>
@@ -1217,7 +1181,7 @@
       </p:grpSpPr>
       <p:sp>
         <p:nvSpPr>
-          <p:cNvPr id="44" name="PlaceHolder 1"/>
+          <p:cNvPr id="42" name="PlaceHolder 1"/>
           <p:cNvSpPr>
             <a:spLocks noGrp="1"/>
           </p:cNvSpPr>
@@ -1228,7 +1192,7 @@
         <p:spPr>
           <a:xfrm>
             <a:off x="609480" y="366120"/>
-            <a:ext cx="10972440" cy="1523520"/>
+            <a:ext cx="10972080" cy="1523160"/>
           </a:xfrm>
           <a:prstGeom prst="rect">
             <a:avLst/>
@@ -1243,18 +1207,18 @@
             <a:noAutofit/>
           </a:bodyPr>
           <a:p>
-            <a:endParaRPr b="0" lang="en-US" sz="1800" spc="-1" strike="noStrike">
-              <a:solidFill>
-                <a:srgbClr val="000000"/>
-              </a:solidFill>
-              <a:latin typeface="Calibri"/>
-            </a:endParaRPr>
-          </a:p>
-        </p:txBody>
-      </p:sp>
-      <p:sp>
-        <p:nvSpPr>
-          <p:cNvPr id="45" name="PlaceHolder 2"/>
+            <a:pPr algn="ctr">
+              <a:buNone/>
+            </a:pPr>
+            <a:endParaRPr b="0" lang="en-IN" sz="4400" spc="-1" strike="noStrike">
+              <a:latin typeface="Arial"/>
+            </a:endParaRPr>
+          </a:p>
+        </p:txBody>
+      </p:sp>
+      <p:sp>
+        <p:nvSpPr>
+          <p:cNvPr id="43" name="PlaceHolder 2"/>
           <p:cNvSpPr>
             <a:spLocks noGrp="1"/>
           </p:cNvSpPr>
@@ -1265,7 +1229,7 @@
         <p:spPr>
           <a:xfrm>
             <a:off x="1206360" y="2324160"/>
-            <a:ext cx="21970800" cy="1002960"/>
+            <a:ext cx="21970440" cy="1002600"/>
           </a:xfrm>
           <a:prstGeom prst="rect">
             <a:avLst/>
@@ -1303,7 +1267,7 @@
         <p:txBody>
           <a:bodyPr/>
           <a:p>
-            <a:fld id="{FE8E0C94-6007-4E88-9FE4-AA402E2341D4}" type="slidenum">
+            <a:fld id="{05C2E171-D643-46C2-85EF-F4C55FA72EBB}" type="slidenum">
               <a:t>&lt;#&gt;</a:t>
             </a:fld>
           </a:p>
@@ -1333,7 +1297,7 @@
       </p:grpSpPr>
       <p:sp>
         <p:nvSpPr>
-          <p:cNvPr id="46" name="PlaceHolder 1"/>
+          <p:cNvPr id="44" name="PlaceHolder 1"/>
           <p:cNvSpPr>
             <a:spLocks noGrp="1"/>
           </p:cNvSpPr>
@@ -1344,7 +1308,7 @@
         <p:spPr>
           <a:xfrm>
             <a:off x="609480" y="366120"/>
-            <a:ext cx="10972440" cy="1523520"/>
+            <a:ext cx="10972080" cy="1523160"/>
           </a:xfrm>
           <a:prstGeom prst="rect">
             <a:avLst/>
@@ -1359,18 +1323,18 @@
             <a:noAutofit/>
           </a:bodyPr>
           <a:p>
-            <a:endParaRPr b="0" lang="en-US" sz="1800" spc="-1" strike="noStrike">
-              <a:solidFill>
-                <a:srgbClr val="000000"/>
-              </a:solidFill>
-              <a:latin typeface="Calibri"/>
-            </a:endParaRPr>
-          </a:p>
-        </p:txBody>
-      </p:sp>
-      <p:sp>
-        <p:nvSpPr>
-          <p:cNvPr id="47" name="PlaceHolder 2"/>
+            <a:pPr algn="ctr">
+              <a:buNone/>
+            </a:pPr>
+            <a:endParaRPr b="0" lang="en-IN" sz="4400" spc="-1" strike="noStrike">
+              <a:latin typeface="Arial"/>
+            </a:endParaRPr>
+          </a:p>
+        </p:txBody>
+      </p:sp>
+      <p:sp>
+        <p:nvSpPr>
+          <p:cNvPr id="45" name="PlaceHolder 2"/>
           <p:cNvSpPr>
             <a:spLocks noGrp="1"/>
           </p:cNvSpPr>
@@ -1381,7 +1345,7 @@
         <p:spPr>
           <a:xfrm>
             <a:off x="1206360" y="2324160"/>
-            <a:ext cx="21970800" cy="1002960"/>
+            <a:ext cx="21970440" cy="1002600"/>
           </a:xfrm>
           <a:prstGeom prst="rect">
             <a:avLst/>
@@ -1396,11 +1360,8 @@
             <a:normAutofit/>
           </a:bodyPr>
           <a:p>
-            <a:endParaRPr b="0" lang="en-US" sz="4270" spc="-1" strike="noStrike">
-              <a:solidFill>
-                <a:srgbClr val="000000"/>
-              </a:solidFill>
-              <a:latin typeface="Calibri"/>
+            <a:endParaRPr b="0" lang="en-IN" sz="3200" spc="-1" strike="noStrike">
+              <a:latin typeface="Arial"/>
             </a:endParaRPr>
           </a:p>
         </p:txBody>
@@ -1419,7 +1380,7 @@
         <p:txBody>
           <a:bodyPr/>
           <a:p>
-            <a:fld id="{3D1071AD-244A-4B4D-8C35-7076C2021211}" type="slidenum">
+            <a:fld id="{8DFA901C-B066-46BC-B3EA-BA5ED0BBBFD3}" type="slidenum">
               <a:t>&lt;#&gt;</a:t>
             </a:fld>
           </a:p>
@@ -1449,7 +1410,7 @@
       </p:grpSpPr>
       <p:sp>
         <p:nvSpPr>
-          <p:cNvPr id="48" name="PlaceHolder 1"/>
+          <p:cNvPr id="46" name="PlaceHolder 1"/>
           <p:cNvSpPr>
             <a:spLocks noGrp="1"/>
           </p:cNvSpPr>
@@ -1460,7 +1421,7 @@
         <p:spPr>
           <a:xfrm>
             <a:off x="609480" y="366120"/>
-            <a:ext cx="10972440" cy="1523520"/>
+            <a:ext cx="10972080" cy="1523160"/>
           </a:xfrm>
           <a:prstGeom prst="rect">
             <a:avLst/>
@@ -1475,18 +1436,18 @@
             <a:noAutofit/>
           </a:bodyPr>
           <a:p>
-            <a:endParaRPr b="0" lang="en-US" sz="1800" spc="-1" strike="noStrike">
-              <a:solidFill>
-                <a:srgbClr val="000000"/>
-              </a:solidFill>
-              <a:latin typeface="Calibri"/>
-            </a:endParaRPr>
-          </a:p>
-        </p:txBody>
-      </p:sp>
-      <p:sp>
-        <p:nvSpPr>
-          <p:cNvPr id="49" name="PlaceHolder 2"/>
+            <a:pPr algn="ctr">
+              <a:buNone/>
+            </a:pPr>
+            <a:endParaRPr b="0" lang="en-IN" sz="4400" spc="-1" strike="noStrike">
+              <a:latin typeface="Arial"/>
+            </a:endParaRPr>
+          </a:p>
+        </p:txBody>
+      </p:sp>
+      <p:sp>
+        <p:nvSpPr>
+          <p:cNvPr id="47" name="PlaceHolder 2"/>
           <p:cNvSpPr>
             <a:spLocks noGrp="1"/>
           </p:cNvSpPr>
@@ -1497,7 +1458,7 @@
         <p:spPr>
           <a:xfrm>
             <a:off x="1206360" y="2324160"/>
-            <a:ext cx="10721520" cy="1002960"/>
+            <a:ext cx="10721520" cy="1002600"/>
           </a:xfrm>
           <a:prstGeom prst="rect">
             <a:avLst/>
@@ -1512,18 +1473,15 @@
             <a:normAutofit/>
           </a:bodyPr>
           <a:p>
-            <a:endParaRPr b="0" lang="en-US" sz="4270" spc="-1" strike="noStrike">
-              <a:solidFill>
-                <a:srgbClr val="000000"/>
-              </a:solidFill>
-              <a:latin typeface="Calibri"/>
-            </a:endParaRPr>
-          </a:p>
-        </p:txBody>
-      </p:sp>
-      <p:sp>
-        <p:nvSpPr>
-          <p:cNvPr id="50" name="PlaceHolder 3"/>
+            <a:endParaRPr b="0" lang="en-IN" sz="3200" spc="-1" strike="noStrike">
+              <a:latin typeface="Arial"/>
+            </a:endParaRPr>
+          </a:p>
+        </p:txBody>
+      </p:sp>
+      <p:sp>
+        <p:nvSpPr>
+          <p:cNvPr id="48" name="PlaceHolder 3"/>
           <p:cNvSpPr>
             <a:spLocks noGrp="1"/>
           </p:cNvSpPr>
@@ -1534,7 +1492,7 @@
         <p:spPr>
           <a:xfrm>
             <a:off x="12464280" y="2324160"/>
-            <a:ext cx="10721520" cy="1002960"/>
+            <a:ext cx="10721520" cy="1002600"/>
           </a:xfrm>
           <a:prstGeom prst="rect">
             <a:avLst/>
@@ -1549,11 +1507,8 @@
             <a:normAutofit/>
           </a:bodyPr>
           <a:p>
-            <a:endParaRPr b="0" lang="en-US" sz="4270" spc="-1" strike="noStrike">
-              <a:solidFill>
-                <a:srgbClr val="000000"/>
-              </a:solidFill>
-              <a:latin typeface="Calibri"/>
+            <a:endParaRPr b="0" lang="en-IN" sz="3200" spc="-1" strike="noStrike">
+              <a:latin typeface="Arial"/>
             </a:endParaRPr>
           </a:p>
         </p:txBody>
@@ -1572,7 +1527,7 @@
         <p:txBody>
           <a:bodyPr/>
           <a:p>
-            <a:fld id="{9082B8FC-888E-4D0E-8B79-5E528BF10516}" type="slidenum">
+            <a:fld id="{6931B907-B328-4086-AD2B-D5688454EF8B}" type="slidenum">
               <a:t>&lt;#&gt;</a:t>
             </a:fld>
           </a:p>
@@ -1602,7 +1557,7 @@
       </p:grpSpPr>
       <p:sp>
         <p:nvSpPr>
-          <p:cNvPr id="51" name="PlaceHolder 1"/>
+          <p:cNvPr id="49" name="PlaceHolder 1"/>
           <p:cNvSpPr>
             <a:spLocks noGrp="1"/>
           </p:cNvSpPr>
@@ -1613,7 +1568,7 @@
         <p:spPr>
           <a:xfrm>
             <a:off x="609480" y="366120"/>
-            <a:ext cx="10972440" cy="1523520"/>
+            <a:ext cx="10972080" cy="1523160"/>
           </a:xfrm>
           <a:prstGeom prst="rect">
             <a:avLst/>
@@ -1628,11 +1583,11 @@
             <a:noAutofit/>
           </a:bodyPr>
           <a:p>
-            <a:endParaRPr b="0" lang="en-US" sz="1800" spc="-1" strike="noStrike">
-              <a:solidFill>
-                <a:srgbClr val="000000"/>
-              </a:solidFill>
-              <a:latin typeface="Calibri"/>
+            <a:pPr algn="ctr">
+              <a:buNone/>
+            </a:pPr>
+            <a:endParaRPr b="0" lang="en-IN" sz="4400" spc="-1" strike="noStrike">
+              <a:latin typeface="Arial"/>
             </a:endParaRPr>
           </a:p>
         </p:txBody>
@@ -1651,7 +1606,7 @@
         <p:txBody>
           <a:bodyPr/>
           <a:p>
-            <a:fld id="{FA884633-1376-4FD4-A271-77177A47B714}" type="slidenum">
+            <a:fld id="{5B18ACF9-5E33-4315-A65D-3CD3C660826C}" type="slidenum">
               <a:t>&lt;#&gt;</a:t>
             </a:fld>
           </a:p>
@@ -1681,7 +1636,7 @@
       </p:grpSpPr>
       <p:sp>
         <p:nvSpPr>
-          <p:cNvPr id="52" name="PlaceHolder 1"/>
+          <p:cNvPr id="50" name="PlaceHolder 1"/>
           <p:cNvSpPr>
             <a:spLocks noGrp="1"/>
           </p:cNvSpPr>
@@ -1692,7 +1647,7 @@
         <p:spPr>
           <a:xfrm>
             <a:off x="609480" y="366120"/>
-            <a:ext cx="10972440" cy="7063560"/>
+            <a:ext cx="10972080" cy="7061760"/>
           </a:xfrm>
           <a:prstGeom prst="rect">
             <a:avLst/>
@@ -1730,7 +1685,7 @@
         <p:txBody>
           <a:bodyPr/>
           <a:p>
-            <a:fld id="{2556E840-8FDB-46C4-BA3E-630EE07300CF}" type="slidenum">
+            <a:fld id="{9089EA46-E29D-4D24-AF06-55AA665756FD}" type="slidenum">
               <a:t>&lt;#&gt;</a:t>
             </a:fld>
           </a:p>
@@ -1760,7 +1715,7 @@
       </p:grpSpPr>
       <p:sp>
         <p:nvSpPr>
-          <p:cNvPr id="53" name="PlaceHolder 1"/>
+          <p:cNvPr id="51" name="PlaceHolder 1"/>
           <p:cNvSpPr>
             <a:spLocks noGrp="1"/>
           </p:cNvSpPr>
@@ -1771,7 +1726,7 @@
         <p:spPr>
           <a:xfrm>
             <a:off x="609480" y="366120"/>
-            <a:ext cx="10972440" cy="1523520"/>
+            <a:ext cx="10972080" cy="1523160"/>
           </a:xfrm>
           <a:prstGeom prst="rect">
             <a:avLst/>
@@ -1786,18 +1741,18 @@
             <a:noAutofit/>
           </a:bodyPr>
           <a:p>
-            <a:endParaRPr b="0" lang="en-US" sz="1800" spc="-1" strike="noStrike">
-              <a:solidFill>
-                <a:srgbClr val="000000"/>
-              </a:solidFill>
-              <a:latin typeface="Calibri"/>
-            </a:endParaRPr>
-          </a:p>
-        </p:txBody>
-      </p:sp>
-      <p:sp>
-        <p:nvSpPr>
-          <p:cNvPr id="54" name="PlaceHolder 2"/>
+            <a:pPr algn="ctr">
+              <a:buNone/>
+            </a:pPr>
+            <a:endParaRPr b="0" lang="en-IN" sz="4400" spc="-1" strike="noStrike">
+              <a:latin typeface="Arial"/>
+            </a:endParaRPr>
+          </a:p>
+        </p:txBody>
+      </p:sp>
+      <p:sp>
+        <p:nvSpPr>
+          <p:cNvPr id="52" name="PlaceHolder 2"/>
           <p:cNvSpPr>
             <a:spLocks noGrp="1"/>
           </p:cNvSpPr>
@@ -1820,21 +1775,18 @@
         </p:spPr>
         <p:txBody>
           <a:bodyPr lIns="0" rIns="0" tIns="0" bIns="0" anchor="t">
-            <a:normAutofit fontScale="88000"/>
-          </a:bodyPr>
-          <a:p>
-            <a:endParaRPr b="0" lang="en-US" sz="4270" spc="-1" strike="noStrike">
-              <a:solidFill>
-                <a:srgbClr val="000000"/>
-              </a:solidFill>
-              <a:latin typeface="Calibri"/>
-            </a:endParaRPr>
-          </a:p>
-        </p:txBody>
-      </p:sp>
-      <p:sp>
-        <p:nvSpPr>
-          <p:cNvPr id="55" name="PlaceHolder 3"/>
+            <a:normAutofit/>
+          </a:bodyPr>
+          <a:p>
+            <a:endParaRPr b="0" lang="en-IN" sz="3200" spc="-1" strike="noStrike">
+              <a:latin typeface="Arial"/>
+            </a:endParaRPr>
+          </a:p>
+        </p:txBody>
+      </p:sp>
+      <p:sp>
+        <p:nvSpPr>
+          <p:cNvPr id="53" name="PlaceHolder 3"/>
           <p:cNvSpPr>
             <a:spLocks noGrp="1"/>
           </p:cNvSpPr>
@@ -1845,7 +1797,7 @@
         <p:spPr>
           <a:xfrm>
             <a:off x="12464280" y="2324160"/>
-            <a:ext cx="10721520" cy="1002960"/>
+            <a:ext cx="10721520" cy="1002600"/>
           </a:xfrm>
           <a:prstGeom prst="rect">
             <a:avLst/>
@@ -1860,18 +1812,15 @@
             <a:normAutofit/>
           </a:bodyPr>
           <a:p>
-            <a:endParaRPr b="0" lang="en-US" sz="4270" spc="-1" strike="noStrike">
-              <a:solidFill>
-                <a:srgbClr val="000000"/>
-              </a:solidFill>
-              <a:latin typeface="Calibri"/>
-            </a:endParaRPr>
-          </a:p>
-        </p:txBody>
-      </p:sp>
-      <p:sp>
-        <p:nvSpPr>
-          <p:cNvPr id="56" name="PlaceHolder 4"/>
+            <a:endParaRPr b="0" lang="en-IN" sz="3200" spc="-1" strike="noStrike">
+              <a:latin typeface="Arial"/>
+            </a:endParaRPr>
+          </a:p>
+        </p:txBody>
+      </p:sp>
+      <p:sp>
+        <p:nvSpPr>
+          <p:cNvPr id="54" name="PlaceHolder 4"/>
           <p:cNvSpPr>
             <a:spLocks noGrp="1"/>
           </p:cNvSpPr>
@@ -1894,14 +1843,11 @@
         </p:spPr>
         <p:txBody>
           <a:bodyPr lIns="0" rIns="0" tIns="0" bIns="0" anchor="t">
-            <a:normAutofit fontScale="88000"/>
-          </a:bodyPr>
-          <a:p>
-            <a:endParaRPr b="0" lang="en-US" sz="4270" spc="-1" strike="noStrike">
-              <a:solidFill>
-                <a:srgbClr val="000000"/>
-              </a:solidFill>
-              <a:latin typeface="Calibri"/>
+            <a:normAutofit/>
+          </a:bodyPr>
+          <a:p>
+            <a:endParaRPr b="0" lang="en-IN" sz="3200" spc="-1" strike="noStrike">
+              <a:latin typeface="Arial"/>
             </a:endParaRPr>
           </a:p>
         </p:txBody>
@@ -1920,7 +1866,7 @@
         <p:txBody>
           <a:bodyPr/>
           <a:p>
-            <a:fld id="{3E01B762-B5DB-4C11-BA3B-8257E508C7F3}" type="slidenum">
+            <a:fld id="{CEFC30C7-79A7-4D92-B3D6-C3210A729F3B}" type="slidenum">
               <a:t>&lt;#&gt;</a:t>
             </a:fld>
           </a:p>
@@ -1950,7 +1896,7 @@
       </p:grpSpPr>
       <p:sp>
         <p:nvSpPr>
-          <p:cNvPr id="4" name="PlaceHolder 1"/>
+          <p:cNvPr id="3" name="PlaceHolder 1"/>
           <p:cNvSpPr>
             <a:spLocks noGrp="1"/>
           </p:cNvSpPr>
@@ -1961,7 +1907,7 @@
         <p:spPr>
           <a:xfrm>
             <a:off x="609480" y="366120"/>
-            <a:ext cx="10972440" cy="1523520"/>
+            <a:ext cx="10972080" cy="1523160"/>
           </a:xfrm>
           <a:prstGeom prst="rect">
             <a:avLst/>
@@ -1976,18 +1922,18 @@
             <a:noAutofit/>
           </a:bodyPr>
           <a:p>
-            <a:endParaRPr b="0" lang="en-US" sz="1800" spc="-1" strike="noStrike">
-              <a:solidFill>
-                <a:srgbClr val="000000"/>
-              </a:solidFill>
-              <a:latin typeface="Calibri"/>
-            </a:endParaRPr>
-          </a:p>
-        </p:txBody>
-      </p:sp>
-      <p:sp>
-        <p:nvSpPr>
-          <p:cNvPr id="5" name="PlaceHolder 2"/>
+            <a:pPr algn="ctr">
+              <a:buNone/>
+            </a:pPr>
+            <a:endParaRPr b="0" lang="en-IN" sz="4400" spc="-1" strike="noStrike">
+              <a:latin typeface="Arial"/>
+            </a:endParaRPr>
+          </a:p>
+        </p:txBody>
+      </p:sp>
+      <p:sp>
+        <p:nvSpPr>
+          <p:cNvPr id="4" name="PlaceHolder 2"/>
           <p:cNvSpPr>
             <a:spLocks noGrp="1"/>
           </p:cNvSpPr>
@@ -1998,7 +1944,7 @@
         <p:spPr>
           <a:xfrm>
             <a:off x="1206360" y="2324160"/>
-            <a:ext cx="21970800" cy="1002960"/>
+            <a:ext cx="21970440" cy="1002600"/>
           </a:xfrm>
           <a:prstGeom prst="rect">
             <a:avLst/>
@@ -2036,7 +1982,7 @@
         <p:txBody>
           <a:bodyPr/>
           <a:p>
-            <a:fld id="{9C4A72E9-7C53-4896-B74B-010CE40BC227}" type="slidenum">
+            <a:fld id="{0DC1A917-A81E-4215-9147-C3CC45DF81BF}" type="slidenum">
               <a:t>&lt;#&gt;</a:t>
             </a:fld>
           </a:p>
@@ -2066,7 +2012,7 @@
       </p:grpSpPr>
       <p:sp>
         <p:nvSpPr>
-          <p:cNvPr id="57" name="PlaceHolder 1"/>
+          <p:cNvPr id="55" name="PlaceHolder 1"/>
           <p:cNvSpPr>
             <a:spLocks noGrp="1"/>
           </p:cNvSpPr>
@@ -2077,7 +2023,7 @@
         <p:spPr>
           <a:xfrm>
             <a:off x="609480" y="366120"/>
-            <a:ext cx="10972440" cy="1523520"/>
+            <a:ext cx="10972080" cy="1523160"/>
           </a:xfrm>
           <a:prstGeom prst="rect">
             <a:avLst/>
@@ -2092,18 +2038,18 @@
             <a:noAutofit/>
           </a:bodyPr>
           <a:p>
-            <a:endParaRPr b="0" lang="en-US" sz="1800" spc="-1" strike="noStrike">
-              <a:solidFill>
-                <a:srgbClr val="000000"/>
-              </a:solidFill>
-              <a:latin typeface="Calibri"/>
-            </a:endParaRPr>
-          </a:p>
-        </p:txBody>
-      </p:sp>
-      <p:sp>
-        <p:nvSpPr>
-          <p:cNvPr id="58" name="PlaceHolder 2"/>
+            <a:pPr algn="ctr">
+              <a:buNone/>
+            </a:pPr>
+            <a:endParaRPr b="0" lang="en-IN" sz="4400" spc="-1" strike="noStrike">
+              <a:latin typeface="Arial"/>
+            </a:endParaRPr>
+          </a:p>
+        </p:txBody>
+      </p:sp>
+      <p:sp>
+        <p:nvSpPr>
+          <p:cNvPr id="56" name="PlaceHolder 2"/>
           <p:cNvSpPr>
             <a:spLocks noGrp="1"/>
           </p:cNvSpPr>
@@ -2114,7 +2060,7 @@
         <p:spPr>
           <a:xfrm>
             <a:off x="1206360" y="2324160"/>
-            <a:ext cx="10721520" cy="1002960"/>
+            <a:ext cx="10721520" cy="1002600"/>
           </a:xfrm>
           <a:prstGeom prst="rect">
             <a:avLst/>
@@ -2129,18 +2075,15 @@
             <a:normAutofit/>
           </a:bodyPr>
           <a:p>
-            <a:endParaRPr b="0" lang="en-US" sz="4270" spc="-1" strike="noStrike">
-              <a:solidFill>
-                <a:srgbClr val="000000"/>
-              </a:solidFill>
-              <a:latin typeface="Calibri"/>
-            </a:endParaRPr>
-          </a:p>
-        </p:txBody>
-      </p:sp>
-      <p:sp>
-        <p:nvSpPr>
-          <p:cNvPr id="59" name="PlaceHolder 3"/>
+            <a:endParaRPr b="0" lang="en-IN" sz="3200" spc="-1" strike="noStrike">
+              <a:latin typeface="Arial"/>
+            </a:endParaRPr>
+          </a:p>
+        </p:txBody>
+      </p:sp>
+      <p:sp>
+        <p:nvSpPr>
+          <p:cNvPr id="57" name="PlaceHolder 3"/>
           <p:cNvSpPr>
             <a:spLocks noGrp="1"/>
           </p:cNvSpPr>
@@ -2163,21 +2106,18 @@
         </p:spPr>
         <p:txBody>
           <a:bodyPr lIns="0" rIns="0" tIns="0" bIns="0" anchor="t">
-            <a:normAutofit fontScale="88000"/>
-          </a:bodyPr>
-          <a:p>
-            <a:endParaRPr b="0" lang="en-US" sz="4270" spc="-1" strike="noStrike">
-              <a:solidFill>
-                <a:srgbClr val="000000"/>
-              </a:solidFill>
-              <a:latin typeface="Calibri"/>
-            </a:endParaRPr>
-          </a:p>
-        </p:txBody>
-      </p:sp>
-      <p:sp>
-        <p:nvSpPr>
-          <p:cNvPr id="60" name="PlaceHolder 4"/>
+            <a:normAutofit/>
+          </a:bodyPr>
+          <a:p>
+            <a:endParaRPr b="0" lang="en-IN" sz="3200" spc="-1" strike="noStrike">
+              <a:latin typeface="Arial"/>
+            </a:endParaRPr>
+          </a:p>
+        </p:txBody>
+      </p:sp>
+      <p:sp>
+        <p:nvSpPr>
+          <p:cNvPr id="58" name="PlaceHolder 4"/>
           <p:cNvSpPr>
             <a:spLocks noGrp="1"/>
           </p:cNvSpPr>
@@ -2200,14 +2140,11 @@
         </p:spPr>
         <p:txBody>
           <a:bodyPr lIns="0" rIns="0" tIns="0" bIns="0" anchor="t">
-            <a:normAutofit fontScale="88000"/>
-          </a:bodyPr>
-          <a:p>
-            <a:endParaRPr b="0" lang="en-US" sz="4270" spc="-1" strike="noStrike">
-              <a:solidFill>
-                <a:srgbClr val="000000"/>
-              </a:solidFill>
-              <a:latin typeface="Calibri"/>
+            <a:normAutofit/>
+          </a:bodyPr>
+          <a:p>
+            <a:endParaRPr b="0" lang="en-IN" sz="3200" spc="-1" strike="noStrike">
+              <a:latin typeface="Arial"/>
             </a:endParaRPr>
           </a:p>
         </p:txBody>
@@ -2226,7 +2163,7 @@
         <p:txBody>
           <a:bodyPr/>
           <a:p>
-            <a:fld id="{5210EFDF-51B8-4346-AE27-4E1A43C76945}" type="slidenum">
+            <a:fld id="{C555EDFA-A652-4EFD-B96D-1E47E64F52A5}" type="slidenum">
               <a:t>&lt;#&gt;</a:t>
             </a:fld>
           </a:p>
@@ -2256,7 +2193,7 @@
       </p:grpSpPr>
       <p:sp>
         <p:nvSpPr>
-          <p:cNvPr id="61" name="PlaceHolder 1"/>
+          <p:cNvPr id="59" name="PlaceHolder 1"/>
           <p:cNvSpPr>
             <a:spLocks noGrp="1"/>
           </p:cNvSpPr>
@@ -2267,7 +2204,7 @@
         <p:spPr>
           <a:xfrm>
             <a:off x="609480" y="366120"/>
-            <a:ext cx="10972440" cy="1523520"/>
+            <a:ext cx="10972080" cy="1523160"/>
           </a:xfrm>
           <a:prstGeom prst="rect">
             <a:avLst/>
@@ -2282,18 +2219,18 @@
             <a:noAutofit/>
           </a:bodyPr>
           <a:p>
-            <a:endParaRPr b="0" lang="en-US" sz="1800" spc="-1" strike="noStrike">
-              <a:solidFill>
-                <a:srgbClr val="000000"/>
-              </a:solidFill>
-              <a:latin typeface="Calibri"/>
-            </a:endParaRPr>
-          </a:p>
-        </p:txBody>
-      </p:sp>
-      <p:sp>
-        <p:nvSpPr>
-          <p:cNvPr id="62" name="PlaceHolder 2"/>
+            <a:pPr algn="ctr">
+              <a:buNone/>
+            </a:pPr>
+            <a:endParaRPr b="0" lang="en-IN" sz="4400" spc="-1" strike="noStrike">
+              <a:latin typeface="Arial"/>
+            </a:endParaRPr>
+          </a:p>
+        </p:txBody>
+      </p:sp>
+      <p:sp>
+        <p:nvSpPr>
+          <p:cNvPr id="60" name="PlaceHolder 2"/>
           <p:cNvSpPr>
             <a:spLocks noGrp="1"/>
           </p:cNvSpPr>
@@ -2316,21 +2253,18 @@
         </p:spPr>
         <p:txBody>
           <a:bodyPr lIns="0" rIns="0" tIns="0" bIns="0" anchor="t">
-            <a:normAutofit fontScale="88000"/>
-          </a:bodyPr>
-          <a:p>
-            <a:endParaRPr b="0" lang="en-US" sz="4270" spc="-1" strike="noStrike">
-              <a:solidFill>
-                <a:srgbClr val="000000"/>
-              </a:solidFill>
-              <a:latin typeface="Calibri"/>
-            </a:endParaRPr>
-          </a:p>
-        </p:txBody>
-      </p:sp>
-      <p:sp>
-        <p:nvSpPr>
-          <p:cNvPr id="63" name="PlaceHolder 3"/>
+            <a:normAutofit/>
+          </a:bodyPr>
+          <a:p>
+            <a:endParaRPr b="0" lang="en-IN" sz="3200" spc="-1" strike="noStrike">
+              <a:latin typeface="Arial"/>
+            </a:endParaRPr>
+          </a:p>
+        </p:txBody>
+      </p:sp>
+      <p:sp>
+        <p:nvSpPr>
+          <p:cNvPr id="61" name="PlaceHolder 3"/>
           <p:cNvSpPr>
             <a:spLocks noGrp="1"/>
           </p:cNvSpPr>
@@ -2353,21 +2287,18 @@
         </p:spPr>
         <p:txBody>
           <a:bodyPr lIns="0" rIns="0" tIns="0" bIns="0" anchor="t">
-            <a:normAutofit fontScale="88000"/>
-          </a:bodyPr>
-          <a:p>
-            <a:endParaRPr b="0" lang="en-US" sz="4270" spc="-1" strike="noStrike">
-              <a:solidFill>
-                <a:srgbClr val="000000"/>
-              </a:solidFill>
-              <a:latin typeface="Calibri"/>
-            </a:endParaRPr>
-          </a:p>
-        </p:txBody>
-      </p:sp>
-      <p:sp>
-        <p:nvSpPr>
-          <p:cNvPr id="64" name="PlaceHolder 4"/>
+            <a:normAutofit/>
+          </a:bodyPr>
+          <a:p>
+            <a:endParaRPr b="0" lang="en-IN" sz="3200" spc="-1" strike="noStrike">
+              <a:latin typeface="Arial"/>
+            </a:endParaRPr>
+          </a:p>
+        </p:txBody>
+      </p:sp>
+      <p:sp>
+        <p:nvSpPr>
+          <p:cNvPr id="62" name="PlaceHolder 4"/>
           <p:cNvSpPr>
             <a:spLocks noGrp="1"/>
           </p:cNvSpPr>
@@ -2378,7 +2309,7 @@
         <p:spPr>
           <a:xfrm>
             <a:off x="1206360" y="2847960"/>
-            <a:ext cx="21970800" cy="478080"/>
+            <a:ext cx="21970440" cy="478080"/>
           </a:xfrm>
           <a:prstGeom prst="rect">
             <a:avLst/>
@@ -2390,14 +2321,11 @@
         </p:spPr>
         <p:txBody>
           <a:bodyPr lIns="0" rIns="0" tIns="0" bIns="0" anchor="t">
-            <a:normAutofit fontScale="88000"/>
-          </a:bodyPr>
-          <a:p>
-            <a:endParaRPr b="0" lang="en-US" sz="4270" spc="-1" strike="noStrike">
-              <a:solidFill>
-                <a:srgbClr val="000000"/>
-              </a:solidFill>
-              <a:latin typeface="Calibri"/>
+            <a:normAutofit/>
+          </a:bodyPr>
+          <a:p>
+            <a:endParaRPr b="0" lang="en-IN" sz="3200" spc="-1" strike="noStrike">
+              <a:latin typeface="Arial"/>
             </a:endParaRPr>
           </a:p>
         </p:txBody>
@@ -2416,7 +2344,7 @@
         <p:txBody>
           <a:bodyPr/>
           <a:p>
-            <a:fld id="{BB030A3A-5168-4503-8E71-FEBC699C4DDF}" type="slidenum">
+            <a:fld id="{57FBB35F-4D4C-45EC-BBB9-DA87EB4A9980}" type="slidenum">
               <a:t>&lt;#&gt;</a:t>
             </a:fld>
           </a:p>
@@ -2446,7 +2374,7 @@
       </p:grpSpPr>
       <p:sp>
         <p:nvSpPr>
-          <p:cNvPr id="65" name="PlaceHolder 1"/>
+          <p:cNvPr id="63" name="PlaceHolder 1"/>
           <p:cNvSpPr>
             <a:spLocks noGrp="1"/>
           </p:cNvSpPr>
@@ -2457,7 +2385,7 @@
         <p:spPr>
           <a:xfrm>
             <a:off x="609480" y="366120"/>
-            <a:ext cx="10972440" cy="1523520"/>
+            <a:ext cx="10972080" cy="1523160"/>
           </a:xfrm>
           <a:prstGeom prst="rect">
             <a:avLst/>
@@ -2472,18 +2400,18 @@
             <a:noAutofit/>
           </a:bodyPr>
           <a:p>
-            <a:endParaRPr b="0" lang="en-US" sz="1800" spc="-1" strike="noStrike">
-              <a:solidFill>
-                <a:srgbClr val="000000"/>
-              </a:solidFill>
-              <a:latin typeface="Calibri"/>
-            </a:endParaRPr>
-          </a:p>
-        </p:txBody>
-      </p:sp>
-      <p:sp>
-        <p:nvSpPr>
-          <p:cNvPr id="66" name="PlaceHolder 2"/>
+            <a:pPr algn="ctr">
+              <a:buNone/>
+            </a:pPr>
+            <a:endParaRPr b="0" lang="en-IN" sz="4400" spc="-1" strike="noStrike">
+              <a:latin typeface="Arial"/>
+            </a:endParaRPr>
+          </a:p>
+        </p:txBody>
+      </p:sp>
+      <p:sp>
+        <p:nvSpPr>
+          <p:cNvPr id="64" name="PlaceHolder 2"/>
           <p:cNvSpPr>
             <a:spLocks noGrp="1"/>
           </p:cNvSpPr>
@@ -2494,7 +2422,7 @@
         <p:spPr>
           <a:xfrm>
             <a:off x="1206360" y="2324160"/>
-            <a:ext cx="21970800" cy="478080"/>
+            <a:ext cx="21970440" cy="478080"/>
           </a:xfrm>
           <a:prstGeom prst="rect">
             <a:avLst/>
@@ -2506,21 +2434,18 @@
         </p:spPr>
         <p:txBody>
           <a:bodyPr lIns="0" rIns="0" tIns="0" bIns="0" anchor="t">
-            <a:normAutofit fontScale="88000"/>
-          </a:bodyPr>
-          <a:p>
-            <a:endParaRPr b="0" lang="en-US" sz="4270" spc="-1" strike="noStrike">
-              <a:solidFill>
-                <a:srgbClr val="000000"/>
-              </a:solidFill>
-              <a:latin typeface="Calibri"/>
-            </a:endParaRPr>
-          </a:p>
-        </p:txBody>
-      </p:sp>
-      <p:sp>
-        <p:nvSpPr>
-          <p:cNvPr id="67" name="PlaceHolder 3"/>
+            <a:normAutofit/>
+          </a:bodyPr>
+          <a:p>
+            <a:endParaRPr b="0" lang="en-IN" sz="3200" spc="-1" strike="noStrike">
+              <a:latin typeface="Arial"/>
+            </a:endParaRPr>
+          </a:p>
+        </p:txBody>
+      </p:sp>
+      <p:sp>
+        <p:nvSpPr>
+          <p:cNvPr id="65" name="PlaceHolder 3"/>
           <p:cNvSpPr>
             <a:spLocks noGrp="1"/>
           </p:cNvSpPr>
@@ -2531,7 +2456,7 @@
         <p:spPr>
           <a:xfrm>
             <a:off x="1206360" y="2847960"/>
-            <a:ext cx="21970800" cy="478080"/>
+            <a:ext cx="21970440" cy="478080"/>
           </a:xfrm>
           <a:prstGeom prst="rect">
             <a:avLst/>
@@ -2543,14 +2468,11 @@
         </p:spPr>
         <p:txBody>
           <a:bodyPr lIns="0" rIns="0" tIns="0" bIns="0" anchor="t">
-            <a:normAutofit fontScale="88000"/>
-          </a:bodyPr>
-          <a:p>
-            <a:endParaRPr b="0" lang="en-US" sz="4270" spc="-1" strike="noStrike">
-              <a:solidFill>
-                <a:srgbClr val="000000"/>
-              </a:solidFill>
-              <a:latin typeface="Calibri"/>
+            <a:normAutofit/>
+          </a:bodyPr>
+          <a:p>
+            <a:endParaRPr b="0" lang="en-IN" sz="3200" spc="-1" strike="noStrike">
+              <a:latin typeface="Arial"/>
             </a:endParaRPr>
           </a:p>
         </p:txBody>
@@ -2569,7 +2491,7 @@
         <p:txBody>
           <a:bodyPr/>
           <a:p>
-            <a:fld id="{51AEF33E-A0CF-48CF-88CC-515F90AEBA64}" type="slidenum">
+            <a:fld id="{1C1DC2B2-28A6-437B-90A6-37008788B684}" type="slidenum">
               <a:t>&lt;#&gt;</a:t>
             </a:fld>
           </a:p>
@@ -2599,7 +2521,7 @@
       </p:grpSpPr>
       <p:sp>
         <p:nvSpPr>
-          <p:cNvPr id="68" name="PlaceHolder 1"/>
+          <p:cNvPr id="66" name="PlaceHolder 1"/>
           <p:cNvSpPr>
             <a:spLocks noGrp="1"/>
           </p:cNvSpPr>
@@ -2610,7 +2532,7 @@
         <p:spPr>
           <a:xfrm>
             <a:off x="609480" y="366120"/>
-            <a:ext cx="10972440" cy="1523520"/>
+            <a:ext cx="10972080" cy="1523160"/>
           </a:xfrm>
           <a:prstGeom prst="rect">
             <a:avLst/>
@@ -2625,18 +2547,18 @@
             <a:noAutofit/>
           </a:bodyPr>
           <a:p>
-            <a:endParaRPr b="0" lang="en-US" sz="1800" spc="-1" strike="noStrike">
-              <a:solidFill>
-                <a:srgbClr val="000000"/>
-              </a:solidFill>
-              <a:latin typeface="Calibri"/>
-            </a:endParaRPr>
-          </a:p>
-        </p:txBody>
-      </p:sp>
-      <p:sp>
-        <p:nvSpPr>
-          <p:cNvPr id="69" name="PlaceHolder 2"/>
+            <a:pPr algn="ctr">
+              <a:buNone/>
+            </a:pPr>
+            <a:endParaRPr b="0" lang="en-IN" sz="4400" spc="-1" strike="noStrike">
+              <a:latin typeface="Arial"/>
+            </a:endParaRPr>
+          </a:p>
+        </p:txBody>
+      </p:sp>
+      <p:sp>
+        <p:nvSpPr>
+          <p:cNvPr id="67" name="PlaceHolder 2"/>
           <p:cNvSpPr>
             <a:spLocks noGrp="1"/>
           </p:cNvSpPr>
@@ -2659,21 +2581,18 @@
         </p:spPr>
         <p:txBody>
           <a:bodyPr lIns="0" rIns="0" tIns="0" bIns="0" anchor="t">
-            <a:normAutofit fontScale="88000"/>
-          </a:bodyPr>
-          <a:p>
-            <a:endParaRPr b="0" lang="en-US" sz="4270" spc="-1" strike="noStrike">
-              <a:solidFill>
-                <a:srgbClr val="000000"/>
-              </a:solidFill>
-              <a:latin typeface="Calibri"/>
-            </a:endParaRPr>
-          </a:p>
-        </p:txBody>
-      </p:sp>
-      <p:sp>
-        <p:nvSpPr>
-          <p:cNvPr id="70" name="PlaceHolder 3"/>
+            <a:normAutofit/>
+          </a:bodyPr>
+          <a:p>
+            <a:endParaRPr b="0" lang="en-IN" sz="3200" spc="-1" strike="noStrike">
+              <a:latin typeface="Arial"/>
+            </a:endParaRPr>
+          </a:p>
+        </p:txBody>
+      </p:sp>
+      <p:sp>
+        <p:nvSpPr>
+          <p:cNvPr id="68" name="PlaceHolder 3"/>
           <p:cNvSpPr>
             <a:spLocks noGrp="1"/>
           </p:cNvSpPr>
@@ -2696,21 +2615,18 @@
         </p:spPr>
         <p:txBody>
           <a:bodyPr lIns="0" rIns="0" tIns="0" bIns="0" anchor="t">
-            <a:normAutofit fontScale="88000"/>
-          </a:bodyPr>
-          <a:p>
-            <a:endParaRPr b="0" lang="en-US" sz="4270" spc="-1" strike="noStrike">
-              <a:solidFill>
-                <a:srgbClr val="000000"/>
-              </a:solidFill>
-              <a:latin typeface="Calibri"/>
-            </a:endParaRPr>
-          </a:p>
-        </p:txBody>
-      </p:sp>
-      <p:sp>
-        <p:nvSpPr>
-          <p:cNvPr id="71" name="PlaceHolder 4"/>
+            <a:normAutofit/>
+          </a:bodyPr>
+          <a:p>
+            <a:endParaRPr b="0" lang="en-IN" sz="3200" spc="-1" strike="noStrike">
+              <a:latin typeface="Arial"/>
+            </a:endParaRPr>
+          </a:p>
+        </p:txBody>
+      </p:sp>
+      <p:sp>
+        <p:nvSpPr>
+          <p:cNvPr id="69" name="PlaceHolder 4"/>
           <p:cNvSpPr>
             <a:spLocks noGrp="1"/>
           </p:cNvSpPr>
@@ -2733,21 +2649,18 @@
         </p:spPr>
         <p:txBody>
           <a:bodyPr lIns="0" rIns="0" tIns="0" bIns="0" anchor="t">
-            <a:normAutofit fontScale="88000"/>
-          </a:bodyPr>
-          <a:p>
-            <a:endParaRPr b="0" lang="en-US" sz="4270" spc="-1" strike="noStrike">
-              <a:solidFill>
-                <a:srgbClr val="000000"/>
-              </a:solidFill>
-              <a:latin typeface="Calibri"/>
-            </a:endParaRPr>
-          </a:p>
-        </p:txBody>
-      </p:sp>
-      <p:sp>
-        <p:nvSpPr>
-          <p:cNvPr id="72" name="PlaceHolder 5"/>
+            <a:normAutofit/>
+          </a:bodyPr>
+          <a:p>
+            <a:endParaRPr b="0" lang="en-IN" sz="3200" spc="-1" strike="noStrike">
+              <a:latin typeface="Arial"/>
+            </a:endParaRPr>
+          </a:p>
+        </p:txBody>
+      </p:sp>
+      <p:sp>
+        <p:nvSpPr>
+          <p:cNvPr id="70" name="PlaceHolder 5"/>
           <p:cNvSpPr>
             <a:spLocks noGrp="1"/>
           </p:cNvSpPr>
@@ -2770,14 +2683,11 @@
         </p:spPr>
         <p:txBody>
           <a:bodyPr lIns="0" rIns="0" tIns="0" bIns="0" anchor="t">
-            <a:normAutofit fontScale="88000"/>
-          </a:bodyPr>
-          <a:p>
-            <a:endParaRPr b="0" lang="en-US" sz="4270" spc="-1" strike="noStrike">
-              <a:solidFill>
-                <a:srgbClr val="000000"/>
-              </a:solidFill>
-              <a:latin typeface="Calibri"/>
+            <a:normAutofit/>
+          </a:bodyPr>
+          <a:p>
+            <a:endParaRPr b="0" lang="en-IN" sz="3200" spc="-1" strike="noStrike">
+              <a:latin typeface="Arial"/>
             </a:endParaRPr>
           </a:p>
         </p:txBody>
@@ -2796,7 +2706,7 @@
         <p:txBody>
           <a:bodyPr/>
           <a:p>
-            <a:fld id="{47C7A082-74A2-492B-AE49-C2E41343E422}" type="slidenum">
+            <a:fld id="{630ADE9A-9BEC-4E0C-868E-5063D201FF41}" type="slidenum">
               <a:t>&lt;#&gt;</a:t>
             </a:fld>
           </a:p>
@@ -2826,7 +2736,7 @@
       </p:grpSpPr>
       <p:sp>
         <p:nvSpPr>
-          <p:cNvPr id="73" name="PlaceHolder 1"/>
+          <p:cNvPr id="71" name="PlaceHolder 1"/>
           <p:cNvSpPr>
             <a:spLocks noGrp="1"/>
           </p:cNvSpPr>
@@ -2837,7 +2747,7 @@
         <p:spPr>
           <a:xfrm>
             <a:off x="609480" y="366120"/>
-            <a:ext cx="10972440" cy="1523520"/>
+            <a:ext cx="10972080" cy="1523160"/>
           </a:xfrm>
           <a:prstGeom prst="rect">
             <a:avLst/>
@@ -2852,18 +2762,18 @@
             <a:noAutofit/>
           </a:bodyPr>
           <a:p>
-            <a:endParaRPr b="0" lang="en-US" sz="1800" spc="-1" strike="noStrike">
-              <a:solidFill>
-                <a:srgbClr val="000000"/>
-              </a:solidFill>
-              <a:latin typeface="Calibri"/>
-            </a:endParaRPr>
-          </a:p>
-        </p:txBody>
-      </p:sp>
-      <p:sp>
-        <p:nvSpPr>
-          <p:cNvPr id="74" name="PlaceHolder 2"/>
+            <a:pPr algn="ctr">
+              <a:buNone/>
+            </a:pPr>
+            <a:endParaRPr b="0" lang="en-IN" sz="4400" spc="-1" strike="noStrike">
+              <a:latin typeface="Arial"/>
+            </a:endParaRPr>
+          </a:p>
+        </p:txBody>
+      </p:sp>
+      <p:sp>
+        <p:nvSpPr>
+          <p:cNvPr id="72" name="PlaceHolder 2"/>
           <p:cNvSpPr>
             <a:spLocks noGrp="1"/>
           </p:cNvSpPr>
@@ -2886,21 +2796,18 @@
         </p:spPr>
         <p:txBody>
           <a:bodyPr lIns="0" rIns="0" tIns="0" bIns="0" anchor="t">
-            <a:normAutofit fontScale="88000"/>
-          </a:bodyPr>
-          <a:p>
-            <a:endParaRPr b="0" lang="en-US" sz="4270" spc="-1" strike="noStrike">
-              <a:solidFill>
-                <a:srgbClr val="000000"/>
-              </a:solidFill>
-              <a:latin typeface="Calibri"/>
-            </a:endParaRPr>
-          </a:p>
-        </p:txBody>
-      </p:sp>
-      <p:sp>
-        <p:nvSpPr>
-          <p:cNvPr id="75" name="PlaceHolder 3"/>
+            <a:normAutofit/>
+          </a:bodyPr>
+          <a:p>
+            <a:endParaRPr b="0" lang="en-IN" sz="3200" spc="-1" strike="noStrike">
+              <a:latin typeface="Arial"/>
+            </a:endParaRPr>
+          </a:p>
+        </p:txBody>
+      </p:sp>
+      <p:sp>
+        <p:nvSpPr>
+          <p:cNvPr id="73" name="PlaceHolder 3"/>
           <p:cNvSpPr>
             <a:spLocks noGrp="1"/>
           </p:cNvSpPr>
@@ -2923,21 +2830,18 @@
         </p:spPr>
         <p:txBody>
           <a:bodyPr lIns="0" rIns="0" tIns="0" bIns="0" anchor="t">
-            <a:normAutofit fontScale="88000"/>
-          </a:bodyPr>
-          <a:p>
-            <a:endParaRPr b="0" lang="en-US" sz="4270" spc="-1" strike="noStrike">
-              <a:solidFill>
-                <a:srgbClr val="000000"/>
-              </a:solidFill>
-              <a:latin typeface="Calibri"/>
-            </a:endParaRPr>
-          </a:p>
-        </p:txBody>
-      </p:sp>
-      <p:sp>
-        <p:nvSpPr>
-          <p:cNvPr id="76" name="PlaceHolder 4"/>
+            <a:normAutofit/>
+          </a:bodyPr>
+          <a:p>
+            <a:endParaRPr b="0" lang="en-IN" sz="3200" spc="-1" strike="noStrike">
+              <a:latin typeface="Arial"/>
+            </a:endParaRPr>
+          </a:p>
+        </p:txBody>
+      </p:sp>
+      <p:sp>
+        <p:nvSpPr>
+          <p:cNvPr id="74" name="PlaceHolder 4"/>
           <p:cNvSpPr>
             <a:spLocks noGrp="1"/>
           </p:cNvSpPr>
@@ -2960,21 +2864,18 @@
         </p:spPr>
         <p:txBody>
           <a:bodyPr lIns="0" rIns="0" tIns="0" bIns="0" anchor="t">
-            <a:normAutofit fontScale="88000"/>
-          </a:bodyPr>
-          <a:p>
-            <a:endParaRPr b="0" lang="en-US" sz="4270" spc="-1" strike="noStrike">
-              <a:solidFill>
-                <a:srgbClr val="000000"/>
-              </a:solidFill>
-              <a:latin typeface="Calibri"/>
-            </a:endParaRPr>
-          </a:p>
-        </p:txBody>
-      </p:sp>
-      <p:sp>
-        <p:nvSpPr>
-          <p:cNvPr id="77" name="PlaceHolder 5"/>
+            <a:normAutofit/>
+          </a:bodyPr>
+          <a:p>
+            <a:endParaRPr b="0" lang="en-IN" sz="3200" spc="-1" strike="noStrike">
+              <a:latin typeface="Arial"/>
+            </a:endParaRPr>
+          </a:p>
+        </p:txBody>
+      </p:sp>
+      <p:sp>
+        <p:nvSpPr>
+          <p:cNvPr id="75" name="PlaceHolder 5"/>
           <p:cNvSpPr>
             <a:spLocks noGrp="1"/>
           </p:cNvSpPr>
@@ -2997,21 +2898,18 @@
         </p:spPr>
         <p:txBody>
           <a:bodyPr lIns="0" rIns="0" tIns="0" bIns="0" anchor="t">
-            <a:normAutofit fontScale="88000"/>
-          </a:bodyPr>
-          <a:p>
-            <a:endParaRPr b="0" lang="en-US" sz="4270" spc="-1" strike="noStrike">
-              <a:solidFill>
-                <a:srgbClr val="000000"/>
-              </a:solidFill>
-              <a:latin typeface="Calibri"/>
-            </a:endParaRPr>
-          </a:p>
-        </p:txBody>
-      </p:sp>
-      <p:sp>
-        <p:nvSpPr>
-          <p:cNvPr id="78" name="PlaceHolder 6"/>
+            <a:normAutofit/>
+          </a:bodyPr>
+          <a:p>
+            <a:endParaRPr b="0" lang="en-IN" sz="3200" spc="-1" strike="noStrike">
+              <a:latin typeface="Arial"/>
+            </a:endParaRPr>
+          </a:p>
+        </p:txBody>
+      </p:sp>
+      <p:sp>
+        <p:nvSpPr>
+          <p:cNvPr id="76" name="PlaceHolder 6"/>
           <p:cNvSpPr>
             <a:spLocks noGrp="1"/>
           </p:cNvSpPr>
@@ -3034,21 +2932,18 @@
         </p:spPr>
         <p:txBody>
           <a:bodyPr lIns="0" rIns="0" tIns="0" bIns="0" anchor="t">
-            <a:normAutofit fontScale="88000"/>
-          </a:bodyPr>
-          <a:p>
-            <a:endParaRPr b="0" lang="en-US" sz="4270" spc="-1" strike="noStrike">
-              <a:solidFill>
-                <a:srgbClr val="000000"/>
-              </a:solidFill>
-              <a:latin typeface="Calibri"/>
-            </a:endParaRPr>
-          </a:p>
-        </p:txBody>
-      </p:sp>
-      <p:sp>
-        <p:nvSpPr>
-          <p:cNvPr id="79" name="PlaceHolder 7"/>
+            <a:normAutofit/>
+          </a:bodyPr>
+          <a:p>
+            <a:endParaRPr b="0" lang="en-IN" sz="3200" spc="-1" strike="noStrike">
+              <a:latin typeface="Arial"/>
+            </a:endParaRPr>
+          </a:p>
+        </p:txBody>
+      </p:sp>
+      <p:sp>
+        <p:nvSpPr>
+          <p:cNvPr id="77" name="PlaceHolder 7"/>
           <p:cNvSpPr>
             <a:spLocks noGrp="1"/>
           </p:cNvSpPr>
@@ -3071,14 +2966,11 @@
         </p:spPr>
         <p:txBody>
           <a:bodyPr lIns="0" rIns="0" tIns="0" bIns="0" anchor="t">
-            <a:normAutofit fontScale="88000"/>
-          </a:bodyPr>
-          <a:p>
-            <a:endParaRPr b="0" lang="en-US" sz="4270" spc="-1" strike="noStrike">
-              <a:solidFill>
-                <a:srgbClr val="000000"/>
-              </a:solidFill>
-              <a:latin typeface="Calibri"/>
+            <a:normAutofit/>
+          </a:bodyPr>
+          <a:p>
+            <a:endParaRPr b="0" lang="en-IN" sz="3200" spc="-1" strike="noStrike">
+              <a:latin typeface="Arial"/>
             </a:endParaRPr>
           </a:p>
         </p:txBody>
@@ -3097,7 +2989,7 @@
         <p:txBody>
           <a:bodyPr/>
           <a:p>
-            <a:fld id="{71641757-CEDB-46CC-A373-551B9E5E7DDF}" type="slidenum">
+            <a:fld id="{104DBB34-2D4F-499C-AE18-9A9E4B64D70C}" type="slidenum">
               <a:t>&lt;#&gt;</a:t>
             </a:fld>
           </a:p>
@@ -3127,7 +3019,7 @@
       </p:grpSpPr>
       <p:sp>
         <p:nvSpPr>
-          <p:cNvPr id="6" name="PlaceHolder 1"/>
+          <p:cNvPr id="5" name="PlaceHolder 1"/>
           <p:cNvSpPr>
             <a:spLocks noGrp="1"/>
           </p:cNvSpPr>
@@ -3138,7 +3030,7 @@
         <p:spPr>
           <a:xfrm>
             <a:off x="609480" y="366120"/>
-            <a:ext cx="10972440" cy="1523520"/>
+            <a:ext cx="10972080" cy="1523160"/>
           </a:xfrm>
           <a:prstGeom prst="rect">
             <a:avLst/>
@@ -3153,18 +3045,18 @@
             <a:noAutofit/>
           </a:bodyPr>
           <a:p>
-            <a:endParaRPr b="0" lang="en-US" sz="1800" spc="-1" strike="noStrike">
-              <a:solidFill>
-                <a:srgbClr val="000000"/>
-              </a:solidFill>
-              <a:latin typeface="Calibri"/>
-            </a:endParaRPr>
-          </a:p>
-        </p:txBody>
-      </p:sp>
-      <p:sp>
-        <p:nvSpPr>
-          <p:cNvPr id="7" name="PlaceHolder 2"/>
+            <a:pPr algn="ctr">
+              <a:buNone/>
+            </a:pPr>
+            <a:endParaRPr b="0" lang="en-IN" sz="4400" spc="-1" strike="noStrike">
+              <a:latin typeface="Arial"/>
+            </a:endParaRPr>
+          </a:p>
+        </p:txBody>
+      </p:sp>
+      <p:sp>
+        <p:nvSpPr>
+          <p:cNvPr id="6" name="PlaceHolder 2"/>
           <p:cNvSpPr>
             <a:spLocks noGrp="1"/>
           </p:cNvSpPr>
@@ -3175,7 +3067,7 @@
         <p:spPr>
           <a:xfrm>
             <a:off x="1206360" y="2324160"/>
-            <a:ext cx="21970800" cy="1002960"/>
+            <a:ext cx="21970440" cy="1002600"/>
           </a:xfrm>
           <a:prstGeom prst="rect">
             <a:avLst/>
@@ -3190,11 +3082,8 @@
             <a:normAutofit/>
           </a:bodyPr>
           <a:p>
-            <a:endParaRPr b="0" lang="en-US" sz="4270" spc="-1" strike="noStrike">
-              <a:solidFill>
-                <a:srgbClr val="000000"/>
-              </a:solidFill>
-              <a:latin typeface="Calibri"/>
+            <a:endParaRPr b="0" lang="en-IN" sz="3200" spc="-1" strike="noStrike">
+              <a:latin typeface="Arial"/>
             </a:endParaRPr>
           </a:p>
         </p:txBody>
@@ -3213,7 +3102,7 @@
         <p:txBody>
           <a:bodyPr/>
           <a:p>
-            <a:fld id="{CB38F367-6634-4931-A2FA-67E312133B29}" type="slidenum">
+            <a:fld id="{7623D2E8-1203-475E-A07A-B67C1EE2AD93}" type="slidenum">
               <a:t>&lt;#&gt;</a:t>
             </a:fld>
           </a:p>
@@ -3243,7 +3132,7 @@
       </p:grpSpPr>
       <p:sp>
         <p:nvSpPr>
-          <p:cNvPr id="8" name="PlaceHolder 1"/>
+          <p:cNvPr id="7" name="PlaceHolder 1"/>
           <p:cNvSpPr>
             <a:spLocks noGrp="1"/>
           </p:cNvSpPr>
@@ -3254,7 +3143,7 @@
         <p:spPr>
           <a:xfrm>
             <a:off x="609480" y="366120"/>
-            <a:ext cx="10972440" cy="1523520"/>
+            <a:ext cx="10972080" cy="1523160"/>
           </a:xfrm>
           <a:prstGeom prst="rect">
             <a:avLst/>
@@ -3269,18 +3158,18 @@
             <a:noAutofit/>
           </a:bodyPr>
           <a:p>
-            <a:endParaRPr b="0" lang="en-US" sz="1800" spc="-1" strike="noStrike">
-              <a:solidFill>
-                <a:srgbClr val="000000"/>
-              </a:solidFill>
-              <a:latin typeface="Calibri"/>
-            </a:endParaRPr>
-          </a:p>
-        </p:txBody>
-      </p:sp>
-      <p:sp>
-        <p:nvSpPr>
-          <p:cNvPr id="9" name="PlaceHolder 2"/>
+            <a:pPr algn="ctr">
+              <a:buNone/>
+            </a:pPr>
+            <a:endParaRPr b="0" lang="en-IN" sz="4400" spc="-1" strike="noStrike">
+              <a:latin typeface="Arial"/>
+            </a:endParaRPr>
+          </a:p>
+        </p:txBody>
+      </p:sp>
+      <p:sp>
+        <p:nvSpPr>
+          <p:cNvPr id="8" name="PlaceHolder 2"/>
           <p:cNvSpPr>
             <a:spLocks noGrp="1"/>
           </p:cNvSpPr>
@@ -3291,7 +3180,7 @@
         <p:spPr>
           <a:xfrm>
             <a:off x="1206360" y="2324160"/>
-            <a:ext cx="10721520" cy="1002960"/>
+            <a:ext cx="10721520" cy="1002600"/>
           </a:xfrm>
           <a:prstGeom prst="rect">
             <a:avLst/>
@@ -3306,18 +3195,15 @@
             <a:normAutofit/>
           </a:bodyPr>
           <a:p>
-            <a:endParaRPr b="0" lang="en-US" sz="4270" spc="-1" strike="noStrike">
-              <a:solidFill>
-                <a:srgbClr val="000000"/>
-              </a:solidFill>
-              <a:latin typeface="Calibri"/>
-            </a:endParaRPr>
-          </a:p>
-        </p:txBody>
-      </p:sp>
-      <p:sp>
-        <p:nvSpPr>
-          <p:cNvPr id="10" name="PlaceHolder 3"/>
+            <a:endParaRPr b="0" lang="en-IN" sz="3200" spc="-1" strike="noStrike">
+              <a:latin typeface="Arial"/>
+            </a:endParaRPr>
+          </a:p>
+        </p:txBody>
+      </p:sp>
+      <p:sp>
+        <p:nvSpPr>
+          <p:cNvPr id="9" name="PlaceHolder 3"/>
           <p:cNvSpPr>
             <a:spLocks noGrp="1"/>
           </p:cNvSpPr>
@@ -3328,7 +3214,7 @@
         <p:spPr>
           <a:xfrm>
             <a:off x="12464280" y="2324160"/>
-            <a:ext cx="10721520" cy="1002960"/>
+            <a:ext cx="10721520" cy="1002600"/>
           </a:xfrm>
           <a:prstGeom prst="rect">
             <a:avLst/>
@@ -3343,11 +3229,8 @@
             <a:normAutofit/>
           </a:bodyPr>
           <a:p>
-            <a:endParaRPr b="0" lang="en-US" sz="4270" spc="-1" strike="noStrike">
-              <a:solidFill>
-                <a:srgbClr val="000000"/>
-              </a:solidFill>
-              <a:latin typeface="Calibri"/>
+            <a:endParaRPr b="0" lang="en-IN" sz="3200" spc="-1" strike="noStrike">
+              <a:latin typeface="Arial"/>
             </a:endParaRPr>
           </a:p>
         </p:txBody>
@@ -3366,7 +3249,7 @@
         <p:txBody>
           <a:bodyPr/>
           <a:p>
-            <a:fld id="{5EB236B4-4DDE-46C8-9C07-3F0C5D5A7F16}" type="slidenum">
+            <a:fld id="{789CC1D4-91A2-43D4-B695-50B4E433393F}" type="slidenum">
               <a:t>&lt;#&gt;</a:t>
             </a:fld>
           </a:p>
@@ -3396,7 +3279,7 @@
       </p:grpSpPr>
       <p:sp>
         <p:nvSpPr>
-          <p:cNvPr id="11" name="PlaceHolder 1"/>
+          <p:cNvPr id="10" name="PlaceHolder 1"/>
           <p:cNvSpPr>
             <a:spLocks noGrp="1"/>
           </p:cNvSpPr>
@@ -3407,7 +3290,7 @@
         <p:spPr>
           <a:xfrm>
             <a:off x="609480" y="366120"/>
-            <a:ext cx="10972440" cy="1523520"/>
+            <a:ext cx="10972080" cy="1523160"/>
           </a:xfrm>
           <a:prstGeom prst="rect">
             <a:avLst/>
@@ -3422,11 +3305,11 @@
             <a:noAutofit/>
           </a:bodyPr>
           <a:p>
-            <a:endParaRPr b="0" lang="en-US" sz="1800" spc="-1" strike="noStrike">
-              <a:solidFill>
-                <a:srgbClr val="000000"/>
-              </a:solidFill>
-              <a:latin typeface="Calibri"/>
+            <a:pPr algn="ctr">
+              <a:buNone/>
+            </a:pPr>
+            <a:endParaRPr b="0" lang="en-IN" sz="4400" spc="-1" strike="noStrike">
+              <a:latin typeface="Arial"/>
             </a:endParaRPr>
           </a:p>
         </p:txBody>
@@ -3445,7 +3328,7 @@
         <p:txBody>
           <a:bodyPr/>
           <a:p>
-            <a:fld id="{96D83E0B-7366-4869-B69B-61DB64E5F525}" type="slidenum">
+            <a:fld id="{F1339641-0AB4-4432-8A33-784B5335ADDC}" type="slidenum">
               <a:t>&lt;#&gt;</a:t>
             </a:fld>
           </a:p>
@@ -3475,7 +3358,7 @@
       </p:grpSpPr>
       <p:sp>
         <p:nvSpPr>
-          <p:cNvPr id="12" name="PlaceHolder 1"/>
+          <p:cNvPr id="11" name="PlaceHolder 1"/>
           <p:cNvSpPr>
             <a:spLocks noGrp="1"/>
           </p:cNvSpPr>
@@ -3486,7 +3369,7 @@
         <p:spPr>
           <a:xfrm>
             <a:off x="609480" y="366120"/>
-            <a:ext cx="10972440" cy="7063560"/>
+            <a:ext cx="10972080" cy="7061760"/>
           </a:xfrm>
           <a:prstGeom prst="rect">
             <a:avLst/>
@@ -3524,7 +3407,7 @@
         <p:txBody>
           <a:bodyPr/>
           <a:p>
-            <a:fld id="{17AA98DD-A2A1-4D0A-8FB3-DABFFE0AAB13}" type="slidenum">
+            <a:fld id="{AD355E14-0A37-4811-9B11-A58D2E96EDD1}" type="slidenum">
               <a:t>&lt;#&gt;</a:t>
             </a:fld>
           </a:p>
@@ -3554,7 +3437,7 @@
       </p:grpSpPr>
       <p:sp>
         <p:nvSpPr>
-          <p:cNvPr id="13" name="PlaceHolder 1"/>
+          <p:cNvPr id="12" name="PlaceHolder 1"/>
           <p:cNvSpPr>
             <a:spLocks noGrp="1"/>
           </p:cNvSpPr>
@@ -3565,7 +3448,7 @@
         <p:spPr>
           <a:xfrm>
             <a:off x="609480" y="366120"/>
-            <a:ext cx="10972440" cy="1523520"/>
+            <a:ext cx="10972080" cy="1523160"/>
           </a:xfrm>
           <a:prstGeom prst="rect">
             <a:avLst/>
@@ -3580,18 +3463,18 @@
             <a:noAutofit/>
           </a:bodyPr>
           <a:p>
-            <a:endParaRPr b="0" lang="en-US" sz="1800" spc="-1" strike="noStrike">
-              <a:solidFill>
-                <a:srgbClr val="000000"/>
-              </a:solidFill>
-              <a:latin typeface="Calibri"/>
-            </a:endParaRPr>
-          </a:p>
-        </p:txBody>
-      </p:sp>
-      <p:sp>
-        <p:nvSpPr>
-          <p:cNvPr id="14" name="PlaceHolder 2"/>
+            <a:pPr algn="ctr">
+              <a:buNone/>
+            </a:pPr>
+            <a:endParaRPr b="0" lang="en-IN" sz="4400" spc="-1" strike="noStrike">
+              <a:latin typeface="Arial"/>
+            </a:endParaRPr>
+          </a:p>
+        </p:txBody>
+      </p:sp>
+      <p:sp>
+        <p:nvSpPr>
+          <p:cNvPr id="13" name="PlaceHolder 2"/>
           <p:cNvSpPr>
             <a:spLocks noGrp="1"/>
           </p:cNvSpPr>
@@ -3614,21 +3497,18 @@
         </p:spPr>
         <p:txBody>
           <a:bodyPr lIns="0" rIns="0" tIns="0" bIns="0" anchor="t">
-            <a:normAutofit fontScale="88000"/>
-          </a:bodyPr>
-          <a:p>
-            <a:endParaRPr b="0" lang="en-US" sz="4270" spc="-1" strike="noStrike">
-              <a:solidFill>
-                <a:srgbClr val="000000"/>
-              </a:solidFill>
-              <a:latin typeface="Calibri"/>
-            </a:endParaRPr>
-          </a:p>
-        </p:txBody>
-      </p:sp>
-      <p:sp>
-        <p:nvSpPr>
-          <p:cNvPr id="15" name="PlaceHolder 3"/>
+            <a:normAutofit/>
+          </a:bodyPr>
+          <a:p>
+            <a:endParaRPr b="0" lang="en-IN" sz="3200" spc="-1" strike="noStrike">
+              <a:latin typeface="Arial"/>
+            </a:endParaRPr>
+          </a:p>
+        </p:txBody>
+      </p:sp>
+      <p:sp>
+        <p:nvSpPr>
+          <p:cNvPr id="14" name="PlaceHolder 3"/>
           <p:cNvSpPr>
             <a:spLocks noGrp="1"/>
           </p:cNvSpPr>
@@ -3639,7 +3519,7 @@
         <p:spPr>
           <a:xfrm>
             <a:off x="12464280" y="2324160"/>
-            <a:ext cx="10721520" cy="1002960"/>
+            <a:ext cx="10721520" cy="1002600"/>
           </a:xfrm>
           <a:prstGeom prst="rect">
             <a:avLst/>
@@ -3654,18 +3534,15 @@
             <a:normAutofit/>
           </a:bodyPr>
           <a:p>
-            <a:endParaRPr b="0" lang="en-US" sz="4270" spc="-1" strike="noStrike">
-              <a:solidFill>
-                <a:srgbClr val="000000"/>
-              </a:solidFill>
-              <a:latin typeface="Calibri"/>
-            </a:endParaRPr>
-          </a:p>
-        </p:txBody>
-      </p:sp>
-      <p:sp>
-        <p:nvSpPr>
-          <p:cNvPr id="16" name="PlaceHolder 4"/>
+            <a:endParaRPr b="0" lang="en-IN" sz="3200" spc="-1" strike="noStrike">
+              <a:latin typeface="Arial"/>
+            </a:endParaRPr>
+          </a:p>
+        </p:txBody>
+      </p:sp>
+      <p:sp>
+        <p:nvSpPr>
+          <p:cNvPr id="15" name="PlaceHolder 4"/>
           <p:cNvSpPr>
             <a:spLocks noGrp="1"/>
           </p:cNvSpPr>
@@ -3688,14 +3565,11 @@
         </p:spPr>
         <p:txBody>
           <a:bodyPr lIns="0" rIns="0" tIns="0" bIns="0" anchor="t">
-            <a:normAutofit fontScale="88000"/>
-          </a:bodyPr>
-          <a:p>
-            <a:endParaRPr b="0" lang="en-US" sz="4270" spc="-1" strike="noStrike">
-              <a:solidFill>
-                <a:srgbClr val="000000"/>
-              </a:solidFill>
-              <a:latin typeface="Calibri"/>
+            <a:normAutofit/>
+          </a:bodyPr>
+          <a:p>
+            <a:endParaRPr b="0" lang="en-IN" sz="3200" spc="-1" strike="noStrike">
+              <a:latin typeface="Arial"/>
             </a:endParaRPr>
           </a:p>
         </p:txBody>
@@ -3714,7 +3588,7 @@
         <p:txBody>
           <a:bodyPr/>
           <a:p>
-            <a:fld id="{A0F15FC5-7295-4DC9-9BED-CF7EC1E5B4E2}" type="slidenum">
+            <a:fld id="{DD805919-2F21-41FF-9F57-93E06E2FC13B}" type="slidenum">
               <a:t>&lt;#&gt;</a:t>
             </a:fld>
           </a:p>
@@ -3744,7 +3618,7 @@
       </p:grpSpPr>
       <p:sp>
         <p:nvSpPr>
-          <p:cNvPr id="17" name="PlaceHolder 1"/>
+          <p:cNvPr id="16" name="PlaceHolder 1"/>
           <p:cNvSpPr>
             <a:spLocks noGrp="1"/>
           </p:cNvSpPr>
@@ -3755,7 +3629,7 @@
         <p:spPr>
           <a:xfrm>
             <a:off x="609480" y="366120"/>
-            <a:ext cx="10972440" cy="1523520"/>
+            <a:ext cx="10972080" cy="1523160"/>
           </a:xfrm>
           <a:prstGeom prst="rect">
             <a:avLst/>
@@ -3770,18 +3644,18 @@
             <a:noAutofit/>
           </a:bodyPr>
           <a:p>
-            <a:endParaRPr b="0" lang="en-US" sz="1800" spc="-1" strike="noStrike">
-              <a:solidFill>
-                <a:srgbClr val="000000"/>
-              </a:solidFill>
-              <a:latin typeface="Calibri"/>
-            </a:endParaRPr>
-          </a:p>
-        </p:txBody>
-      </p:sp>
-      <p:sp>
-        <p:nvSpPr>
-          <p:cNvPr id="18" name="PlaceHolder 2"/>
+            <a:pPr algn="ctr">
+              <a:buNone/>
+            </a:pPr>
+            <a:endParaRPr b="0" lang="en-IN" sz="4400" spc="-1" strike="noStrike">
+              <a:latin typeface="Arial"/>
+            </a:endParaRPr>
+          </a:p>
+        </p:txBody>
+      </p:sp>
+      <p:sp>
+        <p:nvSpPr>
+          <p:cNvPr id="17" name="PlaceHolder 2"/>
           <p:cNvSpPr>
             <a:spLocks noGrp="1"/>
           </p:cNvSpPr>
@@ -3792,7 +3666,7 @@
         <p:spPr>
           <a:xfrm>
             <a:off x="1206360" y="2324160"/>
-            <a:ext cx="10721520" cy="1002960"/>
+            <a:ext cx="10721520" cy="1002600"/>
           </a:xfrm>
           <a:prstGeom prst="rect">
             <a:avLst/>
@@ -3807,18 +3681,15 @@
             <a:normAutofit/>
           </a:bodyPr>
           <a:p>
-            <a:endParaRPr b="0" lang="en-US" sz="4270" spc="-1" strike="noStrike">
-              <a:solidFill>
-                <a:srgbClr val="000000"/>
-              </a:solidFill>
-              <a:latin typeface="Calibri"/>
-            </a:endParaRPr>
-          </a:p>
-        </p:txBody>
-      </p:sp>
-      <p:sp>
-        <p:nvSpPr>
-          <p:cNvPr id="19" name="PlaceHolder 3"/>
+            <a:endParaRPr b="0" lang="en-IN" sz="3200" spc="-1" strike="noStrike">
+              <a:latin typeface="Arial"/>
+            </a:endParaRPr>
+          </a:p>
+        </p:txBody>
+      </p:sp>
+      <p:sp>
+        <p:nvSpPr>
+          <p:cNvPr id="18" name="PlaceHolder 3"/>
           <p:cNvSpPr>
             <a:spLocks noGrp="1"/>
           </p:cNvSpPr>
@@ -3841,21 +3712,18 @@
         </p:spPr>
         <p:txBody>
           <a:bodyPr lIns="0" rIns="0" tIns="0" bIns="0" anchor="t">
-            <a:normAutofit fontScale="88000"/>
-          </a:bodyPr>
-          <a:p>
-            <a:endParaRPr b="0" lang="en-US" sz="4270" spc="-1" strike="noStrike">
-              <a:solidFill>
-                <a:srgbClr val="000000"/>
-              </a:solidFill>
-              <a:latin typeface="Calibri"/>
-            </a:endParaRPr>
-          </a:p>
-        </p:txBody>
-      </p:sp>
-      <p:sp>
-        <p:nvSpPr>
-          <p:cNvPr id="20" name="PlaceHolder 4"/>
+            <a:normAutofit/>
+          </a:bodyPr>
+          <a:p>
+            <a:endParaRPr b="0" lang="en-IN" sz="3200" spc="-1" strike="noStrike">
+              <a:latin typeface="Arial"/>
+            </a:endParaRPr>
+          </a:p>
+        </p:txBody>
+      </p:sp>
+      <p:sp>
+        <p:nvSpPr>
+          <p:cNvPr id="19" name="PlaceHolder 4"/>
           <p:cNvSpPr>
             <a:spLocks noGrp="1"/>
           </p:cNvSpPr>
@@ -3878,14 +3746,11 @@
         </p:spPr>
         <p:txBody>
           <a:bodyPr lIns="0" rIns="0" tIns="0" bIns="0" anchor="t">
-            <a:normAutofit fontScale="88000"/>
-          </a:bodyPr>
-          <a:p>
-            <a:endParaRPr b="0" lang="en-US" sz="4270" spc="-1" strike="noStrike">
-              <a:solidFill>
-                <a:srgbClr val="000000"/>
-              </a:solidFill>
-              <a:latin typeface="Calibri"/>
+            <a:normAutofit/>
+          </a:bodyPr>
+          <a:p>
+            <a:endParaRPr b="0" lang="en-IN" sz="3200" spc="-1" strike="noStrike">
+              <a:latin typeface="Arial"/>
             </a:endParaRPr>
           </a:p>
         </p:txBody>
@@ -3904,7 +3769,7 @@
         <p:txBody>
           <a:bodyPr/>
           <a:p>
-            <a:fld id="{D5563094-E3E1-458C-BA0D-2F1627D24D6B}" type="slidenum">
+            <a:fld id="{18B91AC3-F824-4439-9BC1-72776F3C6DA3}" type="slidenum">
               <a:t>&lt;#&gt;</a:t>
             </a:fld>
           </a:p>
@@ -3934,7 +3799,7 @@
       </p:grpSpPr>
       <p:sp>
         <p:nvSpPr>
-          <p:cNvPr id="21" name="PlaceHolder 1"/>
+          <p:cNvPr id="20" name="PlaceHolder 1"/>
           <p:cNvSpPr>
             <a:spLocks noGrp="1"/>
           </p:cNvSpPr>
@@ -3945,7 +3810,7 @@
         <p:spPr>
           <a:xfrm>
             <a:off x="609480" y="366120"/>
-            <a:ext cx="10972440" cy="1523520"/>
+            <a:ext cx="10972080" cy="1523160"/>
           </a:xfrm>
           <a:prstGeom prst="rect">
             <a:avLst/>
@@ -3960,18 +3825,18 @@
             <a:noAutofit/>
           </a:bodyPr>
           <a:p>
-            <a:endParaRPr b="0" lang="en-US" sz="1800" spc="-1" strike="noStrike">
-              <a:solidFill>
-                <a:srgbClr val="000000"/>
-              </a:solidFill>
-              <a:latin typeface="Calibri"/>
-            </a:endParaRPr>
-          </a:p>
-        </p:txBody>
-      </p:sp>
-      <p:sp>
-        <p:nvSpPr>
-          <p:cNvPr id="22" name="PlaceHolder 2"/>
+            <a:pPr algn="ctr">
+              <a:buNone/>
+            </a:pPr>
+            <a:endParaRPr b="0" lang="en-IN" sz="4400" spc="-1" strike="noStrike">
+              <a:latin typeface="Arial"/>
+            </a:endParaRPr>
+          </a:p>
+        </p:txBody>
+      </p:sp>
+      <p:sp>
+        <p:nvSpPr>
+          <p:cNvPr id="21" name="PlaceHolder 2"/>
           <p:cNvSpPr>
             <a:spLocks noGrp="1"/>
           </p:cNvSpPr>
@@ -3994,21 +3859,18 @@
         </p:spPr>
         <p:txBody>
           <a:bodyPr lIns="0" rIns="0" tIns="0" bIns="0" anchor="t">
-            <a:normAutofit fontScale="88000"/>
-          </a:bodyPr>
-          <a:p>
-            <a:endParaRPr b="0" lang="en-US" sz="4270" spc="-1" strike="noStrike">
-              <a:solidFill>
-                <a:srgbClr val="000000"/>
-              </a:solidFill>
-              <a:latin typeface="Calibri"/>
-            </a:endParaRPr>
-          </a:p>
-        </p:txBody>
-      </p:sp>
-      <p:sp>
-        <p:nvSpPr>
-          <p:cNvPr id="23" name="PlaceHolder 3"/>
+            <a:normAutofit/>
+          </a:bodyPr>
+          <a:p>
+            <a:endParaRPr b="0" lang="en-IN" sz="3200" spc="-1" strike="noStrike">
+              <a:latin typeface="Arial"/>
+            </a:endParaRPr>
+          </a:p>
+        </p:txBody>
+      </p:sp>
+      <p:sp>
+        <p:nvSpPr>
+          <p:cNvPr id="22" name="PlaceHolder 3"/>
           <p:cNvSpPr>
             <a:spLocks noGrp="1"/>
           </p:cNvSpPr>
@@ -4031,21 +3893,18 @@
         </p:spPr>
         <p:txBody>
           <a:bodyPr lIns="0" rIns="0" tIns="0" bIns="0" anchor="t">
-            <a:normAutofit fontScale="88000"/>
-          </a:bodyPr>
-          <a:p>
-            <a:endParaRPr b="0" lang="en-US" sz="4270" spc="-1" strike="noStrike">
-              <a:solidFill>
-                <a:srgbClr val="000000"/>
-              </a:solidFill>
-              <a:latin typeface="Calibri"/>
-            </a:endParaRPr>
-          </a:p>
-        </p:txBody>
-      </p:sp>
-      <p:sp>
-        <p:nvSpPr>
-          <p:cNvPr id="24" name="PlaceHolder 4"/>
+            <a:normAutofit/>
+          </a:bodyPr>
+          <a:p>
+            <a:endParaRPr b="0" lang="en-IN" sz="3200" spc="-1" strike="noStrike">
+              <a:latin typeface="Arial"/>
+            </a:endParaRPr>
+          </a:p>
+        </p:txBody>
+      </p:sp>
+      <p:sp>
+        <p:nvSpPr>
+          <p:cNvPr id="23" name="PlaceHolder 4"/>
           <p:cNvSpPr>
             <a:spLocks noGrp="1"/>
           </p:cNvSpPr>
@@ -4056,7 +3915,7 @@
         <p:spPr>
           <a:xfrm>
             <a:off x="1206360" y="2847960"/>
-            <a:ext cx="21970800" cy="478080"/>
+            <a:ext cx="21970440" cy="478080"/>
           </a:xfrm>
           <a:prstGeom prst="rect">
             <a:avLst/>
@@ -4068,14 +3927,11 @@
         </p:spPr>
         <p:txBody>
           <a:bodyPr lIns="0" rIns="0" tIns="0" bIns="0" anchor="t">
-            <a:normAutofit fontScale="88000"/>
-          </a:bodyPr>
-          <a:p>
-            <a:endParaRPr b="0" lang="en-US" sz="4270" spc="-1" strike="noStrike">
-              <a:solidFill>
-                <a:srgbClr val="000000"/>
-              </a:solidFill>
-              <a:latin typeface="Calibri"/>
+            <a:normAutofit/>
+          </a:bodyPr>
+          <a:p>
+            <a:endParaRPr b="0" lang="en-IN" sz="3200" spc="-1" strike="noStrike">
+              <a:latin typeface="Arial"/>
             </a:endParaRPr>
           </a:p>
         </p:txBody>
@@ -4094,7 +3950,7 @@
         <p:txBody>
           <a:bodyPr/>
           <a:p>
-            <a:fld id="{D308AB66-6CBC-4C30-AB4A-D3CFD1D453CD}" type="slidenum">
+            <a:fld id="{9A2C8CAF-7EAD-42C7-8CCD-821201B5F182}" type="slidenum">
               <a:t>&lt;#&gt;</a:t>
             </a:fld>
           </a:p>
@@ -4136,51 +3992,35 @@
             <a:spLocks noGrp="1"/>
           </p:cNvSpPr>
           <p:nvPr>
-            <p:ph type="body"/>
-          </p:nvPr>
-        </p:nvSpPr>
-        <p:spPr>
-          <a:xfrm>
-            <a:off x="1206360" y="12268800"/>
-            <a:ext cx="21970800" cy="659880"/>
-          </a:xfrm>
-          <a:prstGeom prst="rect">
-            <a:avLst/>
-          </a:prstGeom>
-          <a:noFill/>
-          <a:ln w="0">
-            <a:noFill/>
-          </a:ln>
-        </p:spPr>
-        <p:txBody>
-          <a:bodyPr lIns="45720" rIns="45720" anchor="b">
+            <p:ph type="title"/>
+          </p:nvPr>
+        </p:nvSpPr>
+        <p:spPr>
+          <a:xfrm>
+            <a:off x="609480" y="366120"/>
+            <a:ext cx="10972080" cy="1523160"/>
+          </a:xfrm>
+          <a:prstGeom prst="rect">
+            <a:avLst/>
+          </a:prstGeom>
+          <a:noFill/>
+          <a:ln w="0">
+            <a:noFill/>
+          </a:ln>
+        </p:spPr>
+        <p:txBody>
+          <a:bodyPr lIns="0" rIns="0" tIns="0" bIns="0" anchor="ctr">
             <a:noAutofit/>
           </a:bodyPr>
           <a:p>
-            <a:pPr>
-              <a:lnSpc>
-                <a:spcPct val="100000"/>
-              </a:lnSpc>
-              <a:buNone/>
-              <a:tabLst>
-                <a:tab algn="l" pos="0"/>
-              </a:tabLst>
-            </a:pPr>
-            <a:r>
-              <a:rPr b="0" lang="en-US" sz="3300" spc="-1" strike="noStrike">
-                <a:solidFill>
-                  <a:srgbClr val="000000"/>
-                </a:solidFill>
-                <a:latin typeface="Produkt Light"/>
-                <a:ea typeface="Produkt Light"/>
-              </a:rPr>
-              <a:t>Author and Date</a:t>
-            </a:r>
-            <a:endParaRPr b="0" lang="en-US" sz="3300" spc="-1" strike="noStrike">
-              <a:solidFill>
-                <a:srgbClr val="000000"/>
-              </a:solidFill>
-              <a:latin typeface="Calibri"/>
+            <a:r>
+              <a:rPr b="0" lang="en-IN" sz="1800" spc="-1" strike="noStrike">
+                <a:latin typeface="Arial"/>
+              </a:rPr>
+              <a:t>Click to edit the title text format</a:t>
+            </a:r>
+            <a:endParaRPr b="0" lang="en-IN" sz="1800" spc="-1" strike="noStrike">
+              <a:latin typeface="Arial"/>
             </a:endParaRPr>
           </a:p>
         </p:txBody>
@@ -4192,199 +4032,24 @@
             <a:spLocks noGrp="1"/>
           </p:cNvSpPr>
           <p:nvPr>
-            <p:ph type="body"/>
-          </p:nvPr>
-        </p:nvSpPr>
-        <p:spPr>
-          <a:xfrm>
-            <a:off x="1206360" y="7357680"/>
-            <a:ext cx="21970800" cy="2006280"/>
-          </a:xfrm>
-          <a:prstGeom prst="rect">
-            <a:avLst/>
-          </a:prstGeom>
-          <a:noFill/>
-          <a:ln w="0">
-            <a:noFill/>
-          </a:ln>
-        </p:spPr>
-        <p:txBody>
-          <a:bodyPr anchor="t">
-            <a:noAutofit/>
-          </a:bodyPr>
-          <a:p>
-            <a:pPr>
-              <a:lnSpc>
-                <a:spcPct val="100000"/>
-              </a:lnSpc>
-              <a:buNone/>
-              <a:tabLst>
-                <a:tab algn="l" pos="0"/>
-              </a:tabLst>
-            </a:pPr>
-            <a:r>
-              <a:rPr b="0" lang="en-US" sz="5500" spc="-1" strike="noStrike">
-                <a:solidFill>
-                  <a:srgbClr val="000000"/>
-                </a:solidFill>
-                <a:latin typeface="Calibri"/>
-              </a:rPr>
-              <a:t>Presentation Subtitle</a:t>
-            </a:r>
-            <a:endParaRPr b="0" lang="en-US" sz="5500" spc="-1" strike="noStrike">
-              <a:solidFill>
-                <a:srgbClr val="000000"/>
-              </a:solidFill>
-              <a:latin typeface="Calibri"/>
-            </a:endParaRPr>
-          </a:p>
-          <a:p>
-            <a:pPr>
-              <a:lnSpc>
-                <a:spcPct val="100000"/>
-              </a:lnSpc>
-              <a:buNone/>
-              <a:tabLst>
-                <a:tab algn="l" pos="0"/>
-              </a:tabLst>
-            </a:pPr>
-            <a:endParaRPr b="0" lang="en-US" sz="5500" spc="-1" strike="noStrike">
-              <a:solidFill>
-                <a:srgbClr val="000000"/>
-              </a:solidFill>
-              <a:latin typeface="Calibri"/>
-            </a:endParaRPr>
-          </a:p>
-          <a:p>
-            <a:pPr>
-              <a:lnSpc>
-                <a:spcPct val="100000"/>
-              </a:lnSpc>
-              <a:buNone/>
-              <a:tabLst>
-                <a:tab algn="l" pos="0"/>
-              </a:tabLst>
-            </a:pPr>
-            <a:endParaRPr b="0" lang="en-US" sz="5500" spc="-1" strike="noStrike">
-              <a:solidFill>
-                <a:srgbClr val="000000"/>
-              </a:solidFill>
-              <a:latin typeface="Calibri"/>
-            </a:endParaRPr>
-          </a:p>
-          <a:p>
-            <a:pPr>
-              <a:lnSpc>
-                <a:spcPct val="100000"/>
-              </a:lnSpc>
-              <a:buNone/>
-              <a:tabLst>
-                <a:tab algn="l" pos="0"/>
-              </a:tabLst>
-            </a:pPr>
-            <a:endParaRPr b="0" lang="en-US" sz="5500" spc="-1" strike="noStrike">
-              <a:solidFill>
-                <a:srgbClr val="000000"/>
-              </a:solidFill>
-              <a:latin typeface="Calibri"/>
-            </a:endParaRPr>
-          </a:p>
-          <a:p>
-            <a:pPr>
-              <a:lnSpc>
-                <a:spcPct val="100000"/>
-              </a:lnSpc>
-              <a:buNone/>
-              <a:tabLst>
-                <a:tab algn="l" pos="0"/>
-              </a:tabLst>
-            </a:pPr>
-            <a:endParaRPr b="0" lang="en-US" sz="5500" spc="-1" strike="noStrike">
-              <a:solidFill>
-                <a:srgbClr val="000000"/>
-              </a:solidFill>
-              <a:latin typeface="Calibri"/>
-            </a:endParaRPr>
-          </a:p>
-        </p:txBody>
-      </p:sp>
-      <p:sp>
-        <p:nvSpPr>
-          <p:cNvPr id="2" name="PlaceHolder 3"/>
-          <p:cNvSpPr>
-            <a:spLocks noGrp="1"/>
-          </p:cNvSpPr>
-          <p:nvPr>
-            <p:ph type="title"/>
-          </p:nvPr>
-        </p:nvSpPr>
-        <p:spPr>
-          <a:xfrm>
-            <a:off x="1206360" y="2621880"/>
-            <a:ext cx="21970800" cy="4647960"/>
-          </a:xfrm>
-          <a:prstGeom prst="rect">
-            <a:avLst/>
-          </a:prstGeom>
-          <a:noFill/>
-          <a:ln w="0">
-            <a:noFill/>
-          </a:ln>
-        </p:spPr>
-        <p:txBody>
-          <a:bodyPr anchor="b">
-            <a:noAutofit/>
-          </a:bodyPr>
-          <a:p>
-            <a:pPr algn="ctr">
-              <a:lnSpc>
-                <a:spcPct val="100000"/>
-              </a:lnSpc>
-              <a:buNone/>
-            </a:pPr>
-            <a:r>
-              <a:rPr b="0" lang="en-US" sz="12000" spc="-120" strike="noStrike">
-                <a:solidFill>
-                  <a:srgbClr val="000000"/>
-                </a:solidFill>
-                <a:latin typeface="Calibri"/>
-              </a:rPr>
-              <a:t>Presentation Title</a:t>
-            </a:r>
-            <a:endParaRPr b="0" lang="en-US" sz="12000" spc="-1" strike="noStrike">
-              <a:solidFill>
-                <a:srgbClr val="000000"/>
-              </a:solidFill>
-              <a:latin typeface="Calibri"/>
-            </a:endParaRPr>
-          </a:p>
-        </p:txBody>
-      </p:sp>
-      <p:sp>
-        <p:nvSpPr>
-          <p:cNvPr id="3" name="PlaceHolder 4"/>
-          <p:cNvSpPr>
-            <a:spLocks noGrp="1"/>
-          </p:cNvSpPr>
-          <p:nvPr>
             <p:ph type="sldNum" idx="1"/>
           </p:nvPr>
         </p:nvSpPr>
         <p:spPr>
           <a:xfrm>
             <a:off x="8737560" y="8475120"/>
-            <a:ext cx="2844360" cy="486360"/>
-          </a:xfrm>
-          <a:prstGeom prst="rect">
-            <a:avLst/>
-          </a:prstGeom>
-          <a:noFill/>
-          <a:ln w="0">
-            <a:noFill/>
-          </a:ln>
-        </p:spPr>
-        <p:txBody>
-          <a:bodyPr anchor="ctr">
+            <a:ext cx="2844000" cy="486000"/>
+          </a:xfrm>
+          <a:prstGeom prst="rect">
+            <a:avLst/>
+          </a:prstGeom>
+          <a:noFill/>
+          <a:ln w="0">
+            <a:noFill/>
+          </a:ln>
+        </p:spPr>
+        <p:txBody>
+          <a:bodyPr lIns="90000" rIns="90000" tIns="45000" bIns="45000" anchor="ctr">
             <a:noAutofit/>
           </a:bodyPr>
           <a:lstStyle>
@@ -4408,7 +4073,7 @@
               </a:lnSpc>
               <a:buNone/>
             </a:pPr>
-            <a:fld id="{B8987411-1E8F-458B-BE7E-BD9E1CFADEFA}" type="slidenum">
+            <a:fld id="{DEDC2B8A-2179-41A8-9EB7-ACE11B998559}" type="slidenum">
               <a:rPr b="0" lang="en-US" sz="1600" spc="-1" strike="noStrike">
                 <a:solidFill>
                   <a:srgbClr val="8b8b8b"/>
@@ -4419,6 +4084,189 @@
             </a:fld>
             <a:endParaRPr b="0" lang="en-IN" sz="1600" spc="-1" strike="noStrike">
               <a:latin typeface="Times New Roman"/>
+            </a:endParaRPr>
+          </a:p>
+        </p:txBody>
+      </p:sp>
+      <p:sp>
+        <p:nvSpPr>
+          <p:cNvPr id="2" name="PlaceHolder 3"/>
+          <p:cNvSpPr>
+            <a:spLocks noGrp="1"/>
+          </p:cNvSpPr>
+          <p:nvPr>
+            <p:ph type="body"/>
+          </p:nvPr>
+        </p:nvSpPr>
+        <p:spPr>
+          <a:xfrm>
+            <a:off x="1218960" y="3209400"/>
+            <a:ext cx="21944880" cy="7954920"/>
+          </a:xfrm>
+          <a:prstGeom prst="rect">
+            <a:avLst/>
+          </a:prstGeom>
+          <a:noFill/>
+          <a:ln w="0">
+            <a:noFill/>
+          </a:ln>
+        </p:spPr>
+        <p:txBody>
+          <a:bodyPr lIns="0" rIns="0" tIns="0" bIns="0" anchor="t">
+            <a:normAutofit/>
+          </a:bodyPr>
+          <a:p>
+            <a:pPr marL="432000" indent="-324000">
+              <a:spcBef>
+                <a:spcPts val="1417"/>
+              </a:spcBef>
+              <a:buClr>
+                <a:srgbClr val="000000"/>
+              </a:buClr>
+              <a:buSzPct val="45000"/>
+              <a:buFont typeface="Wingdings" charset="2"/>
+              <a:buChar char=""/>
+            </a:pPr>
+            <a:r>
+              <a:rPr b="0" lang="en-IN" sz="3200" spc="-1" strike="noStrike">
+                <a:latin typeface="Arial"/>
+              </a:rPr>
+              <a:t>Click to edit the outline text format</a:t>
+            </a:r>
+            <a:endParaRPr b="0" lang="en-IN" sz="3200" spc="-1" strike="noStrike">
+              <a:latin typeface="Arial"/>
+            </a:endParaRPr>
+          </a:p>
+          <a:p>
+            <a:pPr lvl="1" marL="864000" indent="-324000">
+              <a:spcBef>
+                <a:spcPts val="1134"/>
+              </a:spcBef>
+              <a:buClr>
+                <a:srgbClr val="000000"/>
+              </a:buClr>
+              <a:buSzPct val="75000"/>
+              <a:buFont typeface="Symbol" charset="2"/>
+              <a:buChar char=""/>
+            </a:pPr>
+            <a:r>
+              <a:rPr b="0" lang="en-IN" sz="2800" spc="-1" strike="noStrike">
+                <a:latin typeface="Arial"/>
+              </a:rPr>
+              <a:t>Second Outline Level</a:t>
+            </a:r>
+            <a:endParaRPr b="0" lang="en-IN" sz="2800" spc="-1" strike="noStrike">
+              <a:latin typeface="Arial"/>
+            </a:endParaRPr>
+          </a:p>
+          <a:p>
+            <a:pPr lvl="2" marL="1296000" indent="-288000">
+              <a:spcBef>
+                <a:spcPts val="850"/>
+              </a:spcBef>
+              <a:buClr>
+                <a:srgbClr val="000000"/>
+              </a:buClr>
+              <a:buSzPct val="45000"/>
+              <a:buFont typeface="Wingdings" charset="2"/>
+              <a:buChar char=""/>
+            </a:pPr>
+            <a:r>
+              <a:rPr b="0" lang="en-IN" sz="2400" spc="-1" strike="noStrike">
+                <a:latin typeface="Arial"/>
+              </a:rPr>
+              <a:t>Third Outline Level</a:t>
+            </a:r>
+            <a:endParaRPr b="0" lang="en-IN" sz="2400" spc="-1" strike="noStrike">
+              <a:latin typeface="Arial"/>
+            </a:endParaRPr>
+          </a:p>
+          <a:p>
+            <a:pPr lvl="3" marL="1728000" indent="-216000">
+              <a:spcBef>
+                <a:spcPts val="567"/>
+              </a:spcBef>
+              <a:buClr>
+                <a:srgbClr val="000000"/>
+              </a:buClr>
+              <a:buSzPct val="75000"/>
+              <a:buFont typeface="Symbol" charset="2"/>
+              <a:buChar char=""/>
+            </a:pPr>
+            <a:r>
+              <a:rPr b="0" lang="en-IN" sz="2000" spc="-1" strike="noStrike">
+                <a:latin typeface="Arial"/>
+              </a:rPr>
+              <a:t>Fourth Outline Level</a:t>
+            </a:r>
+            <a:endParaRPr b="0" lang="en-IN" sz="2000" spc="-1" strike="noStrike">
+              <a:latin typeface="Arial"/>
+            </a:endParaRPr>
+          </a:p>
+          <a:p>
+            <a:pPr lvl="4" marL="2160000" indent="-216000">
+              <a:spcBef>
+                <a:spcPts val="283"/>
+              </a:spcBef>
+              <a:buClr>
+                <a:srgbClr val="000000"/>
+              </a:buClr>
+              <a:buSzPct val="45000"/>
+              <a:buFont typeface="Wingdings" charset="2"/>
+              <a:buChar char=""/>
+            </a:pPr>
+            <a:r>
+              <a:rPr b="0" lang="en-IN" sz="2000" spc="-1" strike="noStrike">
+                <a:latin typeface="Arial"/>
+              </a:rPr>
+              <a:t>Fifth Outline Level</a:t>
+            </a:r>
+            <a:endParaRPr b="0" lang="en-IN" sz="2000" spc="-1" strike="noStrike">
+              <a:latin typeface="Arial"/>
+            </a:endParaRPr>
+          </a:p>
+          <a:p>
+            <a:pPr lvl="5" marL="2592000" indent="-216000">
+              <a:spcBef>
+                <a:spcPts val="283"/>
+              </a:spcBef>
+              <a:buClr>
+                <a:srgbClr val="000000"/>
+              </a:buClr>
+              <a:buSzPct val="45000"/>
+              <a:buFont typeface="Wingdings" charset="2"/>
+              <a:buChar char=""/>
+            </a:pPr>
+            <a:r>
+              <a:rPr b="0" lang="en-IN" sz="2000" spc="-1" strike="noStrike">
+                <a:latin typeface="Arial"/>
+              </a:rPr>
+              <a:t>Sixth Outline Level</a:t>
+            </a:r>
+            <a:endParaRPr b="0" lang="en-IN" sz="2000" spc="-1" strike="noStrike">
+              <a:latin typeface="Arial"/>
+            </a:endParaRPr>
+          </a:p>
+          <a:p>
+            <a:pPr lvl="6" marL="3024000" indent="-216000">
+              <a:spcBef>
+                <a:spcPts val="283"/>
+              </a:spcBef>
+              <a:buClr>
+                <a:srgbClr val="000000"/>
+              </a:buClr>
+              <a:buSzPct val="45000"/>
+              <a:buFont typeface="Wingdings" charset="2"/>
+              <a:buChar char=""/>
+            </a:pPr>
+            <a:r>
+              <a:rPr b="0" lang="en-IN" sz="2000" spc="-1" strike="noStrike">
+                <a:latin typeface="Arial"/>
+              </a:rPr>
+              <a:t>Seventh Outline Level</a:t>
+            </a:r>
+            <a:endParaRPr b="0" lang="en-IN" sz="2000" spc="-1" strike="noStrike">
+              <a:latin typeface="Arial"/>
             </a:endParaRPr>
           </a:p>
         </p:txBody>
@@ -4469,7 +4317,7 @@
       </p:grpSpPr>
       <p:sp>
         <p:nvSpPr>
-          <p:cNvPr id="40" name="PlaceHolder 1"/>
+          <p:cNvPr id="39" name="PlaceHolder 1"/>
           <p:cNvSpPr>
             <a:spLocks noGrp="1"/>
           </p:cNvSpPr>
@@ -4480,48 +4328,36 @@
         <p:spPr>
           <a:xfrm>
             <a:off x="609480" y="366120"/>
-            <a:ext cx="10972440" cy="1523520"/>
-          </a:xfrm>
-          <a:prstGeom prst="rect">
-            <a:avLst/>
-          </a:prstGeom>
-          <a:noFill/>
-          <a:ln w="0">
-            <a:noFill/>
-          </a:ln>
-        </p:spPr>
-        <p:txBody>
-          <a:bodyPr anchor="ctr">
+            <a:ext cx="10972080" cy="1523160"/>
+          </a:xfrm>
+          <a:prstGeom prst="rect">
+            <a:avLst/>
+          </a:prstGeom>
+          <a:noFill/>
+          <a:ln w="0">
+            <a:noFill/>
+          </a:ln>
+        </p:spPr>
+        <p:txBody>
+          <a:bodyPr lIns="0" rIns="0" tIns="0" bIns="0" anchor="ctr">
             <a:noAutofit/>
           </a:bodyPr>
           <a:p>
-            <a:pPr algn="ctr">
-              <a:lnSpc>
-                <a:spcPct val="100000"/>
-              </a:lnSpc>
-              <a:buNone/>
-            </a:pPr>
-            <a:r>
-              <a:rPr b="0" lang="en-US" sz="5860" spc="-1" strike="noStrike">
-                <a:solidFill>
-                  <a:srgbClr val="000000"/>
-                </a:solidFill>
-                <a:latin typeface="Calibri"/>
-              </a:rPr>
-              <a:t>Slide Title</a:t>
-            </a:r>
-            <a:endParaRPr b="0" lang="en-US" sz="5860" spc="-1" strike="noStrike">
-              <a:solidFill>
-                <a:srgbClr val="000000"/>
-              </a:solidFill>
-              <a:latin typeface="Calibri"/>
-            </a:endParaRPr>
-          </a:p>
-        </p:txBody>
-      </p:sp>
-      <p:sp>
-        <p:nvSpPr>
-          <p:cNvPr id="41" name="PlaceHolder 2"/>
+            <a:r>
+              <a:rPr b="0" lang="en-IN" sz="1800" spc="-1" strike="noStrike">
+                <a:latin typeface="Arial"/>
+              </a:rPr>
+              <a:t>Click to edit the title text format</a:t>
+            </a:r>
+            <a:endParaRPr b="0" lang="en-IN" sz="1800" spc="-1" strike="noStrike">
+              <a:latin typeface="Arial"/>
+            </a:endParaRPr>
+          </a:p>
+        </p:txBody>
+      </p:sp>
+      <p:sp>
+        <p:nvSpPr>
+          <p:cNvPr id="40" name="PlaceHolder 2"/>
           <p:cNvSpPr>
             <a:spLocks noGrp="1"/>
           </p:cNvSpPr>
@@ -4532,142 +4368,179 @@
         <p:spPr>
           <a:xfrm>
             <a:off x="1206360" y="2324160"/>
-            <a:ext cx="21970800" cy="1002960"/>
-          </a:xfrm>
-          <a:prstGeom prst="rect">
-            <a:avLst/>
-          </a:prstGeom>
-          <a:noFill/>
-          <a:ln w="0">
-            <a:noFill/>
-          </a:ln>
-        </p:spPr>
-        <p:txBody>
-          <a:bodyPr lIns="45720" rIns="45720" anchor="t">
-            <a:noAutofit/>
-          </a:bodyPr>
-          <a:p>
-            <a:pPr>
-              <a:lnSpc>
-                <a:spcPct val="100000"/>
-              </a:lnSpc>
-              <a:buNone/>
-              <a:tabLst>
-                <a:tab algn="l" pos="0"/>
-              </a:tabLst>
-            </a:pPr>
-            <a:r>
-              <a:rPr b="0" lang="en-US" sz="5500" spc="-1" strike="noStrike">
-                <a:solidFill>
-                  <a:srgbClr val="000000"/>
-                </a:solidFill>
-                <a:latin typeface="Calibri"/>
-              </a:rPr>
-              <a:t>Slide Subtitle</a:t>
-            </a:r>
-            <a:endParaRPr b="0" lang="en-US" sz="5500" spc="-1" strike="noStrike">
-              <a:solidFill>
-                <a:srgbClr val="000000"/>
-              </a:solidFill>
-              <a:latin typeface="Calibri"/>
-            </a:endParaRPr>
-          </a:p>
-        </p:txBody>
-      </p:sp>
-      <p:sp>
-        <p:nvSpPr>
-          <p:cNvPr id="42" name="PlaceHolder 3"/>
-          <p:cNvSpPr>
-            <a:spLocks noGrp="1"/>
-          </p:cNvSpPr>
-          <p:nvPr>
-            <p:ph type="body"/>
-          </p:nvPr>
-        </p:nvSpPr>
-        <p:spPr>
-          <a:xfrm>
-            <a:off x="609480" y="2133720"/>
-            <a:ext cx="10972440" cy="6034320"/>
-          </a:xfrm>
-          <a:prstGeom prst="rect">
-            <a:avLst/>
-          </a:prstGeom>
-          <a:noFill/>
-          <a:ln w="0">
-            <a:noFill/>
-          </a:ln>
-        </p:spPr>
-        <p:txBody>
-          <a:bodyPr anchor="t">
-            <a:noAutofit/>
-          </a:bodyPr>
-          <a:p>
-            <a:pPr marL="457200" indent="-457200">
-              <a:lnSpc>
-                <a:spcPct val="100000"/>
-              </a:lnSpc>
+            <a:ext cx="21970440" cy="1002600"/>
+          </a:xfrm>
+          <a:prstGeom prst="rect">
+            <a:avLst/>
+          </a:prstGeom>
+          <a:noFill/>
+          <a:ln w="0">
+            <a:noFill/>
+          </a:ln>
+        </p:spPr>
+        <p:txBody>
+          <a:bodyPr lIns="0" rIns="0" tIns="0" bIns="0" anchor="t">
+            <a:normAutofit fontScale="42000"/>
+          </a:bodyPr>
+          <a:p>
+            <a:pPr marL="432000" indent="-324000">
               <a:spcBef>
-                <a:spcPts val="853"/>
+                <a:spcPts val="1417"/>
               </a:spcBef>
               <a:buClr>
                 <a:srgbClr val="000000"/>
               </a:buClr>
-              <a:buFont typeface="Arial"/>
-              <a:buChar char="•"/>
+              <a:buSzPct val="45000"/>
+              <a:buFont typeface="Wingdings" charset="2"/>
+              <a:buChar char=""/>
             </a:pPr>
             <a:r>
-              <a:rPr b="0" lang="en-US" sz="4270" spc="-1" strike="noStrike">
-                <a:solidFill>
-                  <a:srgbClr val="000000"/>
-                </a:solidFill>
-                <a:latin typeface="Calibri"/>
-              </a:rPr>
-              <a:t>Slide bullet text</a:t>
-            </a:r>
-            <a:endParaRPr b="0" lang="en-US" sz="4270" spc="-1" strike="noStrike">
-              <a:solidFill>
+              <a:rPr b="0" lang="en-IN" sz="1800" spc="-1" strike="noStrike">
+                <a:latin typeface="Arial"/>
+              </a:rPr>
+              <a:t>Click to edit the outline text format</a:t>
+            </a:r>
+            <a:endParaRPr b="0" lang="en-IN" sz="1800" spc="-1" strike="noStrike">
+              <a:latin typeface="Arial"/>
+            </a:endParaRPr>
+          </a:p>
+          <a:p>
+            <a:pPr lvl="1" marL="864000" indent="-324000">
+              <a:spcBef>
+                <a:spcPts val="1134"/>
+              </a:spcBef>
+              <a:buClr>
                 <a:srgbClr val="000000"/>
-              </a:solidFill>
-              <a:latin typeface="Calibri"/>
-            </a:endParaRPr>
-          </a:p>
-          <a:p>
-            <a:endParaRPr b="0" lang="en-US" sz="3740" spc="-1" strike="noStrike">
-              <a:solidFill>
+              </a:buClr>
+              <a:buSzPct val="75000"/>
+              <a:buFont typeface="Symbol" charset="2"/>
+              <a:buChar char=""/>
+            </a:pPr>
+            <a:r>
+              <a:rPr b="0" lang="en-IN" sz="1800" spc="-1" strike="noStrike">
+                <a:latin typeface="Arial"/>
+              </a:rPr>
+              <a:t>Second Outline Level</a:t>
+            </a:r>
+            <a:endParaRPr b="0" lang="en-IN" sz="1800" spc="-1" strike="noStrike">
+              <a:latin typeface="Arial"/>
+            </a:endParaRPr>
+          </a:p>
+          <a:p>
+            <a:pPr lvl="2" marL="1296000" indent="-288000">
+              <a:spcBef>
+                <a:spcPts val="850"/>
+              </a:spcBef>
+              <a:buClr>
                 <a:srgbClr val="000000"/>
-              </a:solidFill>
-              <a:latin typeface="Calibri"/>
-            </a:endParaRPr>
-          </a:p>
-          <a:p>
-            <a:endParaRPr b="0" lang="en-US" sz="3200" spc="-1" strike="noStrike">
-              <a:solidFill>
+              </a:buClr>
+              <a:buSzPct val="45000"/>
+              <a:buFont typeface="Wingdings" charset="2"/>
+              <a:buChar char=""/>
+            </a:pPr>
+            <a:r>
+              <a:rPr b="0" lang="en-IN" sz="1800" spc="-1" strike="noStrike">
+                <a:latin typeface="Arial"/>
+              </a:rPr>
+              <a:t>Third Outline Level</a:t>
+            </a:r>
+            <a:endParaRPr b="0" lang="en-IN" sz="1800" spc="-1" strike="noStrike">
+              <a:latin typeface="Arial"/>
+            </a:endParaRPr>
+          </a:p>
+          <a:p>
+            <a:pPr lvl="3" marL="1728000" indent="-216000">
+              <a:spcBef>
+                <a:spcPts val="567"/>
+              </a:spcBef>
+              <a:buClr>
                 <a:srgbClr val="000000"/>
-              </a:solidFill>
-              <a:latin typeface="Calibri"/>
-            </a:endParaRPr>
-          </a:p>
-          <a:p>
-            <a:endParaRPr b="0" lang="en-US" sz="2660" spc="-1" strike="noStrike">
-              <a:solidFill>
+              </a:buClr>
+              <a:buSzPct val="75000"/>
+              <a:buFont typeface="Symbol" charset="2"/>
+              <a:buChar char=""/>
+            </a:pPr>
+            <a:r>
+              <a:rPr b="0" lang="en-IN" sz="1800" spc="-1" strike="noStrike">
+                <a:latin typeface="Arial"/>
+              </a:rPr>
+              <a:t>Fourth Outline Level</a:t>
+            </a:r>
+            <a:endParaRPr b="0" lang="en-IN" sz="1800" spc="-1" strike="noStrike">
+              <a:latin typeface="Arial"/>
+            </a:endParaRPr>
+          </a:p>
+          <a:p>
+            <a:pPr lvl="4" marL="2160000" indent="-216000">
+              <a:spcBef>
+                <a:spcPts val="283"/>
+              </a:spcBef>
+              <a:buClr>
                 <a:srgbClr val="000000"/>
-              </a:solidFill>
-              <a:latin typeface="Calibri"/>
-            </a:endParaRPr>
-          </a:p>
-          <a:p>
-            <a:endParaRPr b="0" lang="en-US" sz="2660" spc="-1" strike="noStrike">
-              <a:solidFill>
+              </a:buClr>
+              <a:buSzPct val="45000"/>
+              <a:buFont typeface="Wingdings" charset="2"/>
+              <a:buChar char=""/>
+            </a:pPr>
+            <a:r>
+              <a:rPr b="0" lang="en-IN" sz="1800" spc="-1" strike="noStrike">
+                <a:latin typeface="Arial"/>
+              </a:rPr>
+              <a:t>Fifth Outline Level</a:t>
+            </a:r>
+            <a:endParaRPr b="0" lang="en-IN" sz="1800" spc="-1" strike="noStrike">
+              <a:latin typeface="Arial"/>
+            </a:endParaRPr>
+          </a:p>
+          <a:p>
+            <a:pPr lvl="5" marL="2592000" indent="-216000">
+              <a:spcBef>
+                <a:spcPts val="283"/>
+              </a:spcBef>
+              <a:buClr>
                 <a:srgbClr val="000000"/>
-              </a:solidFill>
-              <a:latin typeface="Calibri"/>
-            </a:endParaRPr>
-          </a:p>
-        </p:txBody>
-      </p:sp>
-      <p:sp>
-        <p:nvSpPr>
-          <p:cNvPr id="43" name="PlaceHolder 4"/>
+              </a:buClr>
+              <a:buSzPct val="45000"/>
+              <a:buFont typeface="Wingdings" charset="2"/>
+              <a:buChar char=""/>
+            </a:pPr>
+            <a:r>
+              <a:rPr b="0" lang="en-IN" sz="1800" spc="-1" strike="noStrike">
+                <a:latin typeface="Arial"/>
+              </a:rPr>
+              <a:t>Sixth Outline Level</a:t>
+            </a:r>
+            <a:endParaRPr b="0" lang="en-IN" sz="1800" spc="-1" strike="noStrike">
+              <a:latin typeface="Arial"/>
+            </a:endParaRPr>
+          </a:p>
+          <a:p>
+            <a:pPr lvl="6" marL="3024000" indent="-216000">
+              <a:spcBef>
+                <a:spcPts val="283"/>
+              </a:spcBef>
+              <a:buClr>
+                <a:srgbClr val="000000"/>
+              </a:buClr>
+              <a:buSzPct val="45000"/>
+              <a:buFont typeface="Wingdings" charset="2"/>
+              <a:buChar char=""/>
+            </a:pPr>
+            <a:r>
+              <a:rPr b="0" lang="en-IN" sz="1800" spc="-1" strike="noStrike">
+                <a:latin typeface="Arial"/>
+              </a:rPr>
+              <a:t>Seventh Outline Level</a:t>
+            </a:r>
+            <a:endParaRPr b="0" lang="en-IN" sz="1800" spc="-1" strike="noStrike">
+              <a:latin typeface="Arial"/>
+            </a:endParaRPr>
+          </a:p>
+        </p:txBody>
+      </p:sp>
+      <p:sp>
+        <p:nvSpPr>
+          <p:cNvPr id="41" name="PlaceHolder 3"/>
           <p:cNvSpPr>
             <a:spLocks noGrp="1"/>
           </p:cNvSpPr>
@@ -4678,18 +4551,18 @@
         <p:spPr>
           <a:xfrm>
             <a:off x="8737560" y="8475120"/>
-            <a:ext cx="2844360" cy="486360"/>
-          </a:xfrm>
-          <a:prstGeom prst="rect">
-            <a:avLst/>
-          </a:prstGeom>
-          <a:noFill/>
-          <a:ln w="0">
-            <a:noFill/>
-          </a:ln>
-        </p:spPr>
-        <p:txBody>
-          <a:bodyPr anchor="ctr">
+            <a:ext cx="2844000" cy="486000"/>
+          </a:xfrm>
+          <a:prstGeom prst="rect">
+            <a:avLst/>
+          </a:prstGeom>
+          <a:noFill/>
+          <a:ln w="0">
+            <a:noFill/>
+          </a:ln>
+        </p:spPr>
+        <p:txBody>
+          <a:bodyPr lIns="90000" rIns="90000" tIns="45000" bIns="45000" anchor="ctr">
             <a:noAutofit/>
           </a:bodyPr>
           <a:lstStyle>
@@ -4713,7 +4586,7 @@
               </a:lnSpc>
               <a:buNone/>
             </a:pPr>
-            <a:fld id="{95D10365-0CF1-424A-888D-840B0FB25112}" type="slidenum">
+            <a:fld id="{0B8476D2-CF72-49C7-90AF-1611E3DED56A}" type="slidenum">
               <a:rPr b="0" lang="en-US" sz="1600" spc="-1" strike="noStrike">
                 <a:solidFill>
                   <a:srgbClr val="8b8b8b"/>
@@ -4767,7 +4640,7 @@
       </p:grpSpPr>
       <p:pic>
         <p:nvPicPr>
-          <p:cNvPr id="86" name="Picture 1" descr=""/>
+          <p:cNvPr id="84" name="Picture 1" descr=""/>
           <p:cNvPicPr/>
           <p:nvPr/>
         </p:nvPicPr>
@@ -4778,7 +4651,7 @@
         <p:spPr>
           <a:xfrm>
             <a:off x="0" y="0"/>
-            <a:ext cx="3836160" cy="3836160"/>
+            <a:ext cx="3835800" cy="3835800"/>
           </a:xfrm>
           <a:prstGeom prst="rect">
             <a:avLst/>
@@ -4790,7 +4663,7 @@
       </p:pic>
       <p:sp>
         <p:nvSpPr>
-          <p:cNvPr id="87" name="PlaceHolder 1"/>
+          <p:cNvPr id="85" name="PlaceHolder 1"/>
           <p:cNvSpPr>
             <a:spLocks noGrp="1"/>
           </p:cNvSpPr>
@@ -4801,33 +4674,30 @@
         <p:spPr>
           <a:xfrm>
             <a:off x="1206360" y="12268800"/>
-            <a:ext cx="21970800" cy="659880"/>
-          </a:xfrm>
-          <a:prstGeom prst="rect">
-            <a:avLst/>
-          </a:prstGeom>
-          <a:noFill/>
-          <a:ln w="0">
-            <a:noFill/>
-          </a:ln>
-        </p:spPr>
-        <p:txBody>
-          <a:bodyPr lIns="45720" rIns="45720" anchor="b">
+            <a:ext cx="21970440" cy="659520"/>
+          </a:xfrm>
+          <a:prstGeom prst="rect">
+            <a:avLst/>
+          </a:prstGeom>
+          <a:noFill/>
+          <a:ln w="0">
+            <a:noFill/>
+          </a:ln>
+        </p:spPr>
+        <p:txBody>
+          <a:bodyPr lIns="45720" rIns="45720" tIns="45000" bIns="45000" anchor="b">
             <a:noAutofit/>
           </a:bodyPr>
           <a:p>
-            <a:endParaRPr b="0" lang="en-US" sz="4270" spc="-1" strike="noStrike">
-              <a:solidFill>
-                <a:srgbClr val="000000"/>
-              </a:solidFill>
-              <a:latin typeface="Calibri"/>
-            </a:endParaRPr>
-          </a:p>
-        </p:txBody>
-      </p:sp>
-      <p:sp>
-        <p:nvSpPr>
-          <p:cNvPr id="88" name="PlaceHolder 2"/>
+            <a:endParaRPr b="0" lang="en-IN" sz="3200" spc="-1" strike="noStrike">
+              <a:latin typeface="Arial"/>
+            </a:endParaRPr>
+          </a:p>
+        </p:txBody>
+      </p:sp>
+      <p:sp>
+        <p:nvSpPr>
+          <p:cNvPr id="86" name="PlaceHolder 2"/>
           <p:cNvSpPr>
             <a:spLocks noGrp="1"/>
           </p:cNvSpPr>
@@ -4838,18 +4708,18 @@
         <p:spPr>
           <a:xfrm>
             <a:off x="4462560" y="-1212480"/>
-            <a:ext cx="22309200" cy="4548600"/>
-          </a:xfrm>
-          <a:prstGeom prst="rect">
-            <a:avLst/>
-          </a:prstGeom>
-          <a:noFill/>
-          <a:ln w="0">
-            <a:noFill/>
-          </a:ln>
-        </p:spPr>
-        <p:txBody>
-          <a:bodyPr anchor="b">
+            <a:ext cx="22308840" cy="4548240"/>
+          </a:xfrm>
+          <a:prstGeom prst="rect">
+            <a:avLst/>
+          </a:prstGeom>
+          <a:noFill/>
+          <a:ln w="0">
+            <a:noFill/>
+          </a:ln>
+        </p:spPr>
+        <p:txBody>
+          <a:bodyPr lIns="0" rIns="0" tIns="0" bIns="0" anchor="b">
             <a:normAutofit/>
           </a:bodyPr>
           <a:p>
@@ -4880,25 +4750,22 @@
               </a:rPr>
               <a:t>Federated Learning </a:t>
             </a:r>
-            <a:endParaRPr b="0" lang="en-US" sz="7200" spc="-1" strike="noStrike">
-              <a:solidFill>
-                <a:srgbClr val="000000"/>
-              </a:solidFill>
-              <a:latin typeface="Calibri"/>
-            </a:endParaRPr>
-          </a:p>
-        </p:txBody>
-      </p:sp>
-      <p:sp>
-        <p:nvSpPr>
-          <p:cNvPr id="89" name="TextBox 22"/>
+            <a:endParaRPr b="0" lang="en-IN" sz="7200" spc="-1" strike="noStrike">
+              <a:latin typeface="Arial"/>
+            </a:endParaRPr>
+          </a:p>
+        </p:txBody>
+      </p:sp>
+      <p:sp>
+        <p:nvSpPr>
+          <p:cNvPr id="87" name="TextBox 22"/>
           <p:cNvSpPr/>
           <p:nvPr/>
         </p:nvSpPr>
         <p:spPr>
           <a:xfrm>
             <a:off x="5605560" y="5006520"/>
-            <a:ext cx="12503160" cy="5664240"/>
+            <a:ext cx="12502800" cy="5664240"/>
           </a:xfrm>
           <a:prstGeom prst="rect">
             <a:avLst/>
@@ -4931,6 +4798,7 @@
                   <a:srgbClr val="000000"/>
                 </a:solidFill>
                 <a:latin typeface="Times New Roman"/>
+                <a:ea typeface="DejaVu Sans"/>
               </a:rPr>
               <a:t>By</a:t>
             </a:r>
@@ -4951,6 +4819,7 @@
                   <a:srgbClr val="000000"/>
                 </a:solidFill>
                 <a:latin typeface="Times New Roman"/>
+                <a:ea typeface="DejaVu Sans"/>
               </a:rPr>
               <a:t>Vatsa Khatri (BT21CSE006)</a:t>
             </a:r>
@@ -4971,6 +4840,7 @@
                   <a:srgbClr val="000000"/>
                 </a:solidFill>
                 <a:latin typeface="Times New Roman"/>
+                <a:ea typeface="DejaVu Sans"/>
               </a:rPr>
               <a:t>Prajwal Sam Rachapudy (BT21CSE015)</a:t>
             </a:r>
@@ -4991,6 +4861,7 @@
                   <a:srgbClr val="000000"/>
                 </a:solidFill>
                 <a:latin typeface="Times New Roman"/>
+                <a:ea typeface="DejaVu Sans"/>
               </a:rPr>
               <a:t>Harsh Deshmukh (BT21CSE020)</a:t>
             </a:r>
@@ -5011,6 +4882,7 @@
                   <a:srgbClr val="000000"/>
                 </a:solidFill>
                 <a:latin typeface="Times New Roman"/>
+                <a:ea typeface="DejaVu Sans"/>
               </a:rPr>
               <a:t>Rashmi Sharma (BT21CSE022)</a:t>
             </a:r>
@@ -5031,6 +4903,7 @@
                   <a:srgbClr val="000000"/>
                 </a:solidFill>
                 <a:latin typeface="Times New Roman"/>
+                <a:ea typeface="DejaVu Sans"/>
               </a:rPr>
               <a:t>Under guidance of</a:t>
             </a:r>
@@ -5052,6 +4925,7 @@
                 </a:solidFill>
                 <a:uFillTx/>
                 <a:latin typeface="Times New Roman"/>
+                <a:ea typeface="DejaVu Sans"/>
               </a:rPr>
               <a:t>Dr. PVN Prashanth</a:t>
             </a:r>
@@ -5093,14 +4967,14 @@
       </p:grpSpPr>
       <p:sp>
         <p:nvSpPr>
-          <p:cNvPr id="119" name="Rectangle 3"/>
+          <p:cNvPr id="117" name="Rectangle 3"/>
           <p:cNvSpPr/>
           <p:nvPr/>
         </p:nvSpPr>
         <p:spPr>
           <a:xfrm>
             <a:off x="0" y="-39600"/>
-            <a:ext cx="24383520" cy="2007360"/>
+            <a:ext cx="24383160" cy="2007000"/>
           </a:xfrm>
           <a:prstGeom prst="rect">
             <a:avLst/>
@@ -5134,7 +5008,7 @@
       </p:sp>
       <p:sp>
         <p:nvSpPr>
-          <p:cNvPr id="120" name="PlaceHolder 1"/>
+          <p:cNvPr id="118" name="PlaceHolder 1"/>
           <p:cNvSpPr>
             <a:spLocks noGrp="1"/>
           </p:cNvSpPr>
@@ -5145,33 +5019,33 @@
         <p:spPr>
           <a:xfrm>
             <a:off x="609480" y="366120"/>
-            <a:ext cx="10972440" cy="1523520"/>
-          </a:xfrm>
-          <a:prstGeom prst="rect">
-            <a:avLst/>
-          </a:prstGeom>
-          <a:noFill/>
-          <a:ln w="0">
-            <a:noFill/>
-          </a:ln>
-        </p:spPr>
-        <p:txBody>
-          <a:bodyPr anchor="ctr">
+            <a:ext cx="10972080" cy="1523160"/>
+          </a:xfrm>
+          <a:prstGeom prst="rect">
+            <a:avLst/>
+          </a:prstGeom>
+          <a:noFill/>
+          <a:ln w="0">
+            <a:noFill/>
+          </a:ln>
+        </p:spPr>
+        <p:txBody>
+          <a:bodyPr lIns="0" rIns="0" tIns="0" bIns="0" anchor="ctr">
             <a:noAutofit/>
           </a:bodyPr>
           <a:p>
-            <a:endParaRPr b="0" lang="en-US" sz="1800" spc="-1" strike="noStrike">
-              <a:solidFill>
-                <a:srgbClr val="000000"/>
-              </a:solidFill>
-              <a:latin typeface="Calibri"/>
-            </a:endParaRPr>
-          </a:p>
-        </p:txBody>
-      </p:sp>
-      <p:sp>
-        <p:nvSpPr>
-          <p:cNvPr id="121" name="PlaceHolder 2"/>
+            <a:pPr algn="ctr">
+              <a:buNone/>
+            </a:pPr>
+            <a:endParaRPr b="0" lang="en-IN" sz="4400" spc="-1" strike="noStrike">
+              <a:latin typeface="Arial"/>
+            </a:endParaRPr>
+          </a:p>
+        </p:txBody>
+      </p:sp>
+      <p:sp>
+        <p:nvSpPr>
+          <p:cNvPr id="119" name="PlaceHolder 2"/>
           <p:cNvSpPr>
             <a:spLocks noGrp="1"/>
           </p:cNvSpPr>
@@ -5182,33 +5056,30 @@
         <p:spPr>
           <a:xfrm>
             <a:off x="1206360" y="2324160"/>
-            <a:ext cx="21970800" cy="1002960"/>
-          </a:xfrm>
-          <a:prstGeom prst="rect">
-            <a:avLst/>
-          </a:prstGeom>
-          <a:noFill/>
-          <a:ln w="0">
-            <a:noFill/>
-          </a:ln>
-        </p:spPr>
-        <p:txBody>
-          <a:bodyPr lIns="45720" rIns="45720" anchor="t">
+            <a:ext cx="21970440" cy="1002600"/>
+          </a:xfrm>
+          <a:prstGeom prst="rect">
+            <a:avLst/>
+          </a:prstGeom>
+          <a:noFill/>
+          <a:ln w="0">
+            <a:noFill/>
+          </a:ln>
+        </p:spPr>
+        <p:txBody>
+          <a:bodyPr lIns="45720" rIns="45720" tIns="0" bIns="0" anchor="t">
             <a:normAutofit/>
           </a:bodyPr>
           <a:p>
-            <a:endParaRPr b="0" lang="en-US" sz="4270" spc="-1" strike="noStrike">
-              <a:solidFill>
-                <a:srgbClr val="000000"/>
-              </a:solidFill>
-              <a:latin typeface="Calibri"/>
-            </a:endParaRPr>
-          </a:p>
-        </p:txBody>
-      </p:sp>
-      <p:sp>
-        <p:nvSpPr>
-          <p:cNvPr id="122" name="PlaceHolder 3"/>
+            <a:endParaRPr b="0" lang="en-IN" sz="3200" spc="-1" strike="noStrike">
+              <a:latin typeface="Arial"/>
+            </a:endParaRPr>
+          </a:p>
+        </p:txBody>
+      </p:sp>
+      <p:sp>
+        <p:nvSpPr>
+          <p:cNvPr id="120" name="PlaceHolder 3"/>
           <p:cNvSpPr>
             <a:spLocks noGrp="1"/>
           </p:cNvSpPr>
@@ -5219,18 +5090,18 @@
         <p:spPr>
           <a:xfrm>
             <a:off x="907920" y="4141440"/>
-            <a:ext cx="21077280" cy="8322120"/>
-          </a:xfrm>
-          <a:prstGeom prst="rect">
-            <a:avLst/>
-          </a:prstGeom>
-          <a:noFill/>
-          <a:ln w="0">
-            <a:noFill/>
-          </a:ln>
-        </p:spPr>
-        <p:txBody>
-          <a:bodyPr anchor="t">
+            <a:ext cx="21076920" cy="8321760"/>
+          </a:xfrm>
+          <a:prstGeom prst="rect">
+            <a:avLst/>
+          </a:prstGeom>
+          <a:noFill/>
+          <a:ln w="0">
+            <a:noFill/>
+          </a:ln>
+        </p:spPr>
+        <p:txBody>
+          <a:bodyPr lIns="0" rIns="0" tIns="0" bIns="0" anchor="t">
             <a:normAutofit/>
           </a:bodyPr>
           <a:p>
@@ -5256,11 +5127,8 @@
               </a:rPr>
               <a:t>This is an iterative training process that is coordinated by a central server</a:t>
             </a:r>
-            <a:endParaRPr b="0" lang="en-US" sz="4270" spc="-1" strike="noStrike">
-              <a:solidFill>
-                <a:srgbClr val="000000"/>
-              </a:solidFill>
-              <a:latin typeface="Calibri"/>
+            <a:endParaRPr b="0" lang="en-IN" sz="4270" spc="-1" strike="noStrike">
+              <a:latin typeface="Arial"/>
             </a:endParaRPr>
           </a:p>
           <a:p>
@@ -5286,11 +5154,8 @@
               </a:rPr>
               <a:t>The server maintains a global model and sends its current state to the clients at the beginning of each training iteration</a:t>
             </a:r>
-            <a:endParaRPr b="0" lang="en-US" sz="4270" spc="-1" strike="noStrike">
-              <a:solidFill>
-                <a:srgbClr val="000000"/>
-              </a:solidFill>
-              <a:latin typeface="Calibri"/>
+            <a:endParaRPr b="0" lang="en-IN" sz="4270" spc="-1" strike="noStrike">
+              <a:latin typeface="Arial"/>
             </a:endParaRPr>
           </a:p>
           <a:p>
@@ -5316,11 +5181,8 @@
               </a:rPr>
               <a:t>the data collected by the individual devices never leaves the device, instead, devices locally update the global model using their local dataset, creating a local model</a:t>
             </a:r>
-            <a:endParaRPr b="0" lang="en-US" sz="4270" spc="-1" strike="noStrike">
-              <a:solidFill>
-                <a:srgbClr val="000000"/>
-              </a:solidFill>
-              <a:latin typeface="Calibri"/>
+            <a:endParaRPr b="0" lang="en-IN" sz="4270" spc="-1" strike="noStrike">
+              <a:latin typeface="Arial"/>
             </a:endParaRPr>
           </a:p>
           <a:p>
@@ -5346,11 +5208,8 @@
               </a:rPr>
               <a:t>It has received significant attention in the recent years and has found a variety of applications from keyboard query recommendations to healthcare, from electrical load forecasting to traffic flow prediction</a:t>
             </a:r>
-            <a:endParaRPr b="0" lang="en-US" sz="4270" spc="-1" strike="noStrike">
-              <a:solidFill>
-                <a:srgbClr val="000000"/>
-              </a:solidFill>
-              <a:latin typeface="Calibri"/>
+            <a:endParaRPr b="0" lang="en-IN" sz="4270" spc="-1" strike="noStrike">
+              <a:latin typeface="Arial"/>
             </a:endParaRPr>
           </a:p>
           <a:p>
@@ -5363,11 +5222,8 @@
               </a:spcBef>
               <a:buNone/>
             </a:pPr>
-            <a:endParaRPr b="0" lang="en-US" sz="4270" spc="-1" strike="noStrike">
-              <a:solidFill>
-                <a:srgbClr val="000000"/>
-              </a:solidFill>
-              <a:latin typeface="Calibri"/>
+            <a:endParaRPr b="0" lang="en-IN" sz="4270" spc="-1" strike="noStrike">
+              <a:latin typeface="Arial"/>
             </a:endParaRPr>
           </a:p>
         </p:txBody>
@@ -5404,14 +5260,14 @@
       </p:grpSpPr>
       <p:sp>
         <p:nvSpPr>
-          <p:cNvPr id="123" name="Rectangle 4"/>
+          <p:cNvPr id="121" name="Rectangle 4"/>
           <p:cNvSpPr/>
           <p:nvPr/>
         </p:nvSpPr>
         <p:spPr>
           <a:xfrm>
             <a:off x="0" y="-39600"/>
-            <a:ext cx="24383520" cy="2007360"/>
+            <a:ext cx="24383160" cy="2007000"/>
           </a:xfrm>
           <a:prstGeom prst="rect">
             <a:avLst/>
@@ -5445,7 +5301,7 @@
       </p:sp>
       <p:sp>
         <p:nvSpPr>
-          <p:cNvPr id="124" name="PlaceHolder 1"/>
+          <p:cNvPr id="122" name="PlaceHolder 1"/>
           <p:cNvSpPr>
             <a:spLocks noGrp="1"/>
           </p:cNvSpPr>
@@ -5456,18 +5312,18 @@
         <p:spPr>
           <a:xfrm>
             <a:off x="6705720" y="201960"/>
-            <a:ext cx="10972440" cy="1523520"/>
-          </a:xfrm>
-          <a:prstGeom prst="rect">
-            <a:avLst/>
-          </a:prstGeom>
-          <a:noFill/>
-          <a:ln w="0">
-            <a:noFill/>
-          </a:ln>
-        </p:spPr>
-        <p:txBody>
-          <a:bodyPr anchor="ctr">
+            <a:ext cx="10972080" cy="1523160"/>
+          </a:xfrm>
+          <a:prstGeom prst="rect">
+            <a:avLst/>
+          </a:prstGeom>
+          <a:noFill/>
+          <a:ln w="0">
+            <a:noFill/>
+          </a:ln>
+        </p:spPr>
+        <p:txBody>
+          <a:bodyPr lIns="0" rIns="0" tIns="0" bIns="0" anchor="ctr">
             <a:noAutofit/>
           </a:bodyPr>
           <a:p>
@@ -5486,18 +5342,15 @@
               </a:rPr>
               <a:t>Objective</a:t>
             </a:r>
-            <a:endParaRPr b="0" lang="en-US" sz="5860" spc="-1" strike="noStrike">
-              <a:solidFill>
-                <a:srgbClr val="000000"/>
-              </a:solidFill>
-              <a:latin typeface="Calibri"/>
-            </a:endParaRPr>
-          </a:p>
-        </p:txBody>
-      </p:sp>
-      <p:sp>
-        <p:nvSpPr>
-          <p:cNvPr id="125" name="PlaceHolder 2"/>
+            <a:endParaRPr b="0" lang="en-IN" sz="5860" spc="-1" strike="noStrike">
+              <a:latin typeface="Arial"/>
+            </a:endParaRPr>
+          </a:p>
+        </p:txBody>
+      </p:sp>
+      <p:sp>
+        <p:nvSpPr>
+          <p:cNvPr id="123" name="PlaceHolder 2"/>
           <p:cNvSpPr>
             <a:spLocks noGrp="1"/>
           </p:cNvSpPr>
@@ -5508,18 +5361,18 @@
         <p:spPr>
           <a:xfrm>
             <a:off x="2180160" y="3840840"/>
-            <a:ext cx="20023560" cy="6034320"/>
-          </a:xfrm>
-          <a:prstGeom prst="rect">
-            <a:avLst/>
-          </a:prstGeom>
-          <a:noFill/>
-          <a:ln w="0">
-            <a:noFill/>
-          </a:ln>
-        </p:spPr>
-        <p:txBody>
-          <a:bodyPr anchor="t">
+            <a:ext cx="20023200" cy="6033960"/>
+          </a:xfrm>
+          <a:prstGeom prst="rect">
+            <a:avLst/>
+          </a:prstGeom>
+          <a:noFill/>
+          <a:ln w="0">
+            <a:noFill/>
+          </a:ln>
+        </p:spPr>
+        <p:txBody>
+          <a:bodyPr lIns="0" rIns="0" tIns="0" bIns="0" anchor="t">
             <a:noAutofit/>
           </a:bodyPr>
           <a:p>
@@ -5545,18 +5398,15 @@
               </a:rPr>
               <a:t>Attain sustainability in energy management and tackle the issues of data Heterogeneity </a:t>
             </a:r>
-            <a:endParaRPr b="0" lang="en-US" sz="4270" spc="-1" strike="noStrike">
-              <a:solidFill>
-                <a:srgbClr val="000000"/>
-              </a:solidFill>
-              <a:latin typeface="Calibri"/>
+            <a:endParaRPr b="0" lang="en-IN" sz="4270" spc="-1" strike="noStrike">
+              <a:latin typeface="Arial"/>
             </a:endParaRPr>
           </a:p>
         </p:txBody>
       </p:sp>
       <p:pic>
         <p:nvPicPr>
-          <p:cNvPr id="126" name="Picture 6" descr=""/>
+          <p:cNvPr id="124" name="Picture 6" descr=""/>
           <p:cNvPicPr/>
           <p:nvPr/>
         </p:nvPicPr>
@@ -5567,7 +5417,7 @@
         <p:spPr>
           <a:xfrm>
             <a:off x="3000600" y="5098320"/>
-            <a:ext cx="12033000" cy="7603560"/>
+            <a:ext cx="12032640" cy="7603200"/>
           </a:xfrm>
           <a:prstGeom prst="rect">
             <a:avLst/>
@@ -5609,14 +5459,14 @@
       </p:grpSpPr>
       <p:sp>
         <p:nvSpPr>
-          <p:cNvPr id="127" name="Rectangle 4"/>
+          <p:cNvPr id="125" name="Rectangle 4"/>
           <p:cNvSpPr/>
           <p:nvPr/>
         </p:nvSpPr>
         <p:spPr>
           <a:xfrm>
             <a:off x="0" y="-39600"/>
-            <a:ext cx="24383520" cy="2007360"/>
+            <a:ext cx="24383160" cy="2007000"/>
           </a:xfrm>
           <a:prstGeom prst="rect">
             <a:avLst/>
@@ -5650,7 +5500,7 @@
       </p:sp>
       <p:sp>
         <p:nvSpPr>
-          <p:cNvPr id="128" name="PlaceHolder 1"/>
+          <p:cNvPr id="126" name="PlaceHolder 1"/>
           <p:cNvSpPr>
             <a:spLocks noGrp="1"/>
           </p:cNvSpPr>
@@ -5661,18 +5511,18 @@
         <p:spPr>
           <a:xfrm>
             <a:off x="6139080" y="423000"/>
-            <a:ext cx="10972440" cy="1523520"/>
-          </a:xfrm>
-          <a:prstGeom prst="rect">
-            <a:avLst/>
-          </a:prstGeom>
-          <a:noFill/>
-          <a:ln w="0">
-            <a:noFill/>
-          </a:ln>
-        </p:spPr>
-        <p:txBody>
-          <a:bodyPr anchor="ctr">
+            <a:ext cx="10972080" cy="1523160"/>
+          </a:xfrm>
+          <a:prstGeom prst="rect">
+            <a:avLst/>
+          </a:prstGeom>
+          <a:noFill/>
+          <a:ln w="0">
+            <a:noFill/>
+          </a:ln>
+        </p:spPr>
+        <p:txBody>
+          <a:bodyPr lIns="0" rIns="0" tIns="0" bIns="0" anchor="ctr">
             <a:noAutofit/>
           </a:bodyPr>
           <a:p>
@@ -5691,18 +5541,15 @@
               </a:rPr>
               <a:t>Approach</a:t>
             </a:r>
-            <a:endParaRPr b="0" lang="en-US" sz="5860" spc="-1" strike="noStrike">
-              <a:solidFill>
-                <a:srgbClr val="000000"/>
-              </a:solidFill>
-              <a:latin typeface="Calibri"/>
-            </a:endParaRPr>
-          </a:p>
-        </p:txBody>
-      </p:sp>
-      <p:sp>
-        <p:nvSpPr>
-          <p:cNvPr id="129" name="PlaceHolder 2"/>
+            <a:endParaRPr b="0" lang="en-IN" sz="5860" spc="-1" strike="noStrike">
+              <a:latin typeface="Arial"/>
+            </a:endParaRPr>
+          </a:p>
+        </p:txBody>
+      </p:sp>
+      <p:sp>
+        <p:nvSpPr>
+          <p:cNvPr id="127" name="PlaceHolder 2"/>
           <p:cNvSpPr>
             <a:spLocks noGrp="1"/>
           </p:cNvSpPr>
@@ -5713,33 +5560,30 @@
         <p:spPr>
           <a:xfrm>
             <a:off x="1206360" y="2324160"/>
-            <a:ext cx="21970800" cy="1002960"/>
-          </a:xfrm>
-          <a:prstGeom prst="rect">
-            <a:avLst/>
-          </a:prstGeom>
-          <a:noFill/>
-          <a:ln w="0">
-            <a:noFill/>
-          </a:ln>
-        </p:spPr>
-        <p:txBody>
-          <a:bodyPr lIns="45720" rIns="45720" anchor="t">
+            <a:ext cx="21970440" cy="1002600"/>
+          </a:xfrm>
+          <a:prstGeom prst="rect">
+            <a:avLst/>
+          </a:prstGeom>
+          <a:noFill/>
+          <a:ln w="0">
+            <a:noFill/>
+          </a:ln>
+        </p:spPr>
+        <p:txBody>
+          <a:bodyPr lIns="45720" rIns="45720" tIns="0" bIns="0" anchor="t">
             <a:normAutofit/>
           </a:bodyPr>
           <a:p>
-            <a:endParaRPr b="0" lang="en-US" sz="4270" spc="-1" strike="noStrike">
-              <a:solidFill>
-                <a:srgbClr val="000000"/>
-              </a:solidFill>
-              <a:latin typeface="Calibri"/>
-            </a:endParaRPr>
-          </a:p>
-        </p:txBody>
-      </p:sp>
-      <p:sp>
-        <p:nvSpPr>
-          <p:cNvPr id="130" name="PlaceHolder 3"/>
+            <a:endParaRPr b="0" lang="en-IN" sz="3200" spc="-1" strike="noStrike">
+              <a:latin typeface="Arial"/>
+            </a:endParaRPr>
+          </a:p>
+        </p:txBody>
+      </p:sp>
+      <p:sp>
+        <p:nvSpPr>
+          <p:cNvPr id="128" name="PlaceHolder 3"/>
           <p:cNvSpPr>
             <a:spLocks noGrp="1"/>
           </p:cNvSpPr>
@@ -5750,18 +5594,18 @@
         <p:spPr>
           <a:xfrm>
             <a:off x="1494360" y="4061880"/>
-            <a:ext cx="21395160" cy="8143200"/>
-          </a:xfrm>
-          <a:prstGeom prst="rect">
-            <a:avLst/>
-          </a:prstGeom>
-          <a:noFill/>
-          <a:ln w="0">
-            <a:noFill/>
-          </a:ln>
-        </p:spPr>
-        <p:txBody>
-          <a:bodyPr anchor="t">
+            <a:ext cx="21394800" cy="8142840"/>
+          </a:xfrm>
+          <a:prstGeom prst="rect">
+            <a:avLst/>
+          </a:prstGeom>
+          <a:noFill/>
+          <a:ln w="0">
+            <a:noFill/>
+          </a:ln>
+        </p:spPr>
+        <p:txBody>
+          <a:bodyPr lIns="0" rIns="0" tIns="0" bIns="0" anchor="t">
             <a:normAutofit/>
           </a:bodyPr>
           <a:p>
@@ -5787,11 +5631,8 @@
               </a:rPr>
               <a:t>In this approach, we consider devices that are powered by the small quantities of energy generated from the ambient environment, such as solar, kinetic, ambient light or RF energy</a:t>
             </a:r>
-            <a:endParaRPr b="0" lang="en-US" sz="4270" spc="-1" strike="noStrike">
-              <a:solidFill>
-                <a:srgbClr val="000000"/>
-              </a:solidFill>
-              <a:latin typeface="Calibri"/>
+            <a:endParaRPr b="0" lang="en-IN" sz="4270" spc="-1" strike="noStrike">
+              <a:latin typeface="Arial"/>
             </a:endParaRPr>
           </a:p>
           <a:p>
@@ -5817,11 +5658,8 @@
               </a:rPr>
               <a:t>Conventional algorithms are designed with the underlying assumption that all clients are available to participate in training if selected.( which may not be the case in Real time) </a:t>
             </a:r>
-            <a:endParaRPr b="0" lang="en-US" sz="4270" spc="-1" strike="noStrike">
-              <a:solidFill>
-                <a:srgbClr val="000000"/>
-              </a:solidFill>
-              <a:latin typeface="Calibri"/>
+            <a:endParaRPr b="0" lang="en-IN" sz="4270" spc="-1" strike="noStrike">
+              <a:latin typeface="Arial"/>
             </a:endParaRPr>
           </a:p>
           <a:p>
@@ -5847,11 +5685,8 @@
               </a:rPr>
               <a:t>whether or not a client can participate in training is determined by an underlying energy arrival process, which is intermittent and nonhomogeneous across the clients.</a:t>
             </a:r>
-            <a:endParaRPr b="0" lang="en-US" sz="4270" spc="-1" strike="noStrike">
-              <a:solidFill>
-                <a:srgbClr val="000000"/>
-              </a:solidFill>
-              <a:latin typeface="Calibri"/>
+            <a:endParaRPr b="0" lang="en-IN" sz="4270" spc="-1" strike="noStrike">
+              <a:latin typeface="Arial"/>
             </a:endParaRPr>
           </a:p>
           <a:p>
@@ -5877,11 +5712,8 @@
               </a:rPr>
               <a:t>Our goal is to build a scalable and practical federated learning framework</a:t>
             </a:r>
-            <a:endParaRPr b="0" lang="en-US" sz="4270" spc="-1" strike="noStrike">
-              <a:solidFill>
-                <a:srgbClr val="000000"/>
-              </a:solidFill>
-              <a:latin typeface="Calibri"/>
+            <a:endParaRPr b="0" lang="en-IN" sz="4270" spc="-1" strike="noStrike">
+              <a:latin typeface="Arial"/>
             </a:endParaRPr>
           </a:p>
         </p:txBody>
@@ -5930,7 +5762,7 @@
                                           </p:stCondLst>
                                         </p:cTn>
                                         <p:tgtEl>
-                                          <p:spTgt spid="130">
+                                          <p:spTgt spid="128">
                                             <p:txEl>
                                               <p:pRg st="0" end="0"/>
                                             </p:txEl>
@@ -5948,7 +5780,7 @@
                                       <p:cBhvr additive="repl">
                                         <p:cTn id="7" dur="500"/>
                                         <p:tgtEl>
-                                          <p:spTgt spid="130">
+                                          <p:spTgt spid="128">
                                             <p:txEl>
                                               <p:pRg st="0" end="0"/>
                                             </p:txEl>
@@ -5991,7 +5823,7 @@
                                           </p:stCondLst>
                                         </p:cTn>
                                         <p:tgtEl>
-                                          <p:spTgt spid="130">
+                                          <p:spTgt spid="128">
                                             <p:txEl>
                                               <p:pRg st="1" end="1"/>
                                             </p:txEl>
@@ -6009,7 +5841,7 @@
                                       <p:cBhvr additive="repl">
                                         <p:cTn id="12" dur="500"/>
                                         <p:tgtEl>
-                                          <p:spTgt spid="130">
+                                          <p:spTgt spid="128">
                                             <p:txEl>
                                               <p:pRg st="1" end="1"/>
                                             </p:txEl>
@@ -6052,7 +5884,7 @@
                                           </p:stCondLst>
                                         </p:cTn>
                                         <p:tgtEl>
-                                          <p:spTgt spid="130">
+                                          <p:spTgt spid="128">
                                             <p:txEl>
                                               <p:pRg st="2" end="2"/>
                                             </p:txEl>
@@ -6070,7 +5902,7 @@
                                       <p:cBhvr additive="repl">
                                         <p:cTn id="17" dur="500"/>
                                         <p:tgtEl>
-                                          <p:spTgt spid="130">
+                                          <p:spTgt spid="128">
                                             <p:txEl>
                                               <p:pRg st="2" end="2"/>
                                             </p:txEl>
@@ -6113,7 +5945,7 @@
                                           </p:stCondLst>
                                         </p:cTn>
                                         <p:tgtEl>
-                                          <p:spTgt spid="130">
+                                          <p:spTgt spid="128">
                                             <p:txEl>
                                               <p:pRg st="3" end="3"/>
                                             </p:txEl>
@@ -6180,14 +6012,14 @@
       </p:grpSpPr>
       <p:sp>
         <p:nvSpPr>
-          <p:cNvPr id="131" name="Rectangle 4"/>
+          <p:cNvPr id="129" name="Rectangle 4"/>
           <p:cNvSpPr/>
           <p:nvPr/>
         </p:nvSpPr>
         <p:spPr>
           <a:xfrm>
             <a:off x="0" y="-39600"/>
-            <a:ext cx="24383520" cy="2007360"/>
+            <a:ext cx="24383160" cy="2007000"/>
           </a:xfrm>
           <a:prstGeom prst="rect">
             <a:avLst/>
@@ -6221,7 +6053,7 @@
       </p:sp>
       <p:sp>
         <p:nvSpPr>
-          <p:cNvPr id="132" name="PlaceHolder 1"/>
+          <p:cNvPr id="130" name="PlaceHolder 1"/>
           <p:cNvSpPr>
             <a:spLocks noGrp="1"/>
           </p:cNvSpPr>
@@ -6232,18 +6064,18 @@
         <p:spPr>
           <a:xfrm>
             <a:off x="6089400" y="313560"/>
-            <a:ext cx="10972440" cy="1523520"/>
-          </a:xfrm>
-          <a:prstGeom prst="rect">
-            <a:avLst/>
-          </a:prstGeom>
-          <a:noFill/>
-          <a:ln w="0">
-            <a:noFill/>
-          </a:ln>
-        </p:spPr>
-        <p:txBody>
-          <a:bodyPr anchor="ctr">
+            <a:ext cx="10972080" cy="1523160"/>
+          </a:xfrm>
+          <a:prstGeom prst="rect">
+            <a:avLst/>
+          </a:prstGeom>
+          <a:noFill/>
+          <a:ln w="0">
+            <a:noFill/>
+          </a:ln>
+        </p:spPr>
+        <p:txBody>
+          <a:bodyPr lIns="0" rIns="0" tIns="0" bIns="0" anchor="ctr">
             <a:noAutofit/>
           </a:bodyPr>
           <a:p>
@@ -6262,18 +6094,15 @@
               </a:rPr>
               <a:t>Assumptions</a:t>
             </a:r>
-            <a:endParaRPr b="0" lang="en-US" sz="5860" spc="-1" strike="noStrike">
-              <a:solidFill>
-                <a:srgbClr val="000000"/>
-              </a:solidFill>
-              <a:latin typeface="Calibri"/>
-            </a:endParaRPr>
-          </a:p>
-        </p:txBody>
-      </p:sp>
-      <p:sp>
-        <p:nvSpPr>
-          <p:cNvPr id="133" name="PlaceHolder 2"/>
+            <a:endParaRPr b="0" lang="en-IN" sz="5860" spc="-1" strike="noStrike">
+              <a:latin typeface="Arial"/>
+            </a:endParaRPr>
+          </a:p>
+        </p:txBody>
+      </p:sp>
+      <p:sp>
+        <p:nvSpPr>
+          <p:cNvPr id="131" name="PlaceHolder 2"/>
           <p:cNvSpPr>
             <a:spLocks noGrp="1"/>
           </p:cNvSpPr>
@@ -6284,33 +6113,30 @@
         <p:spPr>
           <a:xfrm>
             <a:off x="1206360" y="2324160"/>
-            <a:ext cx="21970800" cy="1002960"/>
-          </a:xfrm>
-          <a:prstGeom prst="rect">
-            <a:avLst/>
-          </a:prstGeom>
-          <a:noFill/>
-          <a:ln w="0">
-            <a:noFill/>
-          </a:ln>
-        </p:spPr>
-        <p:txBody>
-          <a:bodyPr lIns="45720" rIns="45720" anchor="t">
+            <a:ext cx="21970440" cy="1002600"/>
+          </a:xfrm>
+          <a:prstGeom prst="rect">
+            <a:avLst/>
+          </a:prstGeom>
+          <a:noFill/>
+          <a:ln w="0">
+            <a:noFill/>
+          </a:ln>
+        </p:spPr>
+        <p:txBody>
+          <a:bodyPr lIns="45720" rIns="45720" tIns="0" bIns="0" anchor="t">
             <a:normAutofit/>
           </a:bodyPr>
           <a:p>
-            <a:endParaRPr b="0" lang="en-US" sz="4270" spc="-1" strike="noStrike">
-              <a:solidFill>
-                <a:srgbClr val="000000"/>
-              </a:solidFill>
-              <a:latin typeface="Calibri"/>
-            </a:endParaRPr>
-          </a:p>
-        </p:txBody>
-      </p:sp>
-      <p:sp>
-        <p:nvSpPr>
-          <p:cNvPr id="134" name="PlaceHolder 3"/>
+            <a:endParaRPr b="0" lang="en-IN" sz="3200" spc="-1" strike="noStrike">
+              <a:latin typeface="Arial"/>
+            </a:endParaRPr>
+          </a:p>
+        </p:txBody>
+      </p:sp>
+      <p:sp>
+        <p:nvSpPr>
+          <p:cNvPr id="132" name="PlaceHolder 3"/>
           <p:cNvSpPr>
             <a:spLocks noGrp="1"/>
           </p:cNvSpPr>
@@ -6321,19 +6147,19 @@
         <p:spPr>
           <a:xfrm>
             <a:off x="2259360" y="3922560"/>
-            <a:ext cx="19864800" cy="8719560"/>
-          </a:xfrm>
-          <a:prstGeom prst="rect">
-            <a:avLst/>
-          </a:prstGeom>
-          <a:noFill/>
-          <a:ln w="0">
-            <a:noFill/>
-          </a:ln>
-        </p:spPr>
-        <p:txBody>
-          <a:bodyPr anchor="t">
-            <a:normAutofit fontScale="96000"/>
+            <a:ext cx="19864440" cy="8719200"/>
+          </a:xfrm>
+          <a:prstGeom prst="rect">
+            <a:avLst/>
+          </a:prstGeom>
+          <a:noFill/>
+          <a:ln w="0">
+            <a:noFill/>
+          </a:ln>
+        </p:spPr>
+        <p:txBody>
+          <a:bodyPr lIns="0" rIns="0" tIns="0" bIns="0" anchor="t">
+            <a:normAutofit fontScale="97000"/>
           </a:bodyPr>
           <a:p>
             <a:pPr marL="457200" indent="-457200">
@@ -6358,11 +6184,8 @@
               </a:rPr>
               <a:t>we consider a federated learning scenario with N clients and a server. Client i holds a local dataset D i . Clients wish to jointly train a machine learning model over the datasets D 1 , . . . , D N .</a:t>
             </a:r>
-            <a:endParaRPr b="0" lang="en-US" sz="4270" spc="-1" strike="noStrike">
-              <a:solidFill>
-                <a:srgbClr val="000000"/>
-              </a:solidFill>
-              <a:latin typeface="Calibri"/>
+            <a:endParaRPr b="0" lang="en-IN" sz="4270" spc="-1" strike="noStrike">
+              <a:latin typeface="Arial"/>
             </a:endParaRPr>
           </a:p>
           <a:p>
@@ -6388,11 +6211,8 @@
               </a:rPr>
               <a:t>we assume that clients only have intermittent energy availability, and can participate in the training process only when they have energy available</a:t>
             </a:r>
-            <a:endParaRPr b="0" lang="en-US" sz="4270" spc="-1" strike="noStrike">
-              <a:solidFill>
-                <a:srgbClr val="000000"/>
-              </a:solidFill>
-              <a:latin typeface="Calibri"/>
+            <a:endParaRPr b="0" lang="en-IN" sz="4270" spc="-1" strike="noStrike">
+              <a:latin typeface="Arial"/>
             </a:endParaRPr>
           </a:p>
           <a:p>
@@ -6418,11 +6238,8 @@
               </a:rPr>
               <a:t>The energy generation process is not uniform across the devices, that is, some clients may have more frequent energy arrivals than others</a:t>
             </a:r>
-            <a:endParaRPr b="0" lang="en-US" sz="4270" spc="-1" strike="noStrike">
-              <a:solidFill>
-                <a:srgbClr val="000000"/>
-              </a:solidFill>
-              <a:latin typeface="Calibri"/>
+            <a:endParaRPr b="0" lang="en-IN" sz="4270" spc="-1" strike="noStrike">
+              <a:latin typeface="Arial"/>
             </a:endParaRPr>
           </a:p>
           <a:p>
@@ -6522,11 +6339,8 @@
               </a:rPr>
               <a:t>How to schedule the clients?</a:t>
             </a:r>
-            <a:endParaRPr b="0" lang="en-US" sz="7200" spc="-1" strike="noStrike">
-              <a:solidFill>
-                <a:srgbClr val="000000"/>
-              </a:solidFill>
-              <a:latin typeface="Calibri"/>
+            <a:endParaRPr b="0" lang="en-IN" sz="7200" spc="-1" strike="noStrike">
+              <a:latin typeface="Arial"/>
             </a:endParaRPr>
           </a:p>
         </p:txBody>
@@ -6575,7 +6389,7 @@
                                           </p:stCondLst>
                                         </p:cTn>
                                         <p:tgtEl>
-                                          <p:spTgt spid="134">
+                                          <p:spTgt spid="132">
                                             <p:txEl>
                                               <p:pRg st="0" end="0"/>
                                             </p:txEl>
@@ -6593,7 +6407,7 @@
                                       <p:cBhvr additive="repl">
                                         <p:cTn id="28" dur="500"/>
                                         <p:tgtEl>
-                                          <p:spTgt spid="134">
+                                          <p:spTgt spid="132">
                                             <p:txEl>
                                               <p:pRg st="0" end="0"/>
                                             </p:txEl>
@@ -6636,7 +6450,7 @@
                                           </p:stCondLst>
                                         </p:cTn>
                                         <p:tgtEl>
-                                          <p:spTgt spid="134">
+                                          <p:spTgt spid="132">
                                             <p:txEl>
                                               <p:pRg st="1" end="1"/>
                                             </p:txEl>
@@ -6654,7 +6468,7 @@
                                       <p:cBhvr additive="repl">
                                         <p:cTn id="33" dur="500"/>
                                         <p:tgtEl>
-                                          <p:spTgt spid="134">
+                                          <p:spTgt spid="132">
                                             <p:txEl>
                                               <p:pRg st="1" end="1"/>
                                             </p:txEl>
@@ -6697,7 +6511,7 @@
                                           </p:stCondLst>
                                         </p:cTn>
                                         <p:tgtEl>
-                                          <p:spTgt spid="134">
+                                          <p:spTgt spid="132">
                                             <p:txEl>
                                               <p:pRg st="2" end="2"/>
                                             </p:txEl>
@@ -6715,7 +6529,7 @@
                                       <p:cBhvr additive="repl">
                                         <p:cTn id="38" dur="500"/>
                                         <p:tgtEl>
-                                          <p:spTgt spid="134">
+                                          <p:spTgt spid="132">
                                             <p:txEl>
                                               <p:pRg st="2" end="2"/>
                                             </p:txEl>
@@ -6758,7 +6572,7 @@
                                           </p:stCondLst>
                                         </p:cTn>
                                         <p:tgtEl>
-                                          <p:spTgt spid="134">
+                                          <p:spTgt spid="132">
                                             <p:txEl>
                                               <p:pRg st="3" end="3"/>
                                             </p:txEl>
@@ -6776,7 +6590,7 @@
                                       <p:cBhvr additive="repl">
                                         <p:cTn id="43" dur="1000"/>
                                         <p:tgtEl>
-                                          <p:spTgt spid="134">
+                                          <p:spTgt spid="132">
                                             <p:txEl>
                                               <p:pRg st="3" end="3"/>
                                             </p:txEl>
@@ -6788,7 +6602,7 @@
                                       <p:cBhvr additive="repl">
                                         <p:cTn id="44" dur="1000" fill="hold"/>
                                         <p:tgtEl>
-                                          <p:spTgt spid="134">
+                                          <p:spTgt spid="132">
                                             <p:txEl>
                                               <p:pRg st="3" end="3"/>
                                             </p:txEl>
@@ -6815,7 +6629,7 @@
                                       <p:cBhvr additive="repl">
                                         <p:cTn id="45" dur="1000" fill="hold"/>
                                         <p:tgtEl>
-                                          <p:spTgt spid="134">
+                                          <p:spTgt spid="132">
                                             <p:txEl>
                                               <p:pRg st="3" end="3"/>
                                             </p:txEl>
@@ -6891,14 +6705,14 @@
       </p:grpSpPr>
       <p:sp>
         <p:nvSpPr>
-          <p:cNvPr id="135" name="Rectangle 4"/>
+          <p:cNvPr id="133" name="Rectangle 4"/>
           <p:cNvSpPr/>
           <p:nvPr/>
         </p:nvSpPr>
         <p:spPr>
           <a:xfrm>
             <a:off x="0" y="-62280"/>
-            <a:ext cx="24383520" cy="2007360"/>
+            <a:ext cx="24383160" cy="2007000"/>
           </a:xfrm>
           <a:prstGeom prst="rect">
             <a:avLst/>
@@ -6932,7 +6746,7 @@
       </p:sp>
       <p:sp>
         <p:nvSpPr>
-          <p:cNvPr id="136" name="PlaceHolder 1"/>
+          <p:cNvPr id="134" name="PlaceHolder 1"/>
           <p:cNvSpPr>
             <a:spLocks noGrp="1"/>
           </p:cNvSpPr>
@@ -6943,18 +6757,18 @@
         <p:spPr>
           <a:xfrm>
             <a:off x="6433920" y="179280"/>
-            <a:ext cx="10972440" cy="1523520"/>
-          </a:xfrm>
-          <a:prstGeom prst="rect">
-            <a:avLst/>
-          </a:prstGeom>
-          <a:noFill/>
-          <a:ln w="0">
-            <a:noFill/>
-          </a:ln>
-        </p:spPr>
-        <p:txBody>
-          <a:bodyPr anchor="ctr">
+            <a:ext cx="10972080" cy="1523160"/>
+          </a:xfrm>
+          <a:prstGeom prst="rect">
+            <a:avLst/>
+          </a:prstGeom>
+          <a:noFill/>
+          <a:ln w="0">
+            <a:noFill/>
+          </a:ln>
+        </p:spPr>
+        <p:txBody>
+          <a:bodyPr lIns="0" rIns="0" tIns="0" bIns="0" anchor="ctr">
             <a:noAutofit/>
           </a:bodyPr>
           <a:p>
@@ -6973,18 +6787,15 @@
               </a:rPr>
               <a:t>Naive Scheduling algorithms</a:t>
             </a:r>
-            <a:endParaRPr b="0" lang="en-US" sz="5860" spc="-1" strike="noStrike">
-              <a:solidFill>
-                <a:srgbClr val="000000"/>
-              </a:solidFill>
-              <a:latin typeface="Calibri"/>
-            </a:endParaRPr>
-          </a:p>
-        </p:txBody>
-      </p:sp>
-      <p:sp>
-        <p:nvSpPr>
-          <p:cNvPr id="137" name="PlaceHolder 2"/>
+            <a:endParaRPr b="0" lang="en-IN" sz="5860" spc="-1" strike="noStrike">
+              <a:latin typeface="Arial"/>
+            </a:endParaRPr>
+          </a:p>
+        </p:txBody>
+      </p:sp>
+      <p:sp>
+        <p:nvSpPr>
+          <p:cNvPr id="135" name="PlaceHolder 2"/>
           <p:cNvSpPr>
             <a:spLocks noGrp="1"/>
           </p:cNvSpPr>
@@ -6995,33 +6806,30 @@
         <p:spPr>
           <a:xfrm>
             <a:off x="1206360" y="2324160"/>
-            <a:ext cx="21970800" cy="1002960"/>
-          </a:xfrm>
-          <a:prstGeom prst="rect">
-            <a:avLst/>
-          </a:prstGeom>
-          <a:noFill/>
-          <a:ln w="0">
-            <a:noFill/>
-          </a:ln>
-        </p:spPr>
-        <p:txBody>
-          <a:bodyPr lIns="45720" rIns="45720" anchor="t">
+            <a:ext cx="21970440" cy="1002600"/>
+          </a:xfrm>
+          <a:prstGeom prst="rect">
+            <a:avLst/>
+          </a:prstGeom>
+          <a:noFill/>
+          <a:ln w="0">
+            <a:noFill/>
+          </a:ln>
+        </p:spPr>
+        <p:txBody>
+          <a:bodyPr lIns="45720" rIns="45720" tIns="0" bIns="0" anchor="t">
             <a:normAutofit/>
           </a:bodyPr>
           <a:p>
-            <a:endParaRPr b="0" lang="en-US" sz="4270" spc="-1" strike="noStrike">
-              <a:solidFill>
-                <a:srgbClr val="000000"/>
-              </a:solidFill>
-              <a:latin typeface="Calibri"/>
-            </a:endParaRPr>
-          </a:p>
-        </p:txBody>
-      </p:sp>
-      <p:sp>
-        <p:nvSpPr>
-          <p:cNvPr id="138" name="PlaceHolder 3"/>
+            <a:endParaRPr b="0" lang="en-IN" sz="3200" spc="-1" strike="noStrike">
+              <a:latin typeface="Arial"/>
+            </a:endParaRPr>
+          </a:p>
+        </p:txBody>
+      </p:sp>
+      <p:sp>
+        <p:nvSpPr>
+          <p:cNvPr id="136" name="PlaceHolder 3"/>
           <p:cNvSpPr>
             <a:spLocks noGrp="1"/>
           </p:cNvSpPr>
@@ -7032,19 +6840,19 @@
         <p:spPr>
           <a:xfrm>
             <a:off x="2324520" y="4174560"/>
-            <a:ext cx="19734840" cy="8766000"/>
-          </a:xfrm>
-          <a:prstGeom prst="rect">
-            <a:avLst/>
-          </a:prstGeom>
-          <a:noFill/>
-          <a:ln w="0">
-            <a:noFill/>
-          </a:ln>
-        </p:spPr>
-        <p:txBody>
-          <a:bodyPr anchor="t">
-            <a:normAutofit fontScale="92000"/>
+            <a:ext cx="19734480" cy="8765640"/>
+          </a:xfrm>
+          <a:prstGeom prst="rect">
+            <a:avLst/>
+          </a:prstGeom>
+          <a:noFill/>
+          <a:ln w="0">
+            <a:noFill/>
+          </a:ln>
+        </p:spPr>
+        <p:txBody>
+          <a:bodyPr lIns="0" rIns="0" tIns="0" bIns="0" anchor="t">
+            <a:normAutofit fontScale="91000"/>
           </a:bodyPr>
           <a:p>
             <a:pPr marL="457200" indent="-457200">
@@ -7081,11 +6889,8 @@
               </a:rPr>
               <a:t> </a:t>
             </a:r>
-            <a:endParaRPr b="0" lang="en-US" sz="4270" spc="-1" strike="noStrike">
-              <a:solidFill>
-                <a:srgbClr val="000000"/>
-              </a:solidFill>
-              <a:latin typeface="Calibri"/>
+            <a:endParaRPr b="0" lang="en-IN" sz="4270" spc="-1" strike="noStrike">
+              <a:latin typeface="Arial"/>
             </a:endParaRPr>
           </a:p>
           <a:p>
@@ -7111,11 +6916,8 @@
               </a:rPr>
               <a:t>Another approach is to wait until all clients become available for training, and then use a conventional client sampling algorithm. However, waiting for all clients to collect enough energy can significantly increase the total training time needed to achieve a target performance level.</a:t>
             </a:r>
-            <a:endParaRPr b="0" lang="en-US" sz="4270" spc="-1" strike="noStrike">
-              <a:solidFill>
-                <a:srgbClr val="000000"/>
-              </a:solidFill>
-              <a:latin typeface="Calibri"/>
+            <a:endParaRPr b="0" lang="en-IN" sz="4270" spc="-1" strike="noStrike">
+              <a:latin typeface="Arial"/>
             </a:endParaRPr>
           </a:p>
           <a:p>
@@ -7128,11 +6930,8 @@
               </a:spcBef>
               <a:buNone/>
             </a:pPr>
-            <a:endParaRPr b="0" lang="en-US" sz="4270" spc="-1" strike="noStrike">
-              <a:solidFill>
-                <a:srgbClr val="000000"/>
-              </a:solidFill>
-              <a:latin typeface="Calibri"/>
+            <a:endParaRPr b="0" lang="en-IN" sz="4270" spc="-1" strike="noStrike">
+              <a:latin typeface="Arial"/>
             </a:endParaRPr>
           </a:p>
           <a:p>
@@ -7166,11 +6965,8 @@
               </a:rPr>
               <a:t>	</a:t>
             </a:r>
-            <a:endParaRPr b="0" lang="en-US" sz="2660" spc="-1" strike="noStrike">
-              <a:solidFill>
-                <a:srgbClr val="000000"/>
-              </a:solidFill>
-              <a:latin typeface="Calibri"/>
+            <a:endParaRPr b="0" lang="en-IN" sz="2660" spc="-1" strike="noStrike">
+              <a:latin typeface="Arial"/>
             </a:endParaRPr>
           </a:p>
         </p:txBody>
@@ -7219,7 +7015,7 @@
                                           </p:stCondLst>
                                         </p:cTn>
                                         <p:tgtEl>
-                                          <p:spTgt spid="138">
+                                          <p:spTgt spid="136">
                                             <p:txEl>
                                               <p:pRg st="0" end="0"/>
                                             </p:txEl>
@@ -7237,7 +7033,7 @@
                                       <p:cBhvr additive="repl">
                                         <p:cTn id="52" dur="500"/>
                                         <p:tgtEl>
-                                          <p:spTgt spid="138">
+                                          <p:spTgt spid="136">
                                             <p:txEl>
                                               <p:pRg st="0" end="0"/>
                                             </p:txEl>
@@ -7280,7 +7076,7 @@
                                           </p:stCondLst>
                                         </p:cTn>
                                         <p:tgtEl>
-                                          <p:spTgt spid="138">
+                                          <p:spTgt spid="136">
                                             <p:txEl>
                                               <p:pRg st="1" end="1"/>
                                             </p:txEl>
@@ -7298,7 +7094,7 @@
                                       <p:cBhvr additive="repl">
                                         <p:cTn id="57" dur="500"/>
                                         <p:tgtEl>
-                                          <p:spTgt spid="138">
+                                          <p:spTgt spid="136">
                                             <p:txEl>
                                               <p:pRg st="1" end="1"/>
                                             </p:txEl>
@@ -7359,14 +7155,14 @@
       </p:grpSpPr>
       <p:sp>
         <p:nvSpPr>
-          <p:cNvPr id="139" name="Rectangle 4"/>
+          <p:cNvPr id="137" name="Rectangle 4"/>
           <p:cNvSpPr/>
           <p:nvPr/>
         </p:nvSpPr>
         <p:spPr>
           <a:xfrm>
             <a:off x="0" y="-39600"/>
-            <a:ext cx="24383520" cy="2007360"/>
+            <a:ext cx="24383160" cy="2007000"/>
           </a:xfrm>
           <a:prstGeom prst="rect">
             <a:avLst/>
@@ -7400,7 +7196,7 @@
       </p:sp>
       <p:sp>
         <p:nvSpPr>
-          <p:cNvPr id="140" name="PlaceHolder 1"/>
+          <p:cNvPr id="138" name="PlaceHolder 1"/>
           <p:cNvSpPr>
             <a:spLocks noGrp="1"/>
           </p:cNvSpPr>
@@ -7411,18 +7207,18 @@
         <p:spPr>
           <a:xfrm>
             <a:off x="5874120" y="201960"/>
-            <a:ext cx="10972440" cy="1523520"/>
-          </a:xfrm>
-          <a:prstGeom prst="rect">
-            <a:avLst/>
-          </a:prstGeom>
-          <a:noFill/>
-          <a:ln w="0">
-            <a:noFill/>
-          </a:ln>
-        </p:spPr>
-        <p:txBody>
-          <a:bodyPr anchor="ctr">
+            <a:ext cx="10972080" cy="1523160"/>
+          </a:xfrm>
+          <a:prstGeom prst="rect">
+            <a:avLst/>
+          </a:prstGeom>
+          <a:noFill/>
+          <a:ln w="0">
+            <a:noFill/>
+          </a:ln>
+        </p:spPr>
+        <p:txBody>
+          <a:bodyPr lIns="0" rIns="0" tIns="0" bIns="0" anchor="ctr">
             <a:noAutofit/>
           </a:bodyPr>
           <a:p>
@@ -7441,18 +7237,15 @@
               </a:rPr>
               <a:t>A better Solution</a:t>
             </a:r>
-            <a:endParaRPr b="0" lang="en-US" sz="5860" spc="-1" strike="noStrike">
-              <a:solidFill>
-                <a:srgbClr val="000000"/>
-              </a:solidFill>
-              <a:latin typeface="Calibri"/>
-            </a:endParaRPr>
-          </a:p>
-        </p:txBody>
-      </p:sp>
-      <p:sp>
-        <p:nvSpPr>
-          <p:cNvPr id="141" name="PlaceHolder 2"/>
+            <a:endParaRPr b="0" lang="en-IN" sz="5860" spc="-1" strike="noStrike">
+              <a:latin typeface="Arial"/>
+            </a:endParaRPr>
+          </a:p>
+        </p:txBody>
+      </p:sp>
+      <p:sp>
+        <p:nvSpPr>
+          <p:cNvPr id="139" name="PlaceHolder 2"/>
           <p:cNvSpPr>
             <a:spLocks noGrp="1"/>
           </p:cNvSpPr>
@@ -7463,18 +7256,18 @@
         <p:spPr>
           <a:xfrm>
             <a:off x="1789200" y="2902320"/>
-            <a:ext cx="19142280" cy="9779760"/>
-          </a:xfrm>
-          <a:prstGeom prst="rect">
-            <a:avLst/>
-          </a:prstGeom>
-          <a:noFill/>
-          <a:ln w="0">
-            <a:noFill/>
-          </a:ln>
-        </p:spPr>
-        <p:txBody>
-          <a:bodyPr anchor="t">
+            <a:ext cx="19141920" cy="9779400"/>
+          </a:xfrm>
+          <a:prstGeom prst="rect">
+            <a:avLst/>
+          </a:prstGeom>
+          <a:noFill/>
+          <a:ln w="0">
+            <a:noFill/>
+          </a:ln>
+        </p:spPr>
+        <p:txBody>
+          <a:bodyPr lIns="0" rIns="0" tIns="0" bIns="0" anchor="t">
             <a:normAutofit/>
           </a:bodyPr>
           <a:p>
@@ -7500,11 +7293,8 @@
               </a:rPr>
               <a:t>clients participate in training based on their energy profile</a:t>
             </a:r>
-            <a:endParaRPr b="0" lang="en-US" sz="4270" spc="-1" strike="noStrike">
-              <a:solidFill>
-                <a:srgbClr val="000000"/>
-              </a:solidFill>
-              <a:latin typeface="Calibri"/>
+            <a:endParaRPr b="0" lang="en-IN" sz="4270" spc="-1" strike="noStrike">
+              <a:latin typeface="Arial"/>
             </a:endParaRPr>
           </a:p>
           <a:p>
@@ -7530,11 +7320,8 @@
               </a:rPr>
               <a:t>It is assumed that a global update occurs at every T time instants, where T is the number of local training iterations that take place between two global updates</a:t>
             </a:r>
-            <a:endParaRPr b="0" lang="en-US" sz="4270" spc="-1" strike="noStrike">
-              <a:solidFill>
-                <a:srgbClr val="000000"/>
-              </a:solidFill>
-              <a:latin typeface="Calibri"/>
+            <a:endParaRPr b="0" lang="en-IN" sz="4270" spc="-1" strike="noStrike">
+              <a:latin typeface="Arial"/>
             </a:endParaRPr>
           </a:p>
           <a:p>
@@ -7560,11 +7347,8 @@
               </a:rPr>
               <a:t>Let Ei = # of global rounds taken for a device to generate enough energy to participate in one global round of training</a:t>
             </a:r>
-            <a:endParaRPr b="0" lang="en-US" sz="4270" spc="-1" strike="noStrike">
-              <a:solidFill>
-                <a:srgbClr val="000000"/>
-              </a:solidFill>
-              <a:latin typeface="Calibri"/>
+            <a:endParaRPr b="0" lang="en-IN" sz="4270" spc="-1" strike="noStrike">
+              <a:latin typeface="Arial"/>
             </a:endParaRPr>
           </a:p>
           <a:p>
@@ -7590,11 +7374,8 @@
               </a:rPr>
               <a:t>i.e a client will have enough energy to participate in the process at time instants </a:t>
             </a:r>
-            <a:endParaRPr b="0" lang="en-US" sz="4270" spc="-1" strike="noStrike">
-              <a:solidFill>
-                <a:srgbClr val="000000"/>
-              </a:solidFill>
-              <a:latin typeface="Calibri"/>
+            <a:endParaRPr b="0" lang="en-IN" sz="4270" spc="-1" strike="noStrike">
+              <a:latin typeface="Arial"/>
             </a:endParaRPr>
           </a:p>
           <a:p>
@@ -7655,11 +7436,8 @@
               </a:rPr>
               <a:t>, where t mod (Ei T ) = 0</a:t>
             </a:r>
-            <a:endParaRPr b="0" lang="en-US" sz="4270" spc="-1" strike="noStrike">
-              <a:solidFill>
-                <a:srgbClr val="000000"/>
-              </a:solidFill>
-              <a:latin typeface="Calibri"/>
+            <a:endParaRPr b="0" lang="en-IN" sz="4270" spc="-1" strike="noStrike">
+              <a:latin typeface="Arial"/>
             </a:endParaRPr>
           </a:p>
           <a:p>
@@ -7693,11 +7471,8 @@
               </a:rPr>
               <a:t>(after every Ei number of rounds, a device generates enough energy to take part </a:t>
             </a:r>
-            <a:endParaRPr b="0" lang="en-US" sz="4270" spc="-1" strike="noStrike">
-              <a:solidFill>
-                <a:srgbClr val="000000"/>
-              </a:solidFill>
-              <a:latin typeface="Calibri"/>
+            <a:endParaRPr b="0" lang="en-IN" sz="4270" spc="-1" strike="noStrike">
+              <a:latin typeface="Arial"/>
             </a:endParaRPr>
           </a:p>
           <a:p>
@@ -7731,11 +7506,8 @@
               </a:rPr>
               <a:t>in the training process)</a:t>
             </a:r>
-            <a:endParaRPr b="0" lang="en-US" sz="4270" spc="-1" strike="noStrike">
-              <a:solidFill>
-                <a:srgbClr val="000000"/>
-              </a:solidFill>
-              <a:latin typeface="Calibri"/>
+            <a:endParaRPr b="0" lang="en-IN" sz="4270" spc="-1" strike="noStrike">
+              <a:latin typeface="Arial"/>
             </a:endParaRPr>
           </a:p>
         </p:txBody>
@@ -7784,7 +7556,7 @@
                                           </p:stCondLst>
                                         </p:cTn>
                                         <p:tgtEl>
-                                          <p:spTgt spid="141">
+                                          <p:spTgt spid="139">
                                             <p:txEl>
                                               <p:pRg st="0" end="0"/>
                                             </p:txEl>
@@ -7833,7 +7605,7 @@
                                           </p:stCondLst>
                                         </p:cTn>
                                         <p:tgtEl>
-                                          <p:spTgt spid="141">
+                                          <p:spTgt spid="139">
                                             <p:txEl>
                                               <p:pRg st="1" end="1"/>
                                             </p:txEl>
@@ -7882,7 +7654,7 @@
                                           </p:stCondLst>
                                         </p:cTn>
                                         <p:tgtEl>
-                                          <p:spTgt spid="141">
+                                          <p:spTgt spid="139">
                                             <p:txEl>
                                               <p:pRg st="2" end="2"/>
                                             </p:txEl>
@@ -7900,7 +7672,7 @@
                                       <p:cBhvr additive="repl">
                                         <p:cTn id="72" dur="500"/>
                                         <p:tgtEl>
-                                          <p:spTgt spid="141">
+                                          <p:spTgt spid="139">
                                             <p:txEl>
                                               <p:pRg st="2" end="2"/>
                                             </p:txEl>
@@ -7943,7 +7715,7 @@
                                           </p:stCondLst>
                                         </p:cTn>
                                         <p:tgtEl>
-                                          <p:spTgt spid="141">
+                                          <p:spTgt spid="139">
                                             <p:txEl>
                                               <p:pRg st="3" end="3"/>
                                             </p:txEl>
@@ -7974,7 +7746,7 @@
                                           </p:stCondLst>
                                         </p:cTn>
                                         <p:tgtEl>
-                                          <p:spTgt spid="141">
+                                          <p:spTgt spid="139">
                                             <p:txEl>
                                               <p:pRg st="4" end="4"/>
                                             </p:txEl>
@@ -8005,7 +7777,7 @@
                                           </p:stCondLst>
                                         </p:cTn>
                                         <p:tgtEl>
-                                          <p:spTgt spid="141">
+                                          <p:spTgt spid="139">
                                             <p:txEl>
                                               <p:pRg st="5" end="5"/>
                                             </p:txEl>
@@ -8036,7 +7808,7 @@
                                           </p:stCondLst>
                                         </p:cTn>
                                         <p:tgtEl>
-                                          <p:spTgt spid="141">
+                                          <p:spTgt spid="139">
                                             <p:txEl>
                                               <p:pRg st="6" end="6"/>
                                             </p:txEl>
@@ -8110,7 +7882,7 @@
       </p:grpSpPr>
       <p:pic>
         <p:nvPicPr>
-          <p:cNvPr id="142" name="Picture 5" descr=""/>
+          <p:cNvPr id="140" name="Picture 5" descr=""/>
           <p:cNvPicPr/>
           <p:nvPr/>
         </p:nvPicPr>
@@ -8121,7 +7893,7 @@
         <p:spPr>
           <a:xfrm>
             <a:off x="6095880" y="1749960"/>
-            <a:ext cx="12191760" cy="11010600"/>
+            <a:ext cx="12191400" cy="11010240"/>
           </a:xfrm>
           <a:prstGeom prst="rect">
             <a:avLst/>
@@ -8170,14 +7942,14 @@
       </p:grpSpPr>
       <p:sp>
         <p:nvSpPr>
-          <p:cNvPr id="143" name="Rectangle 1"/>
+          <p:cNvPr id="141" name="Rectangle 1"/>
           <p:cNvSpPr/>
           <p:nvPr/>
         </p:nvSpPr>
         <p:spPr>
           <a:xfrm>
             <a:off x="0" y="-39600"/>
-            <a:ext cx="24383520" cy="2007360"/>
+            <a:ext cx="24383160" cy="2007000"/>
           </a:xfrm>
           <a:prstGeom prst="rect">
             <a:avLst/>
@@ -8211,14 +7983,14 @@
       </p:sp>
       <p:sp>
         <p:nvSpPr>
-          <p:cNvPr id="144" name="TextBox 2"/>
+          <p:cNvPr id="142" name="TextBox 2"/>
           <p:cNvSpPr/>
           <p:nvPr/>
         </p:nvSpPr>
         <p:spPr>
           <a:xfrm>
             <a:off x="3816720" y="3118680"/>
-            <a:ext cx="19281600" cy="7401240"/>
+            <a:ext cx="19281240" cy="7401240"/>
           </a:xfrm>
           <a:prstGeom prst="rect">
             <a:avLst/>
@@ -8251,6 +8023,7 @@
                   <a:srgbClr val="000000"/>
                 </a:solidFill>
                 <a:latin typeface="Calibri"/>
+                <a:ea typeface="DejaVu Sans"/>
               </a:rPr>
               <a:t>At time instant t {t | t mod (Ei*t) = 0}</a:t>
             </a:r>
@@ -8271,6 +8044,7 @@
                   <a:srgbClr val="000000"/>
                 </a:solidFill>
                 <a:latin typeface="Calibri"/>
+                <a:ea typeface="DejaVu Sans"/>
               </a:rPr>
               <a:t>The client has generated enough energy to participate in the training process, but instead of participating immediately at “t” instant,</a:t>
             </a:r>
@@ -8283,6 +8057,7 @@
                   <a:srgbClr val="000000"/>
                 </a:solidFill>
                 <a:latin typeface="Calibri"/>
+                <a:ea typeface="DejaVu Sans"/>
               </a:rPr>
               <a:t>The Algorithm states that, it chooses a random integer "J" from:</a:t>
             </a:r>
@@ -8303,6 +8078,7 @@
                   <a:srgbClr val="000000"/>
                 </a:solidFill>
                 <a:latin typeface="Calibri"/>
+                <a:ea typeface="DejaVu Sans"/>
               </a:rPr>
               <a:t>{0, 1, ... , Ei - 1} &amp; takes part after "J * T" time instances.</a:t>
             </a:r>
@@ -8323,6 +8099,7 @@
                   <a:srgbClr val="000000"/>
                 </a:solidFill>
                 <a:latin typeface="Calibri"/>
+                <a:ea typeface="DejaVu Sans"/>
               </a:rPr>
               <a:t>i.e at “t+J*T” instant instead of participating at ‘t’ instant.</a:t>
             </a:r>
@@ -8365,6 +8142,7 @@
                   <a:srgbClr val="000000"/>
                 </a:solidFill>
                 <a:latin typeface="Calibri"/>
+                <a:ea typeface="DejaVu Sans"/>
               </a:rPr>
               <a:t>Because of the randomization ,One particular Client does not always participate at the first opportunity reducing long-term bias.</a:t>
             </a:r>
@@ -8406,14 +8184,14 @@
       </p:grpSpPr>
       <p:sp>
         <p:nvSpPr>
-          <p:cNvPr id="145" name="Rectangle 4"/>
+          <p:cNvPr id="143" name="Rectangle 4"/>
           <p:cNvSpPr/>
           <p:nvPr/>
         </p:nvSpPr>
         <p:spPr>
           <a:xfrm>
             <a:off x="0" y="-39600"/>
-            <a:ext cx="24383520" cy="2007360"/>
+            <a:ext cx="24383160" cy="2007000"/>
           </a:xfrm>
           <a:prstGeom prst="rect">
             <a:avLst/>
@@ -8447,7 +8225,7 @@
       </p:sp>
       <p:sp>
         <p:nvSpPr>
-          <p:cNvPr id="146" name="PlaceHolder 1"/>
+          <p:cNvPr id="144" name="PlaceHolder 1"/>
           <p:cNvSpPr>
             <a:spLocks noGrp="1"/>
           </p:cNvSpPr>
@@ -8458,33 +8236,33 @@
         <p:spPr>
           <a:xfrm>
             <a:off x="609480" y="366120"/>
-            <a:ext cx="10972440" cy="1523520"/>
-          </a:xfrm>
-          <a:prstGeom prst="rect">
-            <a:avLst/>
-          </a:prstGeom>
-          <a:noFill/>
-          <a:ln w="0">
-            <a:noFill/>
-          </a:ln>
-        </p:spPr>
-        <p:txBody>
-          <a:bodyPr anchor="ctr">
+            <a:ext cx="10972080" cy="1523160"/>
+          </a:xfrm>
+          <a:prstGeom prst="rect">
+            <a:avLst/>
+          </a:prstGeom>
+          <a:noFill/>
+          <a:ln w="0">
+            <a:noFill/>
+          </a:ln>
+        </p:spPr>
+        <p:txBody>
+          <a:bodyPr lIns="0" rIns="0" tIns="0" bIns="0" anchor="ctr">
             <a:noAutofit/>
           </a:bodyPr>
           <a:p>
-            <a:endParaRPr b="0" lang="en-US" sz="1800" spc="-1" strike="noStrike">
-              <a:solidFill>
-                <a:srgbClr val="000000"/>
-              </a:solidFill>
-              <a:latin typeface="Calibri"/>
-            </a:endParaRPr>
-          </a:p>
-        </p:txBody>
-      </p:sp>
-      <p:sp>
-        <p:nvSpPr>
-          <p:cNvPr id="147" name="PlaceHolder 2"/>
+            <a:pPr algn="ctr">
+              <a:buNone/>
+            </a:pPr>
+            <a:endParaRPr b="0" lang="en-IN" sz="4400" spc="-1" strike="noStrike">
+              <a:latin typeface="Arial"/>
+            </a:endParaRPr>
+          </a:p>
+        </p:txBody>
+      </p:sp>
+      <p:sp>
+        <p:nvSpPr>
+          <p:cNvPr id="145" name="PlaceHolder 2"/>
           <p:cNvSpPr>
             <a:spLocks noGrp="1"/>
           </p:cNvSpPr>
@@ -8495,33 +8273,30 @@
         <p:spPr>
           <a:xfrm>
             <a:off x="1206360" y="2324160"/>
-            <a:ext cx="21970800" cy="1002960"/>
-          </a:xfrm>
-          <a:prstGeom prst="rect">
-            <a:avLst/>
-          </a:prstGeom>
-          <a:noFill/>
-          <a:ln w="0">
-            <a:noFill/>
-          </a:ln>
-        </p:spPr>
-        <p:txBody>
-          <a:bodyPr lIns="45720" rIns="45720" anchor="t">
+            <a:ext cx="21970440" cy="1002600"/>
+          </a:xfrm>
+          <a:prstGeom prst="rect">
+            <a:avLst/>
+          </a:prstGeom>
+          <a:noFill/>
+          <a:ln w="0">
+            <a:noFill/>
+          </a:ln>
+        </p:spPr>
+        <p:txBody>
+          <a:bodyPr lIns="45720" rIns="45720" tIns="0" bIns="0" anchor="t">
             <a:noAutofit/>
           </a:bodyPr>
           <a:p>
-            <a:endParaRPr b="0" lang="en-US" sz="4270" spc="-1" strike="noStrike">
-              <a:solidFill>
-                <a:srgbClr val="000000"/>
-              </a:solidFill>
-              <a:latin typeface="Calibri"/>
-            </a:endParaRPr>
-          </a:p>
-        </p:txBody>
-      </p:sp>
-      <p:sp>
-        <p:nvSpPr>
-          <p:cNvPr id="148" name="PlaceHolder 3"/>
+            <a:endParaRPr b="0" lang="en-IN" sz="3200" spc="-1" strike="noStrike">
+              <a:latin typeface="Arial"/>
+            </a:endParaRPr>
+          </a:p>
+        </p:txBody>
+      </p:sp>
+      <p:sp>
+        <p:nvSpPr>
+          <p:cNvPr id="146" name="PlaceHolder 3"/>
           <p:cNvSpPr>
             <a:spLocks noGrp="1"/>
           </p:cNvSpPr>
@@ -8532,19 +8307,19 @@
         <p:spPr>
           <a:xfrm>
             <a:off x="1206360" y="3327480"/>
-            <a:ext cx="21567600" cy="8421480"/>
-          </a:xfrm>
-          <a:prstGeom prst="rect">
-            <a:avLst/>
-          </a:prstGeom>
-          <a:noFill/>
-          <a:ln w="0">
-            <a:noFill/>
-          </a:ln>
-        </p:spPr>
-        <p:txBody>
-          <a:bodyPr anchor="t">
-            <a:normAutofit fontScale="90000"/>
+            <a:ext cx="21567240" cy="8421120"/>
+          </a:xfrm>
+          <a:prstGeom prst="rect">
+            <a:avLst/>
+          </a:prstGeom>
+          <a:noFill/>
+          <a:ln w="0">
+            <a:noFill/>
+          </a:ln>
+        </p:spPr>
+        <p:txBody>
+          <a:bodyPr lIns="0" rIns="0" tIns="0" bIns="0" anchor="t">
+            <a:normAutofit fontScale="91000"/>
           </a:bodyPr>
           <a:p>
             <a:pPr marL="457200" indent="-457200">
@@ -8569,11 +8344,8 @@
               </a:rPr>
               <a:t>We use the term global round to refer to the block of T time instances between two consecutive synchronization steps (global updates). In other words, global round t corresponds to the block of time instances t ∈ {t, . . . , t + T − 1}.</a:t>
             </a:r>
-            <a:endParaRPr b="0" lang="en-US" sz="4270" spc="-1" strike="noStrike">
-              <a:solidFill>
-                <a:srgbClr val="000000"/>
-              </a:solidFill>
-              <a:latin typeface="Calibri"/>
+            <a:endParaRPr b="0" lang="en-IN" sz="4270" spc="-1" strike="noStrike">
+              <a:latin typeface="Arial"/>
             </a:endParaRPr>
           </a:p>
           <a:p>
@@ -8599,11 +8371,8 @@
               </a:rPr>
               <a:t>First, we note that it takes E i global rounds for client i to harvest enough energy to participate in one global round of training</a:t>
             </a:r>
-            <a:endParaRPr b="0" lang="en-US" sz="4270" spc="-1" strike="noStrike">
-              <a:solidFill>
-                <a:srgbClr val="000000"/>
-              </a:solidFill>
-              <a:latin typeface="Calibri"/>
+            <a:endParaRPr b="0" lang="en-IN" sz="4270" spc="-1" strike="noStrike">
+              <a:latin typeface="Arial"/>
             </a:endParaRPr>
           </a:p>
           <a:p>
@@ -8638,11 +8407,8 @@
               </a:rPr>
               <a:t> J uniformly at random from the set {0, . . . , E i − 1}</a:t>
             </a:r>
-            <a:endParaRPr b="0" lang="en-US" sz="4270" spc="-1" strike="noStrike">
-              <a:solidFill>
-                <a:srgbClr val="000000"/>
-              </a:solidFill>
-              <a:latin typeface="Calibri"/>
+            <a:endParaRPr b="0" lang="en-IN" sz="4270" spc="-1" strike="noStrike">
+              <a:latin typeface="Arial"/>
             </a:endParaRPr>
           </a:p>
           <a:p>
@@ -8668,11 +8434,8 @@
               </a:rPr>
               <a:t>Then, within the E i global rounds starting at the time instances {t, t + T, . . . , t + (E i − 1)T }, client i only participates during the global round that starts at t + JT , and does not participate in the remaining global rounds</a:t>
             </a:r>
-            <a:endParaRPr b="0" lang="en-US" sz="4270" spc="-1" strike="noStrike">
-              <a:solidFill>
-                <a:srgbClr val="000000"/>
-              </a:solidFill>
-              <a:latin typeface="Calibri"/>
+            <a:endParaRPr b="0" lang="en-IN" sz="4270" spc="-1" strike="noStrike">
+              <a:latin typeface="Arial"/>
             </a:endParaRPr>
           </a:p>
           <a:p>
@@ -8685,11 +8448,8 @@
               </a:spcBef>
               <a:buNone/>
             </a:pPr>
-            <a:endParaRPr b="0" lang="en-US" sz="4270" spc="-1" strike="noStrike">
-              <a:solidFill>
-                <a:srgbClr val="000000"/>
-              </a:solidFill>
-              <a:latin typeface="Calibri"/>
+            <a:endParaRPr b="0" lang="en-IN" sz="4270" spc="-1" strike="noStrike">
+              <a:latin typeface="Arial"/>
             </a:endParaRPr>
           </a:p>
         </p:txBody>
@@ -8726,7 +8486,7 @@
       </p:grpSpPr>
       <p:sp>
         <p:nvSpPr>
-          <p:cNvPr id="149" name="PlaceHolder 1"/>
+          <p:cNvPr id="147" name="PlaceHolder 1"/>
           <p:cNvSpPr>
             <a:spLocks noGrp="1"/>
           </p:cNvSpPr>
@@ -8737,33 +8497,33 @@
         <p:spPr>
           <a:xfrm>
             <a:off x="609480" y="366120"/>
-            <a:ext cx="10972440" cy="1523520"/>
-          </a:xfrm>
-          <a:prstGeom prst="rect">
-            <a:avLst/>
-          </a:prstGeom>
-          <a:noFill/>
-          <a:ln w="0">
-            <a:noFill/>
-          </a:ln>
-        </p:spPr>
-        <p:txBody>
-          <a:bodyPr anchor="ctr">
+            <a:ext cx="10972080" cy="1523160"/>
+          </a:xfrm>
+          <a:prstGeom prst="rect">
+            <a:avLst/>
+          </a:prstGeom>
+          <a:noFill/>
+          <a:ln w="0">
+            <a:noFill/>
+          </a:ln>
+        </p:spPr>
+        <p:txBody>
+          <a:bodyPr lIns="0" rIns="0" tIns="0" bIns="0" anchor="ctr">
             <a:noAutofit/>
           </a:bodyPr>
           <a:p>
-            <a:endParaRPr b="0" lang="en-US" sz="1800" spc="-1" strike="noStrike">
-              <a:solidFill>
-                <a:srgbClr val="000000"/>
-              </a:solidFill>
-              <a:latin typeface="Calibri"/>
-            </a:endParaRPr>
-          </a:p>
-        </p:txBody>
-      </p:sp>
-      <p:sp>
-        <p:nvSpPr>
-          <p:cNvPr id="150" name="PlaceHolder 2"/>
+            <a:pPr algn="ctr">
+              <a:buNone/>
+            </a:pPr>
+            <a:endParaRPr b="0" lang="en-IN" sz="4400" spc="-1" strike="noStrike">
+              <a:latin typeface="Arial"/>
+            </a:endParaRPr>
+          </a:p>
+        </p:txBody>
+      </p:sp>
+      <p:sp>
+        <p:nvSpPr>
+          <p:cNvPr id="148" name="PlaceHolder 2"/>
           <p:cNvSpPr>
             <a:spLocks noGrp="1"/>
           </p:cNvSpPr>
@@ -8774,33 +8534,30 @@
         <p:spPr>
           <a:xfrm>
             <a:off x="1206360" y="2324160"/>
-            <a:ext cx="21970800" cy="1002960"/>
-          </a:xfrm>
-          <a:prstGeom prst="rect">
-            <a:avLst/>
-          </a:prstGeom>
-          <a:noFill/>
-          <a:ln w="0">
-            <a:noFill/>
-          </a:ln>
-        </p:spPr>
-        <p:txBody>
-          <a:bodyPr lIns="45720" rIns="45720" anchor="t">
+            <a:ext cx="21970440" cy="1002600"/>
+          </a:xfrm>
+          <a:prstGeom prst="rect">
+            <a:avLst/>
+          </a:prstGeom>
+          <a:noFill/>
+          <a:ln w="0">
+            <a:noFill/>
+          </a:ln>
+        </p:spPr>
+        <p:txBody>
+          <a:bodyPr lIns="45720" rIns="45720" tIns="0" bIns="0" anchor="t">
             <a:noAutofit/>
           </a:bodyPr>
           <a:p>
-            <a:endParaRPr b="0" lang="en-US" sz="4270" spc="-1" strike="noStrike">
-              <a:solidFill>
-                <a:srgbClr val="000000"/>
-              </a:solidFill>
-              <a:latin typeface="Calibri"/>
-            </a:endParaRPr>
-          </a:p>
-        </p:txBody>
-      </p:sp>
-      <p:sp>
-        <p:nvSpPr>
-          <p:cNvPr id="151" name="PlaceHolder 3"/>
+            <a:endParaRPr b="0" lang="en-IN" sz="3200" spc="-1" strike="noStrike">
+              <a:latin typeface="Arial"/>
+            </a:endParaRPr>
+          </a:p>
+        </p:txBody>
+      </p:sp>
+      <p:sp>
+        <p:nvSpPr>
+          <p:cNvPr id="149" name="PlaceHolder 3"/>
           <p:cNvSpPr>
             <a:spLocks noGrp="1"/>
           </p:cNvSpPr>
@@ -8811,33 +8568,30 @@
         <p:spPr>
           <a:xfrm>
             <a:off x="609480" y="2133720"/>
-            <a:ext cx="10972440" cy="6034320"/>
-          </a:xfrm>
-          <a:prstGeom prst="rect">
-            <a:avLst/>
-          </a:prstGeom>
-          <a:noFill/>
-          <a:ln w="0">
-            <a:noFill/>
-          </a:ln>
-        </p:spPr>
-        <p:txBody>
-          <a:bodyPr anchor="t">
+            <a:ext cx="10972080" cy="6033960"/>
+          </a:xfrm>
+          <a:prstGeom prst="rect">
+            <a:avLst/>
+          </a:prstGeom>
+          <a:noFill/>
+          <a:ln w="0">
+            <a:noFill/>
+          </a:ln>
+        </p:spPr>
+        <p:txBody>
+          <a:bodyPr lIns="0" rIns="0" tIns="0" bIns="0" anchor="t">
             <a:noAutofit/>
           </a:bodyPr>
           <a:p>
-            <a:endParaRPr b="0" lang="en-US" sz="4270" spc="-1" strike="noStrike">
-              <a:solidFill>
-                <a:srgbClr val="000000"/>
-              </a:solidFill>
-              <a:latin typeface="Calibri"/>
+            <a:endParaRPr b="0" lang="en-IN" sz="3200" spc="-1" strike="noStrike">
+              <a:latin typeface="Arial"/>
             </a:endParaRPr>
           </a:p>
         </p:txBody>
       </p:sp>
       <p:pic>
         <p:nvPicPr>
-          <p:cNvPr id="152" name="Picture 5" descr=""/>
+          <p:cNvPr id="150" name="Picture 5" descr=""/>
           <p:cNvPicPr/>
           <p:nvPr/>
         </p:nvPicPr>
@@ -8848,7 +8602,7 @@
         <p:spPr>
           <a:xfrm>
             <a:off x="8232840" y="619560"/>
-            <a:ext cx="6698520" cy="12476520"/>
+            <a:ext cx="6698160" cy="12476160"/>
           </a:xfrm>
           <a:prstGeom prst="rect">
             <a:avLst/>
@@ -8890,14 +8644,14 @@
       </p:grpSpPr>
       <p:sp>
         <p:nvSpPr>
-          <p:cNvPr id="90" name="Rectangle 1"/>
+          <p:cNvPr id="88" name="Rectangle 1"/>
           <p:cNvSpPr/>
           <p:nvPr/>
         </p:nvSpPr>
         <p:spPr>
           <a:xfrm>
             <a:off x="0" y="-39600"/>
-            <a:ext cx="24383520" cy="2007360"/>
+            <a:ext cx="24383160" cy="2007000"/>
           </a:xfrm>
           <a:prstGeom prst="rect">
             <a:avLst/>
@@ -8931,7 +8685,7 @@
       </p:sp>
       <p:sp>
         <p:nvSpPr>
-          <p:cNvPr id="91" name="PlaceHolder 1"/>
+          <p:cNvPr id="89" name="PlaceHolder 1"/>
           <p:cNvSpPr>
             <a:spLocks noGrp="1"/>
           </p:cNvSpPr>
@@ -8942,18 +8696,18 @@
         <p:spPr>
           <a:xfrm>
             <a:off x="609480" y="366120"/>
-            <a:ext cx="20799000" cy="1523520"/>
-          </a:xfrm>
-          <a:prstGeom prst="rect">
-            <a:avLst/>
-          </a:prstGeom>
-          <a:noFill/>
-          <a:ln w="0">
-            <a:noFill/>
-          </a:ln>
-        </p:spPr>
-        <p:txBody>
-          <a:bodyPr anchor="ctr">
+            <a:ext cx="20798640" cy="1523160"/>
+          </a:xfrm>
+          <a:prstGeom prst="rect">
+            <a:avLst/>
+          </a:prstGeom>
+          <a:noFill/>
+          <a:ln w="0">
+            <a:noFill/>
+          </a:ln>
+        </p:spPr>
+        <p:txBody>
+          <a:bodyPr lIns="0" rIns="0" tIns="0" bIns="0" anchor="ctr">
             <a:normAutofit/>
           </a:bodyPr>
           <a:p>
@@ -8972,18 +8726,15 @@
               </a:rPr>
               <a:t>Traditional Energy Management System</a:t>
             </a:r>
-            <a:endParaRPr b="0" lang="en-US" sz="9400" spc="-1" strike="noStrike">
-              <a:solidFill>
-                <a:srgbClr val="000000"/>
-              </a:solidFill>
-              <a:latin typeface="Calibri"/>
-            </a:endParaRPr>
-          </a:p>
-        </p:txBody>
-      </p:sp>
-      <p:sp>
-        <p:nvSpPr>
-          <p:cNvPr id="92" name="PlaceHolder 2"/>
+            <a:endParaRPr b="0" lang="en-IN" sz="9400" spc="-1" strike="noStrike">
+              <a:latin typeface="Arial"/>
+            </a:endParaRPr>
+          </a:p>
+        </p:txBody>
+      </p:sp>
+      <p:sp>
+        <p:nvSpPr>
+          <p:cNvPr id="90" name="PlaceHolder 2"/>
           <p:cNvSpPr>
             <a:spLocks noGrp="1"/>
           </p:cNvSpPr>
@@ -8994,33 +8745,30 @@
         <p:spPr>
           <a:xfrm>
             <a:off x="1206360" y="2324160"/>
-            <a:ext cx="21970800" cy="1002960"/>
-          </a:xfrm>
-          <a:prstGeom prst="rect">
-            <a:avLst/>
-          </a:prstGeom>
-          <a:noFill/>
-          <a:ln w="0">
-            <a:noFill/>
-          </a:ln>
-        </p:spPr>
-        <p:txBody>
-          <a:bodyPr lIns="45720" rIns="45720" anchor="t">
+            <a:ext cx="21970440" cy="1002600"/>
+          </a:xfrm>
+          <a:prstGeom prst="rect">
+            <a:avLst/>
+          </a:prstGeom>
+          <a:noFill/>
+          <a:ln w="0">
+            <a:noFill/>
+          </a:ln>
+        </p:spPr>
+        <p:txBody>
+          <a:bodyPr lIns="45720" rIns="45720" tIns="0" bIns="0" anchor="t">
             <a:normAutofit/>
           </a:bodyPr>
           <a:p>
-            <a:endParaRPr b="0" lang="en-US" sz="4270" spc="-1" strike="noStrike">
-              <a:solidFill>
-                <a:srgbClr val="000000"/>
-              </a:solidFill>
-              <a:latin typeface="Calibri"/>
-            </a:endParaRPr>
-          </a:p>
-        </p:txBody>
-      </p:sp>
-      <p:sp>
-        <p:nvSpPr>
-          <p:cNvPr id="93" name="PlaceHolder 3"/>
+            <a:endParaRPr b="0" lang="en-IN" sz="3200" spc="-1" strike="noStrike">
+              <a:latin typeface="Arial"/>
+            </a:endParaRPr>
+          </a:p>
+        </p:txBody>
+      </p:sp>
+      <p:sp>
+        <p:nvSpPr>
+          <p:cNvPr id="91" name="PlaceHolder 3"/>
           <p:cNvSpPr>
             <a:spLocks noGrp="1"/>
           </p:cNvSpPr>
@@ -9031,19 +8779,19 @@
         <p:spPr>
           <a:xfrm>
             <a:off x="1683000" y="3483000"/>
-            <a:ext cx="20520720" cy="8224920"/>
-          </a:xfrm>
-          <a:prstGeom prst="rect">
-            <a:avLst/>
-          </a:prstGeom>
-          <a:noFill/>
-          <a:ln w="0">
-            <a:noFill/>
-          </a:ln>
-        </p:spPr>
-        <p:txBody>
-          <a:bodyPr anchor="t">
-            <a:normAutofit fontScale="89000"/>
+            <a:ext cx="20520360" cy="8224560"/>
+          </a:xfrm>
+          <a:prstGeom prst="rect">
+            <a:avLst/>
+          </a:prstGeom>
+          <a:noFill/>
+          <a:ln w="0">
+            <a:noFill/>
+          </a:ln>
+        </p:spPr>
+        <p:txBody>
+          <a:bodyPr lIns="0" rIns="0" tIns="0" bIns="0" anchor="t">
+            <a:normAutofit fontScale="90000"/>
           </a:bodyPr>
           <a:p>
             <a:pPr marL="452520" indent="-452520">
@@ -9068,11 +8816,8 @@
               </a:rPr>
               <a:t>The energy sector has relied on CENTRALISED energy management systems.</a:t>
             </a:r>
-            <a:endParaRPr b="0" lang="en-US" sz="3959" spc="-1" strike="noStrike">
-              <a:solidFill>
-                <a:srgbClr val="000000"/>
-              </a:solidFill>
-              <a:latin typeface="Calibri"/>
+            <a:endParaRPr b="0" lang="en-IN" sz="3959" spc="-1" strike="noStrike">
+              <a:latin typeface="Arial"/>
             </a:endParaRPr>
           </a:p>
           <a:p>
@@ -9098,11 +8843,8 @@
               </a:rPr>
               <a:t>A central authority oversees the generation, distribution, and consumption of energy.</a:t>
             </a:r>
-            <a:endParaRPr b="0" lang="en-US" sz="3959" spc="-1" strike="noStrike">
-              <a:solidFill>
-                <a:srgbClr val="000000"/>
-              </a:solidFill>
-              <a:latin typeface="Calibri"/>
+            <a:endParaRPr b="0" lang="en-IN" sz="3959" spc="-1" strike="noStrike">
+              <a:latin typeface="Arial"/>
             </a:endParaRPr>
           </a:p>
           <a:p>
@@ -9128,11 +8870,8 @@
               </a:rPr>
               <a:t>Examples -</a:t>
             </a:r>
-            <a:endParaRPr b="0" lang="en-US" sz="3959" spc="-1" strike="noStrike">
-              <a:solidFill>
-                <a:srgbClr val="000000"/>
-              </a:solidFill>
-              <a:latin typeface="Calibri"/>
+            <a:endParaRPr b="0" lang="en-IN" sz="3959" spc="-1" strike="noStrike">
+              <a:latin typeface="Arial"/>
             </a:endParaRPr>
           </a:p>
           <a:p>
@@ -9158,11 +8897,8 @@
               </a:rPr>
               <a:t>Traditional Grid Systems : Electricity is generated in large power plants (e.g., coal, nuclear, hydroelectric) and distributed to consumers via a network of transmission lines</a:t>
             </a:r>
-            <a:endParaRPr b="0" lang="en-US" sz="3959" spc="-1" strike="noStrike">
-              <a:solidFill>
-                <a:srgbClr val="000000"/>
-              </a:solidFill>
-              <a:latin typeface="Calibri"/>
+            <a:endParaRPr b="0" lang="en-IN" sz="3959" spc="-1" strike="noStrike">
+              <a:latin typeface="Arial"/>
             </a:endParaRPr>
           </a:p>
           <a:p>
@@ -9188,11 +8924,8 @@
               </a:rPr>
               <a:t>Third-Party Management :  For example, in the U.S., companies like PJM Interconnection manage wholesale electricity markets where they buy electricity from generators and sell it to utilities</a:t>
             </a:r>
-            <a:endParaRPr b="0" lang="en-US" sz="3959" spc="-1" strike="noStrike">
-              <a:solidFill>
-                <a:srgbClr val="000000"/>
-              </a:solidFill>
-              <a:latin typeface="Calibri"/>
+            <a:endParaRPr b="0" lang="en-IN" sz="3959" spc="-1" strike="noStrike">
+              <a:latin typeface="Arial"/>
             </a:endParaRPr>
           </a:p>
         </p:txBody>
@@ -9229,7 +8962,7 @@
       </p:grpSpPr>
       <p:pic>
         <p:nvPicPr>
-          <p:cNvPr id="153" name="Picture 5" descr=""/>
+          <p:cNvPr id="151" name="Picture 5" descr=""/>
           <p:cNvPicPr/>
           <p:nvPr/>
         </p:nvPicPr>
@@ -9240,7 +8973,7 @@
         <p:spPr>
           <a:xfrm>
             <a:off x="5045040" y="1302120"/>
-            <a:ext cx="14571720" cy="9720000"/>
+            <a:ext cx="14571360" cy="9719640"/>
           </a:xfrm>
           <a:prstGeom prst="rect">
             <a:avLst/>
@@ -9252,14 +8985,14 @@
       </p:pic>
       <p:sp>
         <p:nvSpPr>
-          <p:cNvPr id="154" name="Rectangle 1"/>
+          <p:cNvPr id="152" name="Rectangle 1"/>
           <p:cNvSpPr/>
           <p:nvPr/>
         </p:nvSpPr>
         <p:spPr>
           <a:xfrm>
             <a:off x="0" y="-39600"/>
-            <a:ext cx="24383520" cy="2007360"/>
+            <a:ext cx="24383160" cy="2007000"/>
           </a:xfrm>
           <a:prstGeom prst="rect">
             <a:avLst/>
@@ -9293,14 +9026,14 @@
       </p:sp>
       <p:sp>
         <p:nvSpPr>
-          <p:cNvPr id="155" name="TextBox 3"/>
+          <p:cNvPr id="153" name="TextBox 3"/>
           <p:cNvSpPr/>
           <p:nvPr/>
         </p:nvSpPr>
         <p:spPr>
           <a:xfrm>
             <a:off x="1530720" y="12364200"/>
-            <a:ext cx="22482000" cy="1186920"/>
+            <a:ext cx="22481640" cy="1186920"/>
           </a:xfrm>
           <a:prstGeom prst="rect">
             <a:avLst/>
@@ -9333,6 +9066,7 @@
                   <a:srgbClr val="000000"/>
                 </a:solidFill>
                 <a:latin typeface="Calibri"/>
+                <a:ea typeface="DejaVu Sans"/>
               </a:rPr>
               <a:t>19th International Symposium on Modeling and Optimization in Mobile, Ad hoc, and Wireless Networks (WiOpt)</a:t>
             </a:r>
@@ -9353,6 +9087,7 @@
                   <a:srgbClr val="000000"/>
                 </a:solidFill>
                 <a:latin typeface="Calibri"/>
+                <a:ea typeface="DejaVu Sans"/>
               </a:rPr>
               <a:t>-</a:t>
             </a:r>
@@ -9362,6 +9097,7 @@
                   <a:srgbClr val="000000"/>
                 </a:solidFill>
                 <a:latin typeface="Calibri"/>
+                <a:ea typeface="DejaVu Sans"/>
               </a:rPr>
               <a:t>A Framework for Sustainable Federated Learning</a:t>
             </a:r>
@@ -9403,14 +9139,14 @@
       </p:grpSpPr>
       <p:sp>
         <p:nvSpPr>
-          <p:cNvPr id="156" name="Rectangle 1"/>
+          <p:cNvPr id="154" name="Rectangle 1"/>
           <p:cNvSpPr/>
           <p:nvPr/>
         </p:nvSpPr>
         <p:spPr>
           <a:xfrm>
             <a:off x="0" y="-39600"/>
-            <a:ext cx="24383520" cy="2007360"/>
+            <a:ext cx="24383160" cy="2007000"/>
           </a:xfrm>
           <a:prstGeom prst="rect">
             <a:avLst/>
@@ -9444,7 +9180,7 @@
       </p:sp>
       <p:sp>
         <p:nvSpPr>
-          <p:cNvPr id="157" name="PlaceHolder 1"/>
+          <p:cNvPr id="155" name="PlaceHolder 1"/>
           <p:cNvSpPr>
             <a:spLocks noGrp="1"/>
           </p:cNvSpPr>
@@ -9455,19 +9191,19 @@
         <p:spPr>
           <a:xfrm>
             <a:off x="6539760" y="201960"/>
-            <a:ext cx="10972440" cy="1523520"/>
-          </a:xfrm>
-          <a:prstGeom prst="rect">
-            <a:avLst/>
-          </a:prstGeom>
-          <a:noFill/>
-          <a:ln w="0">
-            <a:noFill/>
-          </a:ln>
-        </p:spPr>
-        <p:txBody>
-          <a:bodyPr anchor="ctr">
-            <a:normAutofit fontScale="98000"/>
+            <a:ext cx="10972080" cy="1523160"/>
+          </a:xfrm>
+          <a:prstGeom prst="rect">
+            <a:avLst/>
+          </a:prstGeom>
+          <a:noFill/>
+          <a:ln w="0">
+            <a:noFill/>
+          </a:ln>
+        </p:spPr>
+        <p:txBody>
+          <a:bodyPr lIns="0" rIns="0" tIns="0" bIns="0" anchor="ctr">
+            <a:normAutofit/>
           </a:bodyPr>
           <a:p>
             <a:pPr algn="ctr">
@@ -9485,24 +9221,21 @@
               </a:rPr>
               <a:t>FL vs ML</a:t>
             </a:r>
-            <a:endParaRPr b="0" lang="en-US" sz="9500" spc="-1" strike="noStrike">
-              <a:solidFill>
-                <a:srgbClr val="000000"/>
-              </a:solidFill>
-              <a:latin typeface="Calibri"/>
+            <a:endParaRPr b="0" lang="en-IN" sz="9500" spc="-1" strike="noStrike">
+              <a:latin typeface="Arial"/>
             </a:endParaRPr>
           </a:p>
         </p:txBody>
       </p:sp>
       <p:graphicFrame>
         <p:nvGraphicFramePr>
-          <p:cNvPr id="158" name="Table 1"/>
+          <p:cNvPr id="156" name="Table 1"/>
           <p:cNvGraphicFramePr/>
           <p:nvPr/>
         </p:nvGraphicFramePr>
         <p:xfrm>
           <a:off x="1334880" y="3519720"/>
-          <a:ext cx="21382200" cy="8242920"/>
+          <a:ext cx="21381840" cy="8591760"/>
         </p:xfrm>
         <a:graphic>
           <a:graphicData uri="http://schemas.openxmlformats.org/drawingml/2006/table">
@@ -9516,7 +9249,7 @@
               <a:tr h="1648440">
                 <a:tc>
                   <a:txBody>
-                    <a:bodyPr lIns="50760" rIns="50760" tIns="50760" bIns="50760" anchor="ctr">
+                    <a:bodyPr lIns="50760" rIns="50760" anchor="ctr">
                       <a:noAutofit/>
                     </a:bodyPr>
                     <a:p>
@@ -9568,7 +9301,7 @@
                 </a:tc>
                 <a:tc>
                   <a:txBody>
-                    <a:bodyPr lIns="50760" rIns="50760" tIns="50760" bIns="50760" anchor="ctr">
+                    <a:bodyPr lIns="50760" rIns="50760" anchor="ctr">
                       <a:noAutofit/>
                     </a:bodyPr>
                     <a:p>
@@ -9621,7 +9354,7 @@
                 </a:tc>
                 <a:tc>
                   <a:txBody>
-                    <a:bodyPr lIns="50760" rIns="50760" tIns="50760" bIns="50760" anchor="ctr">
+                    <a:bodyPr lIns="50760" rIns="50760" anchor="ctr">
                       <a:noAutofit/>
                     </a:bodyPr>
                     <a:p>
@@ -9675,7 +9408,7 @@
               <a:tr h="1648440">
                 <a:tc>
                   <a:txBody>
-                    <a:bodyPr lIns="50760" rIns="50760" tIns="50760" bIns="50760" anchor="ctr">
+                    <a:bodyPr lIns="50760" rIns="50760" anchor="ctr">
                       <a:noAutofit/>
                     </a:bodyPr>
                     <a:p>
@@ -9726,10 +9459,16 @@
                 </a:tc>
                 <a:tc>
                   <a:txBody>
-                    <a:bodyPr lIns="50760" rIns="50760" tIns="50760" bIns="50760" anchor="ctr">
+                    <a:bodyPr lIns="50760" rIns="50760" anchor="ctr">
                       <a:noAutofit/>
                     </a:bodyPr>
                     <a:p>
+                      <a:pPr>
+                        <a:lnSpc>
+                          <a:spcPct val="100000"/>
+                        </a:lnSpc>
+                        <a:buNone/>
+                      </a:pPr>
                       <a:r>
                         <a:rPr b="0" lang="en-US" sz="3200" spc="-1" strike="noStrike">
                           <a:solidFill>
@@ -9782,10 +9521,16 @@
                 </a:tc>
                 <a:tc>
                   <a:txBody>
-                    <a:bodyPr lIns="50760" rIns="50760" tIns="50760" bIns="50760" anchor="ctr">
+                    <a:bodyPr lIns="50760" rIns="50760" anchor="ctr">
                       <a:noAutofit/>
                     </a:bodyPr>
                     <a:p>
+                      <a:pPr>
+                        <a:lnSpc>
+                          <a:spcPct val="100000"/>
+                        </a:lnSpc>
+                        <a:buNone/>
+                      </a:pPr>
                       <a:r>
                         <a:rPr b="0" lang="en-US" sz="3200" spc="-1" strike="noStrike">
                           <a:solidFill>
@@ -9840,7 +9585,7 @@
               <a:tr h="1648440">
                 <a:tc>
                   <a:txBody>
-                    <a:bodyPr lIns="50760" rIns="50760" tIns="50760" bIns="50760" anchor="ctr">
+                    <a:bodyPr lIns="50760" rIns="50760" anchor="ctr">
                       <a:noAutofit/>
                     </a:bodyPr>
                     <a:p>
@@ -9891,7 +9636,7 @@
                 </a:tc>
                 <a:tc>
                   <a:txBody>
-                    <a:bodyPr lIns="50760" rIns="50760" tIns="50760" bIns="50760" anchor="ctr">
+                    <a:bodyPr lIns="50760" rIns="50760" anchor="ctr">
                       <a:noAutofit/>
                     </a:bodyPr>
                     <a:p>
@@ -9942,7 +9687,7 @@
                 </a:tc>
                 <a:tc>
                   <a:txBody>
-                    <a:bodyPr lIns="50760" rIns="50760" tIns="50760" bIns="50760" anchor="ctr">
+                    <a:bodyPr lIns="50760" rIns="50760" anchor="ctr">
                       <a:noAutofit/>
                     </a:bodyPr>
                     <a:p>
@@ -9995,7 +9740,7 @@
               <a:tr h="1998360">
                 <a:tc>
                   <a:txBody>
-                    <a:bodyPr lIns="50760" rIns="50760" tIns="50760" bIns="50760" anchor="ctr">
+                    <a:bodyPr lIns="50760" rIns="50760" anchor="ctr">
                       <a:noAutofit/>
                     </a:bodyPr>
                     <a:p>
@@ -10046,10 +9791,16 @@
                 </a:tc>
                 <a:tc>
                   <a:txBody>
-                    <a:bodyPr lIns="50760" rIns="50760" tIns="50760" bIns="50760" anchor="ctr">
+                    <a:bodyPr lIns="50760" rIns="50760" anchor="ctr">
                       <a:noAutofit/>
                     </a:bodyPr>
                     <a:p>
+                      <a:pPr>
+                        <a:lnSpc>
+                          <a:spcPct val="100000"/>
+                        </a:lnSpc>
+                        <a:buNone/>
+                      </a:pPr>
                       <a:r>
                         <a:rPr b="0" lang="en-US" sz="3200" spc="-1" strike="noStrike">
                           <a:solidFill>
@@ -10102,10 +9853,16 @@
                 </a:tc>
                 <a:tc>
                   <a:txBody>
-                    <a:bodyPr lIns="50760" rIns="50760" tIns="50760" bIns="50760" anchor="ctr">
+                    <a:bodyPr lIns="50760" rIns="50760" anchor="ctr">
                       <a:noAutofit/>
                     </a:bodyPr>
                     <a:p>
+                      <a:pPr>
+                        <a:lnSpc>
+                          <a:spcPct val="100000"/>
+                        </a:lnSpc>
+                        <a:buNone/>
+                      </a:pPr>
                       <a:r>
                         <a:rPr b="0" lang="en-US" sz="3200" spc="-1" strike="noStrike">
                           <a:solidFill>
@@ -10160,7 +9917,7 @@
               <a:tr h="1648440">
                 <a:tc>
                   <a:txBody>
-                    <a:bodyPr lIns="50760" rIns="50760" tIns="50760" bIns="50760" anchor="ctr">
+                    <a:bodyPr lIns="50760" rIns="50760" anchor="ctr">
                       <a:noAutofit/>
                     </a:bodyPr>
                     <a:p>
@@ -10210,7 +9967,7 @@
                 </a:tc>
                 <a:tc>
                   <a:txBody>
-                    <a:bodyPr lIns="50760" rIns="50760" tIns="50760" bIns="50760" anchor="ctr">
+                    <a:bodyPr lIns="50760" rIns="50760" anchor="ctr">
                       <a:noAutofit/>
                     </a:bodyPr>
                     <a:p>
@@ -10261,7 +10018,7 @@
                 </a:tc>
                 <a:tc>
                   <a:txBody>
-                    <a:bodyPr lIns="50760" rIns="50760" tIns="50760" bIns="50760" anchor="ctr">
+                    <a:bodyPr lIns="50760" rIns="50760" anchor="ctr">
                       <a:noAutofit/>
                     </a:bodyPr>
                     <a:p>
@@ -10346,14 +10103,14 @@
       </p:grpSpPr>
       <p:sp>
         <p:nvSpPr>
-          <p:cNvPr id="159" name="Rectangle 4"/>
+          <p:cNvPr id="157" name="Rectangle 4"/>
           <p:cNvSpPr/>
           <p:nvPr/>
         </p:nvSpPr>
         <p:spPr>
           <a:xfrm>
             <a:off x="0" y="-39600"/>
-            <a:ext cx="24383520" cy="2007360"/>
+            <a:ext cx="24383160" cy="2007000"/>
           </a:xfrm>
           <a:prstGeom prst="rect">
             <a:avLst/>
@@ -10387,7 +10144,7 @@
       </p:sp>
       <p:sp>
         <p:nvSpPr>
-          <p:cNvPr id="160" name="PlaceHolder 1"/>
+          <p:cNvPr id="158" name="PlaceHolder 1"/>
           <p:cNvSpPr>
             <a:spLocks noGrp="1"/>
           </p:cNvSpPr>
@@ -10398,18 +10155,18 @@
         <p:spPr>
           <a:xfrm>
             <a:off x="6705720" y="201960"/>
-            <a:ext cx="10972440" cy="1523520"/>
-          </a:xfrm>
-          <a:prstGeom prst="rect">
-            <a:avLst/>
-          </a:prstGeom>
-          <a:noFill/>
-          <a:ln w="0">
-            <a:noFill/>
-          </a:ln>
-        </p:spPr>
-        <p:txBody>
-          <a:bodyPr anchor="ctr">
+            <a:ext cx="10972080" cy="1523160"/>
+          </a:xfrm>
+          <a:prstGeom prst="rect">
+            <a:avLst/>
+          </a:prstGeom>
+          <a:noFill/>
+          <a:ln w="0">
+            <a:noFill/>
+          </a:ln>
+        </p:spPr>
+        <p:txBody>
+          <a:bodyPr lIns="0" rIns="0" tIns="0" bIns="0" anchor="ctr">
             <a:noAutofit/>
           </a:bodyPr>
           <a:p>
@@ -10428,18 +10185,15 @@
               </a:rPr>
               <a:t>Upcoming tasks </a:t>
             </a:r>
-            <a:endParaRPr b="0" lang="en-US" sz="5860" spc="-1" strike="noStrike">
-              <a:solidFill>
-                <a:srgbClr val="000000"/>
-              </a:solidFill>
-              <a:latin typeface="Calibri"/>
-            </a:endParaRPr>
-          </a:p>
-        </p:txBody>
-      </p:sp>
-      <p:sp>
-        <p:nvSpPr>
-          <p:cNvPr id="161" name="PlaceHolder 2"/>
+            <a:endParaRPr b="0" lang="en-IN" sz="5860" spc="-1" strike="noStrike">
+              <a:latin typeface="Arial"/>
+            </a:endParaRPr>
+          </a:p>
+        </p:txBody>
+      </p:sp>
+      <p:sp>
+        <p:nvSpPr>
+          <p:cNvPr id="159" name="PlaceHolder 2"/>
           <p:cNvSpPr>
             <a:spLocks noGrp="1"/>
           </p:cNvSpPr>
@@ -10450,18 +10204,18 @@
         <p:spPr>
           <a:xfrm>
             <a:off x="510120" y="3299760"/>
-            <a:ext cx="23873400" cy="9759960"/>
-          </a:xfrm>
-          <a:prstGeom prst="rect">
-            <a:avLst/>
-          </a:prstGeom>
-          <a:noFill/>
-          <a:ln w="0">
-            <a:noFill/>
-          </a:ln>
-        </p:spPr>
-        <p:txBody>
-          <a:bodyPr anchor="t">
+            <a:ext cx="23873040" cy="9759600"/>
+          </a:xfrm>
+          <a:prstGeom prst="rect">
+            <a:avLst/>
+          </a:prstGeom>
+          <a:noFill/>
+          <a:ln w="0">
+            <a:noFill/>
+          </a:ln>
+        </p:spPr>
+        <p:txBody>
+          <a:bodyPr lIns="0" rIns="0" tIns="0" bIns="0" anchor="t">
             <a:normAutofit/>
           </a:bodyPr>
           <a:p>
@@ -10499,11 +10253,8 @@
               </a:rPr>
               <a:t>- DAG and Blockchain (and any other algorithm if needed)</a:t>
             </a:r>
-            <a:endParaRPr b="0" lang="en-US" sz="6000" spc="-1" strike="noStrike">
-              <a:solidFill>
-                <a:srgbClr val="000000"/>
-              </a:solidFill>
-              <a:latin typeface="Calibri"/>
+            <a:endParaRPr b="0" lang="en-IN" sz="6000" spc="-1" strike="noStrike">
+              <a:latin typeface="Arial"/>
             </a:endParaRPr>
           </a:p>
           <a:p>
@@ -10555,11 +10306,8 @@
               </a:rPr>
               <a:t>heterogenous data</a:t>
             </a:r>
-            <a:endParaRPr b="0" lang="en-US" sz="6000" spc="-1" strike="noStrike">
-              <a:solidFill>
-                <a:srgbClr val="000000"/>
-              </a:solidFill>
-              <a:latin typeface="Calibri"/>
+            <a:endParaRPr b="0" lang="en-IN" sz="6000" spc="-1" strike="noStrike">
+              <a:latin typeface="Arial"/>
             </a:endParaRPr>
           </a:p>
           <a:p>
@@ -10605,11 +10353,8 @@
               </a:rPr>
               <a:t>	</a:t>
             </a:r>
-            <a:endParaRPr b="0" lang="en-US" sz="4270" spc="-1" strike="noStrike">
-              <a:solidFill>
-                <a:srgbClr val="000000"/>
-              </a:solidFill>
-              <a:latin typeface="Calibri"/>
+            <a:endParaRPr b="0" lang="en-IN" sz="4270" spc="-1" strike="noStrike">
+              <a:latin typeface="Arial"/>
             </a:endParaRPr>
           </a:p>
         </p:txBody>
@@ -10658,7 +10403,7 @@
                                           </p:stCondLst>
                                         </p:cTn>
                                         <p:tgtEl>
-                                          <p:spTgt spid="161">
+                                          <p:spTgt spid="159">
                                             <p:txEl>
                                               <p:pRg st="0" end="0"/>
                                             </p:txEl>
@@ -10707,7 +10452,7 @@
                                           </p:stCondLst>
                                         </p:cTn>
                                         <p:tgtEl>
-                                          <p:spTgt spid="161">
+                                          <p:spTgt spid="159">
                                             <p:txEl>
                                               <p:pRg st="1" end="1"/>
                                             </p:txEl>
@@ -10756,7 +10501,7 @@
                                           </p:stCondLst>
                                         </p:cTn>
                                         <p:tgtEl>
-                                          <p:spTgt spid="161">
+                                          <p:spTgt spid="159">
                                             <p:txEl>
                                               <p:pRg st="2" end="2"/>
                                             </p:txEl>
@@ -10823,14 +10568,14 @@
       </p:grpSpPr>
       <p:sp>
         <p:nvSpPr>
-          <p:cNvPr id="162" name="Rectangle 1"/>
+          <p:cNvPr id="160" name="Rectangle 1"/>
           <p:cNvSpPr/>
           <p:nvPr/>
         </p:nvSpPr>
         <p:spPr>
           <a:xfrm>
             <a:off x="0" y="-39600"/>
-            <a:ext cx="24383520" cy="2007360"/>
+            <a:ext cx="24383160" cy="2007000"/>
           </a:xfrm>
           <a:prstGeom prst="rect">
             <a:avLst/>
@@ -10864,7 +10609,7 @@
       </p:sp>
       <p:sp>
         <p:nvSpPr>
-          <p:cNvPr id="163" name="PlaceHolder 1"/>
+          <p:cNvPr id="161" name="PlaceHolder 1"/>
           <p:cNvSpPr>
             <a:spLocks noGrp="1"/>
           </p:cNvSpPr>
@@ -10875,19 +10620,19 @@
         <p:spPr>
           <a:xfrm>
             <a:off x="6705720" y="201960"/>
-            <a:ext cx="10972440" cy="1523520"/>
-          </a:xfrm>
-          <a:prstGeom prst="rect">
-            <a:avLst/>
-          </a:prstGeom>
-          <a:noFill/>
-          <a:ln w="0">
-            <a:noFill/>
-          </a:ln>
-        </p:spPr>
-        <p:txBody>
-          <a:bodyPr anchor="ctr">
-            <a:normAutofit fontScale="98000"/>
+            <a:ext cx="10972080" cy="1523160"/>
+          </a:xfrm>
+          <a:prstGeom prst="rect">
+            <a:avLst/>
+          </a:prstGeom>
+          <a:noFill/>
+          <a:ln w="0">
+            <a:noFill/>
+          </a:ln>
+        </p:spPr>
+        <p:txBody>
+          <a:bodyPr lIns="0" rIns="0" tIns="0" bIns="0" anchor="ctr">
+            <a:normAutofit/>
           </a:bodyPr>
           <a:p>
             <a:pPr algn="ctr">
@@ -10905,25 +10650,22 @@
               </a:rPr>
               <a:t>References</a:t>
             </a:r>
-            <a:endParaRPr b="0" lang="en-US" sz="9500" spc="-1" strike="noStrike">
-              <a:solidFill>
-                <a:srgbClr val="000000"/>
-              </a:solidFill>
-              <a:latin typeface="Calibri"/>
-            </a:endParaRPr>
-          </a:p>
-        </p:txBody>
-      </p:sp>
-      <p:sp>
-        <p:nvSpPr>
-          <p:cNvPr id="164" name="TextBox 3"/>
+            <a:endParaRPr b="0" lang="en-IN" sz="9500" spc="-1" strike="noStrike">
+              <a:latin typeface="Arial"/>
+            </a:endParaRPr>
+          </a:p>
+        </p:txBody>
+      </p:sp>
+      <p:sp>
+        <p:nvSpPr>
+          <p:cNvPr id="162" name="TextBox 3"/>
           <p:cNvSpPr/>
           <p:nvPr/>
         </p:nvSpPr>
         <p:spPr>
           <a:xfrm>
             <a:off x="437400" y="3095280"/>
-            <a:ext cx="24112080" cy="8622360"/>
+            <a:ext cx="24111720" cy="8622360"/>
           </a:xfrm>
           <a:prstGeom prst="rect">
             <a:avLst/>
@@ -10960,6 +10702,7 @@
                   <a:srgbClr val="000000"/>
                 </a:solidFill>
                 <a:latin typeface="Calibri"/>
+                <a:ea typeface="DejaVu Sans"/>
               </a:rPr>
               <a:t>19th International Symposium on Modeling and Optimization in Mobile, Ad hoc, and Wireless Networks </a:t>
             </a:r>
@@ -10972,6 +10715,7 @@
                   <a:srgbClr val="000000"/>
                 </a:solidFill>
                 <a:latin typeface="Calibri"/>
+                <a:ea typeface="DejaVu Sans"/>
               </a:rPr>
               <a:t>(WiOpt)-</a:t>
             </a:r>
@@ -10981,6 +10725,7 @@
                   <a:srgbClr val="000000"/>
                 </a:solidFill>
                 <a:latin typeface="Calibri"/>
+                <a:ea typeface="DejaVu Sans"/>
               </a:rPr>
               <a:t>A Framework for Sustainable Federated Learning</a:t>
             </a:r>
@@ -11005,6 +10750,7 @@
                   <a:srgbClr val="000000"/>
                 </a:solidFill>
                 <a:latin typeface="Calibri"/>
+                <a:ea typeface="DejaVu Sans"/>
               </a:rPr>
               <a:t>12th International Conference on Smart Grid</a:t>
             </a:r>
@@ -11014,6 +10760,7 @@
                   <a:srgbClr val="000000"/>
                 </a:solidFill>
                 <a:latin typeface="Calibri"/>
+                <a:ea typeface="DejaVu Sans"/>
               </a:rPr>
               <a:t>-</a:t>
             </a:r>
@@ -11023,6 +10770,7 @@
                   <a:srgbClr val="000000"/>
                 </a:solidFill>
                 <a:latin typeface="Calibri"/>
+                <a:ea typeface="DejaVu Sans"/>
               </a:rPr>
               <a:t>Federated Learning-Based Energy Forecasting and Trading</a:t>
             </a:r>
@@ -11035,6 +10783,7 @@
                   <a:srgbClr val="000000"/>
                 </a:solidFill>
                 <a:latin typeface="Calibri"/>
+                <a:ea typeface="DejaVu Sans"/>
               </a:rPr>
               <a:t> Platform for Decentralized RenewableEnergy Markets</a:t>
             </a:r>
@@ -11059,6 +10808,7 @@
                   <a:srgbClr val="000000"/>
                 </a:solidFill>
                 <a:latin typeface="Calibri"/>
+                <a:ea typeface="DejaVu Sans"/>
               </a:rPr>
               <a:t>2022 IEEE IAS Industrial and Commercial Power System Asia</a:t>
             </a:r>
@@ -11068,6 +10818,7 @@
                   <a:srgbClr val="000000"/>
                 </a:solidFill>
                 <a:latin typeface="Calibri"/>
+                <a:ea typeface="DejaVu Sans"/>
               </a:rPr>
               <a:t>-</a:t>
             </a:r>
@@ -11077,6 +10828,7 @@
                   <a:srgbClr val="000000"/>
                 </a:solidFill>
                 <a:latin typeface="Calibri"/>
+                <a:ea typeface="DejaVu Sans"/>
               </a:rPr>
               <a:t>A Review of Federated Learning in Energy Systems</a:t>
             </a:r>
@@ -11101,6 +10853,7 @@
                   <a:srgbClr val="000000"/>
                 </a:solidFill>
                 <a:latin typeface="Calibri"/>
+                <a:ea typeface="DejaVu Sans"/>
               </a:rPr>
               <a:t>IEEE INTERNET OF THINGS JOURNAL, VOL. 10, NO. 4, 15 FEBRUARY 2023</a:t>
             </a:r>
@@ -11110,6 +10863,7 @@
                   <a:srgbClr val="000000"/>
                 </a:solidFill>
                 <a:latin typeface="Calibri"/>
+                <a:ea typeface="DejaVu Sans"/>
               </a:rPr>
               <a:t>-</a:t>
             </a:r>
@@ -11119,6 +10873,7 @@
                   <a:srgbClr val="000000"/>
                 </a:solidFill>
                 <a:latin typeface="Calibri"/>
+                <a:ea typeface="DejaVu Sans"/>
               </a:rPr>
               <a:t>A Federated Learning and Blockchain-EnabledSustainable Energy Trade at the Edge:A Framework for Industry 4.0</a:t>
             </a:r>
@@ -11160,7 +10915,7 @@
       </p:grpSpPr>
       <p:sp>
         <p:nvSpPr>
-          <p:cNvPr id="165" name="PlaceHolder 1"/>
+          <p:cNvPr id="163" name="PlaceHolder 1"/>
           <p:cNvSpPr>
             <a:spLocks noGrp="1"/>
           </p:cNvSpPr>
@@ -11171,18 +10926,18 @@
         <p:spPr>
           <a:xfrm>
             <a:off x="6705720" y="5673600"/>
-            <a:ext cx="10972440" cy="1523520"/>
-          </a:xfrm>
-          <a:prstGeom prst="rect">
-            <a:avLst/>
-          </a:prstGeom>
-          <a:noFill/>
-          <a:ln w="0">
-            <a:noFill/>
-          </a:ln>
-        </p:spPr>
-        <p:txBody>
-          <a:bodyPr anchor="ctr">
+            <a:ext cx="10972080" cy="1523160"/>
+          </a:xfrm>
+          <a:prstGeom prst="rect">
+            <a:avLst/>
+          </a:prstGeom>
+          <a:noFill/>
+          <a:ln w="0">
+            <a:noFill/>
+          </a:ln>
+        </p:spPr>
+        <p:txBody>
+          <a:bodyPr lIns="0" rIns="0" tIns="0" bIns="0" anchor="ctr">
             <a:noAutofit/>
           </a:bodyPr>
           <a:p>
@@ -11201,25 +10956,22 @@
               </a:rPr>
               <a:t>THANK YOU</a:t>
             </a:r>
-            <a:endParaRPr b="0" lang="en-US" sz="9600" spc="-1" strike="noStrike">
-              <a:solidFill>
-                <a:srgbClr val="000000"/>
-              </a:solidFill>
-              <a:latin typeface="Calibri"/>
-            </a:endParaRPr>
-          </a:p>
-        </p:txBody>
-      </p:sp>
-      <p:sp>
-        <p:nvSpPr>
-          <p:cNvPr id="166" name="Rectangle 4"/>
+            <a:endParaRPr b="0" lang="en-IN" sz="9600" spc="-1" strike="noStrike">
+              <a:latin typeface="Arial"/>
+            </a:endParaRPr>
+          </a:p>
+        </p:txBody>
+      </p:sp>
+      <p:sp>
+        <p:nvSpPr>
+          <p:cNvPr id="164" name="Rectangle 4"/>
           <p:cNvSpPr/>
           <p:nvPr/>
         </p:nvSpPr>
         <p:spPr>
           <a:xfrm>
             <a:off x="0" y="-39600"/>
-            <a:ext cx="24383520" cy="2007360"/>
+            <a:ext cx="24383160" cy="2007000"/>
           </a:xfrm>
           <a:prstGeom prst="rect">
             <a:avLst/>
@@ -11283,7 +11035,7 @@
       </p:grpSpPr>
       <p:pic>
         <p:nvPicPr>
-          <p:cNvPr id="167" name="Picture 9" descr=""/>
+          <p:cNvPr id="165" name="Picture 9" descr=""/>
           <p:cNvPicPr/>
           <p:nvPr/>
         </p:nvPicPr>
@@ -11294,7 +11046,7 @@
         <p:spPr>
           <a:xfrm>
             <a:off x="10582200" y="1213920"/>
-            <a:ext cx="13467960" cy="8927280"/>
+            <a:ext cx="13467600" cy="8926920"/>
           </a:xfrm>
           <a:prstGeom prst="rect">
             <a:avLst/>
@@ -11306,14 +11058,14 @@
       </p:pic>
       <p:sp>
         <p:nvSpPr>
-          <p:cNvPr id="168" name="Rectangle 4"/>
+          <p:cNvPr id="166" name="Rectangle 4"/>
           <p:cNvSpPr/>
           <p:nvPr/>
         </p:nvSpPr>
         <p:spPr>
           <a:xfrm>
             <a:off x="0" y="-39600"/>
-            <a:ext cx="24383520" cy="2007360"/>
+            <a:ext cx="24383160" cy="2007000"/>
           </a:xfrm>
           <a:prstGeom prst="rect">
             <a:avLst/>
@@ -11347,7 +11099,7 @@
       </p:sp>
       <p:sp>
         <p:nvSpPr>
-          <p:cNvPr id="169" name="PlaceHolder 1"/>
+          <p:cNvPr id="167" name="PlaceHolder 1"/>
           <p:cNvSpPr>
             <a:spLocks noGrp="1"/>
           </p:cNvSpPr>
@@ -11358,18 +11110,18 @@
         <p:spPr>
           <a:xfrm>
             <a:off x="5280840" y="201960"/>
-            <a:ext cx="10972440" cy="1523520"/>
-          </a:xfrm>
-          <a:prstGeom prst="rect">
-            <a:avLst/>
-          </a:prstGeom>
-          <a:noFill/>
-          <a:ln w="0">
-            <a:noFill/>
-          </a:ln>
-        </p:spPr>
-        <p:txBody>
-          <a:bodyPr anchor="ctr">
+            <a:ext cx="10972080" cy="1523160"/>
+          </a:xfrm>
+          <a:prstGeom prst="rect">
+            <a:avLst/>
+          </a:prstGeom>
+          <a:noFill/>
+          <a:ln w="0">
+            <a:noFill/>
+          </a:ln>
+        </p:spPr>
+        <p:txBody>
+          <a:bodyPr lIns="0" rIns="0" tIns="0" bIns="0" anchor="ctr">
             <a:noAutofit/>
           </a:bodyPr>
           <a:p>
@@ -11388,18 +11140,15 @@
               </a:rPr>
               <a:t>Splitting Data into Nodes</a:t>
             </a:r>
-            <a:endParaRPr b="0" lang="en-US" sz="5860" spc="-1" strike="noStrike">
-              <a:solidFill>
-                <a:srgbClr val="000000"/>
-              </a:solidFill>
-              <a:latin typeface="Calibri"/>
+            <a:endParaRPr b="0" lang="en-IN" sz="5860" spc="-1" strike="noStrike">
+              <a:latin typeface="Arial"/>
             </a:endParaRPr>
           </a:p>
         </p:txBody>
       </p:sp>
       <p:pic>
         <p:nvPicPr>
-          <p:cNvPr id="170" name="Picture 7" descr=""/>
+          <p:cNvPr id="168" name="Picture 7" descr=""/>
           <p:cNvPicPr/>
           <p:nvPr/>
         </p:nvPicPr>
@@ -11411,7 +11160,7 @@
         <p:spPr>
           <a:xfrm>
             <a:off x="777240" y="4003920"/>
-            <a:ext cx="9471240" cy="4708800"/>
+            <a:ext cx="9470880" cy="4708440"/>
           </a:xfrm>
           <a:prstGeom prst="rect">
             <a:avLst/>
@@ -11423,7 +11172,7 @@
       </p:pic>
       <p:pic>
         <p:nvPicPr>
-          <p:cNvPr id="171" name="Picture 12" descr=""/>
+          <p:cNvPr id="169" name="Picture 12" descr=""/>
           <p:cNvPicPr/>
           <p:nvPr/>
         </p:nvPicPr>
@@ -11434,7 +11183,7 @@
         <p:spPr>
           <a:xfrm>
             <a:off x="16867440" y="10307160"/>
-            <a:ext cx="4647240" cy="2176200"/>
+            <a:ext cx="4646880" cy="2175840"/>
           </a:xfrm>
           <a:prstGeom prst="rect">
             <a:avLst/>
@@ -11476,14 +11225,14 @@
       </p:grpSpPr>
       <p:sp>
         <p:nvSpPr>
-          <p:cNvPr id="172" name="Rectangle 4"/>
+          <p:cNvPr id="170" name="Rectangle 4"/>
           <p:cNvSpPr/>
           <p:nvPr/>
         </p:nvSpPr>
         <p:spPr>
           <a:xfrm>
             <a:off x="0" y="-39600"/>
-            <a:ext cx="24383520" cy="2007360"/>
+            <a:ext cx="24383160" cy="2007000"/>
           </a:xfrm>
           <a:prstGeom prst="rect">
             <a:avLst/>
@@ -11517,7 +11266,7 @@
       </p:sp>
       <p:pic>
         <p:nvPicPr>
-          <p:cNvPr id="173" name="Picture 2" descr=""/>
+          <p:cNvPr id="171" name="Picture 2" descr=""/>
           <p:cNvPicPr/>
           <p:nvPr/>
         </p:nvPicPr>
@@ -11529,7 +11278,7 @@
         <p:spPr>
           <a:xfrm>
             <a:off x="3823920" y="3040560"/>
-            <a:ext cx="15436080" cy="8839440"/>
+            <a:ext cx="15435720" cy="8839080"/>
           </a:xfrm>
           <a:prstGeom prst="rect">
             <a:avLst/>
@@ -11541,7 +11290,7 @@
       </p:pic>
       <p:sp>
         <p:nvSpPr>
-          <p:cNvPr id="174" name="PlaceHolder 1"/>
+          <p:cNvPr id="172" name="PlaceHolder 1"/>
           <p:cNvSpPr>
             <a:spLocks noGrp="1"/>
           </p:cNvSpPr>
@@ -11552,18 +11301,18 @@
         <p:spPr>
           <a:xfrm>
             <a:off x="5515200" y="308160"/>
-            <a:ext cx="10972440" cy="1523520"/>
-          </a:xfrm>
-          <a:prstGeom prst="rect">
-            <a:avLst/>
-          </a:prstGeom>
-          <a:noFill/>
-          <a:ln w="0">
-            <a:noFill/>
-          </a:ln>
-        </p:spPr>
-        <p:txBody>
-          <a:bodyPr anchor="ctr">
+            <a:ext cx="10972080" cy="1523160"/>
+          </a:xfrm>
+          <a:prstGeom prst="rect">
+            <a:avLst/>
+          </a:prstGeom>
+          <a:noFill/>
+          <a:ln w="0">
+            <a:noFill/>
+          </a:ln>
+        </p:spPr>
+        <p:txBody>
+          <a:bodyPr lIns="0" rIns="0" tIns="0" bIns="0" anchor="ctr">
             <a:noAutofit/>
           </a:bodyPr>
           <a:p>
@@ -11582,11 +11331,8 @@
               </a:rPr>
               <a:t>Training and Aggregating Functions</a:t>
             </a:r>
-            <a:endParaRPr b="0" lang="en-US" sz="5860" spc="-1" strike="noStrike">
-              <a:solidFill>
-                <a:srgbClr val="000000"/>
-              </a:solidFill>
-              <a:latin typeface="Calibri"/>
+            <a:endParaRPr b="0" lang="en-IN" sz="5860" spc="-1" strike="noStrike">
+              <a:latin typeface="Arial"/>
             </a:endParaRPr>
           </a:p>
         </p:txBody>
@@ -11623,14 +11369,14 @@
       </p:grpSpPr>
       <p:sp>
         <p:nvSpPr>
-          <p:cNvPr id="175" name="Rectangle 4"/>
+          <p:cNvPr id="173" name="Rectangle 4"/>
           <p:cNvSpPr/>
           <p:nvPr/>
         </p:nvSpPr>
         <p:spPr>
           <a:xfrm>
             <a:off x="0" y="-39600"/>
-            <a:ext cx="24383520" cy="2007360"/>
+            <a:ext cx="24383160" cy="2007000"/>
           </a:xfrm>
           <a:prstGeom prst="rect">
             <a:avLst/>
@@ -11664,7 +11410,7 @@
       </p:sp>
       <p:sp>
         <p:nvSpPr>
-          <p:cNvPr id="176" name="PlaceHolder 1"/>
+          <p:cNvPr id="174" name="PlaceHolder 1"/>
           <p:cNvSpPr>
             <a:spLocks noGrp="1"/>
           </p:cNvSpPr>
@@ -11675,18 +11421,18 @@
         <p:spPr>
           <a:xfrm>
             <a:off x="6195240" y="250560"/>
-            <a:ext cx="10972440" cy="1523520"/>
-          </a:xfrm>
-          <a:prstGeom prst="rect">
-            <a:avLst/>
-          </a:prstGeom>
-          <a:noFill/>
-          <a:ln w="0">
-            <a:noFill/>
-          </a:ln>
-        </p:spPr>
-        <p:txBody>
-          <a:bodyPr anchor="ctr">
+            <a:ext cx="10972080" cy="1523160"/>
+          </a:xfrm>
+          <a:prstGeom prst="rect">
+            <a:avLst/>
+          </a:prstGeom>
+          <a:noFill/>
+          <a:ln w="0">
+            <a:noFill/>
+          </a:ln>
+        </p:spPr>
+        <p:txBody>
+          <a:bodyPr lIns="0" rIns="0" tIns="0" bIns="0" anchor="ctr">
             <a:noAutofit/>
           </a:bodyPr>
           <a:p>
@@ -11705,18 +11451,15 @@
               </a:rPr>
               <a:t>Federated Learning Process</a:t>
             </a:r>
-            <a:endParaRPr b="0" lang="en-US" sz="5860" spc="-1" strike="noStrike">
-              <a:solidFill>
-                <a:srgbClr val="000000"/>
-              </a:solidFill>
-              <a:latin typeface="Calibri"/>
+            <a:endParaRPr b="0" lang="en-IN" sz="5860" spc="-1" strike="noStrike">
+              <a:latin typeface="Arial"/>
             </a:endParaRPr>
           </a:p>
         </p:txBody>
       </p:sp>
       <p:pic>
         <p:nvPicPr>
-          <p:cNvPr id="177" name="Picture 5" descr=""/>
+          <p:cNvPr id="175" name="Picture 5" descr=""/>
           <p:cNvPicPr/>
           <p:nvPr/>
         </p:nvPicPr>
@@ -11727,7 +11470,7 @@
         <p:spPr>
           <a:xfrm>
             <a:off x="609480" y="3105360"/>
-            <a:ext cx="13612320" cy="8896680"/>
+            <a:ext cx="13611960" cy="8896320"/>
           </a:xfrm>
           <a:prstGeom prst="rect">
             <a:avLst/>
@@ -11739,7 +11482,7 @@
       </p:pic>
       <p:pic>
         <p:nvPicPr>
-          <p:cNvPr id="178" name="Picture 11" descr=""/>
+          <p:cNvPr id="176" name="Picture 11" descr=""/>
           <p:cNvPicPr/>
           <p:nvPr/>
         </p:nvPicPr>
@@ -11750,7 +11493,7 @@
         <p:spPr>
           <a:xfrm>
             <a:off x="14608080" y="3803760"/>
-            <a:ext cx="8831880" cy="4962240"/>
+            <a:ext cx="8831520" cy="4961880"/>
           </a:xfrm>
           <a:prstGeom prst="rect">
             <a:avLst/>
@@ -11792,14 +11535,14 @@
       </p:grpSpPr>
       <p:sp>
         <p:nvSpPr>
-          <p:cNvPr id="179" name="Rectangle 4"/>
+          <p:cNvPr id="177" name="Rectangle 4"/>
           <p:cNvSpPr/>
           <p:nvPr/>
         </p:nvSpPr>
         <p:spPr>
           <a:xfrm>
             <a:off x="0" y="-39600"/>
-            <a:ext cx="24383520" cy="2007360"/>
+            <a:ext cx="24383160" cy="2007000"/>
           </a:xfrm>
           <a:prstGeom prst="rect">
             <a:avLst/>
@@ -11833,14 +11576,14 @@
       </p:sp>
       <p:sp>
         <p:nvSpPr>
-          <p:cNvPr id="180" name="Title 3"/>
+          <p:cNvPr id="178" name="Title 3"/>
           <p:cNvSpPr/>
           <p:nvPr/>
         </p:nvSpPr>
         <p:spPr>
           <a:xfrm>
             <a:off x="5801400" y="201960"/>
-            <a:ext cx="10972440" cy="1523520"/>
+            <a:ext cx="10972080" cy="1523160"/>
           </a:xfrm>
           <a:prstGeom prst="rect">
             <a:avLst/>
@@ -11857,7 +11600,7 @@
           <a:fontRef idx="minor"/>
         </p:style>
         <p:txBody>
-          <a:bodyPr anchor="ctr">
+          <a:bodyPr lIns="90000" rIns="90000" tIns="45000" bIns="45000" anchor="ctr">
             <a:normAutofit/>
           </a:bodyPr>
           <a:p>
@@ -11873,6 +11616,7 @@
                   <a:srgbClr val="000000"/>
                 </a:solidFill>
                 <a:latin typeface="Calibri"/>
+                <a:ea typeface="DejaVu Sans"/>
               </a:rPr>
               <a:t>Comparison of Results(FL)</a:t>
             </a:r>
@@ -11882,6 +11626,52 @@
           </a:p>
         </p:txBody>
       </p:sp>
+      <p:pic>
+        <p:nvPicPr>
+          <p:cNvPr id="179" name="" descr=""/>
+          <p:cNvPicPr/>
+          <p:nvPr/>
+        </p:nvPicPr>
+        <p:blipFill>
+          <a:blip r:embed="rId1"/>
+          <a:stretch/>
+        </p:blipFill>
+        <p:spPr>
+          <a:xfrm>
+            <a:off x="12600000" y="2611800"/>
+            <a:ext cx="10799640" cy="9087840"/>
+          </a:xfrm>
+          <a:prstGeom prst="rect">
+            <a:avLst/>
+          </a:prstGeom>
+          <a:ln w="0">
+            <a:noFill/>
+          </a:ln>
+        </p:spPr>
+      </p:pic>
+      <p:pic>
+        <p:nvPicPr>
+          <p:cNvPr id="180" name="" descr=""/>
+          <p:cNvPicPr/>
+          <p:nvPr/>
+        </p:nvPicPr>
+        <p:blipFill>
+          <a:blip r:embed="rId2"/>
+          <a:stretch/>
+        </p:blipFill>
+        <p:spPr>
+          <a:xfrm>
+            <a:off x="893880" y="6840000"/>
+            <a:ext cx="9185760" cy="3419640"/>
+          </a:xfrm>
+          <a:prstGeom prst="rect">
+            <a:avLst/>
+          </a:prstGeom>
+          <a:ln w="0">
+            <a:noFill/>
+          </a:ln>
+        </p:spPr>
+      </p:pic>
       <p:pic>
         <p:nvPicPr>
           <p:cNvPr id="181" name="" descr=""/>
@@ -11889,59 +11679,13 @@
           <p:nvPr/>
         </p:nvPicPr>
         <p:blipFill>
-          <a:blip r:embed="rId1"/>
-          <a:stretch/>
-        </p:blipFill>
-        <p:spPr>
-          <a:xfrm>
-            <a:off x="12600000" y="2611800"/>
-            <a:ext cx="10800000" cy="9088200"/>
-          </a:xfrm>
-          <a:prstGeom prst="rect">
-            <a:avLst/>
-          </a:prstGeom>
-          <a:ln w="0">
-            <a:noFill/>
-          </a:ln>
-        </p:spPr>
-      </p:pic>
-      <p:pic>
-        <p:nvPicPr>
-          <p:cNvPr id="182" name="" descr=""/>
-          <p:cNvPicPr/>
-          <p:nvPr/>
-        </p:nvPicPr>
-        <p:blipFill>
-          <a:blip r:embed="rId2"/>
-          <a:stretch/>
-        </p:blipFill>
-        <p:spPr>
-          <a:xfrm>
-            <a:off x="893880" y="6840000"/>
-            <a:ext cx="9186120" cy="3420000"/>
-          </a:xfrm>
-          <a:prstGeom prst="rect">
-            <a:avLst/>
-          </a:prstGeom>
-          <a:ln w="0">
-            <a:noFill/>
-          </a:ln>
-        </p:spPr>
-      </p:pic>
-      <p:pic>
-        <p:nvPicPr>
-          <p:cNvPr id="183" name="" descr=""/>
-          <p:cNvPicPr/>
-          <p:nvPr/>
-        </p:nvPicPr>
-        <p:blipFill>
           <a:blip r:embed="rId3"/>
           <a:stretch/>
         </p:blipFill>
         <p:spPr>
           <a:xfrm>
             <a:off x="398520" y="3036960"/>
-            <a:ext cx="11301480" cy="2183040"/>
+            <a:ext cx="11301120" cy="2182680"/>
           </a:xfrm>
           <a:prstGeom prst="rect">
             <a:avLst/>
@@ -11983,14 +11727,14 @@
       </p:grpSpPr>
       <p:sp>
         <p:nvSpPr>
-          <p:cNvPr id="184" name="Rectangle 4"/>
+          <p:cNvPr id="182" name="Rectangle 4"/>
           <p:cNvSpPr/>
           <p:nvPr/>
         </p:nvSpPr>
         <p:spPr>
           <a:xfrm>
             <a:off x="0" y="-39600"/>
-            <a:ext cx="24383520" cy="2007360"/>
+            <a:ext cx="24383160" cy="2007000"/>
           </a:xfrm>
           <a:prstGeom prst="rect">
             <a:avLst/>
@@ -12024,7 +11768,7 @@
       </p:sp>
       <p:sp>
         <p:nvSpPr>
-          <p:cNvPr id="185" name="PlaceHolder 1"/>
+          <p:cNvPr id="183" name="PlaceHolder 1"/>
           <p:cNvSpPr>
             <a:spLocks noGrp="1"/>
           </p:cNvSpPr>
@@ -12035,18 +11779,18 @@
         <p:spPr>
           <a:xfrm>
             <a:off x="5801400" y="201960"/>
-            <a:ext cx="10972440" cy="1523520"/>
-          </a:xfrm>
-          <a:prstGeom prst="rect">
-            <a:avLst/>
-          </a:prstGeom>
-          <a:noFill/>
-          <a:ln w="0">
-            <a:noFill/>
-          </a:ln>
-        </p:spPr>
-        <p:txBody>
-          <a:bodyPr anchor="ctr">
+            <a:ext cx="10972080" cy="1523160"/>
+          </a:xfrm>
+          <a:prstGeom prst="rect">
+            <a:avLst/>
+          </a:prstGeom>
+          <a:noFill/>
+          <a:ln w="0">
+            <a:noFill/>
+          </a:ln>
+        </p:spPr>
+        <p:txBody>
+          <a:bodyPr lIns="0" rIns="0" tIns="0" bIns="0" anchor="ctr">
             <a:noAutofit/>
           </a:bodyPr>
           <a:p>
@@ -12065,18 +11809,15 @@
               </a:rPr>
               <a:t>Comparison of Results(ML)</a:t>
             </a:r>
-            <a:endParaRPr b="0" lang="en-US" sz="5860" spc="-1" strike="noStrike">
-              <a:solidFill>
-                <a:srgbClr val="000000"/>
-              </a:solidFill>
-              <a:latin typeface="Calibri"/>
+            <a:endParaRPr b="0" lang="en-IN" sz="5860" spc="-1" strike="noStrike">
+              <a:latin typeface="Arial"/>
             </a:endParaRPr>
           </a:p>
         </p:txBody>
       </p:sp>
       <p:pic>
         <p:nvPicPr>
-          <p:cNvPr id="186" name="" descr=""/>
+          <p:cNvPr id="184" name="" descr=""/>
           <p:cNvPicPr/>
           <p:nvPr/>
         </p:nvPicPr>
@@ -12087,7 +11828,7 @@
         <p:spPr>
           <a:xfrm>
             <a:off x="13140000" y="3037680"/>
-            <a:ext cx="10080000" cy="8482320"/>
+            <a:ext cx="10079640" cy="8481960"/>
           </a:xfrm>
           <a:prstGeom prst="rect">
             <a:avLst/>
@@ -12099,7 +11840,7 @@
       </p:pic>
       <p:pic>
         <p:nvPicPr>
-          <p:cNvPr id="187" name="" descr=""/>
+          <p:cNvPr id="185" name="" descr=""/>
           <p:cNvPicPr/>
           <p:nvPr/>
         </p:nvPicPr>
@@ -12110,7 +11851,7 @@
         <p:spPr>
           <a:xfrm>
             <a:off x="978120" y="4680000"/>
-            <a:ext cx="10181880" cy="3780000"/>
+            <a:ext cx="10181520" cy="3779640"/>
           </a:xfrm>
           <a:prstGeom prst="rect">
             <a:avLst/>
@@ -12152,14 +11893,14 @@
       </p:grpSpPr>
       <p:sp>
         <p:nvSpPr>
-          <p:cNvPr id="94" name="Rectangle 1"/>
+          <p:cNvPr id="92" name="Rectangle 1"/>
           <p:cNvSpPr/>
           <p:nvPr/>
         </p:nvSpPr>
         <p:spPr>
           <a:xfrm>
             <a:off x="0" y="-39600"/>
-            <a:ext cx="24383520" cy="2007360"/>
+            <a:ext cx="24383160" cy="2007000"/>
           </a:xfrm>
           <a:prstGeom prst="rect">
             <a:avLst/>
@@ -12193,7 +11934,7 @@
       </p:sp>
       <p:sp>
         <p:nvSpPr>
-          <p:cNvPr id="95" name="PlaceHolder 1"/>
+          <p:cNvPr id="93" name="PlaceHolder 1"/>
           <p:cNvSpPr>
             <a:spLocks noGrp="1"/>
           </p:cNvSpPr>
@@ -12204,19 +11945,19 @@
         <p:spPr>
           <a:xfrm>
             <a:off x="3064680" y="297720"/>
-            <a:ext cx="18254520" cy="1523520"/>
-          </a:xfrm>
-          <a:prstGeom prst="rect">
-            <a:avLst/>
-          </a:prstGeom>
-          <a:noFill/>
-          <a:ln w="0">
-            <a:noFill/>
-          </a:ln>
-        </p:spPr>
-        <p:txBody>
-          <a:bodyPr anchor="ctr">
-            <a:normAutofit fontScale="98000"/>
+            <a:ext cx="18254160" cy="1523160"/>
+          </a:xfrm>
+          <a:prstGeom prst="rect">
+            <a:avLst/>
+          </a:prstGeom>
+          <a:noFill/>
+          <a:ln w="0">
+            <a:noFill/>
+          </a:ln>
+        </p:spPr>
+        <p:txBody>
+          <a:bodyPr lIns="0" rIns="0" tIns="0" bIns="0" anchor="ctr">
+            <a:normAutofit/>
           </a:bodyPr>
           <a:p>
             <a:pPr algn="ctr">
@@ -12234,18 +11975,15 @@
               </a:rPr>
               <a:t>Drawbacks of Centralized Models</a:t>
             </a:r>
-            <a:endParaRPr b="0" lang="en-US" sz="9500" spc="-1" strike="noStrike">
-              <a:solidFill>
-                <a:srgbClr val="000000"/>
-              </a:solidFill>
-              <a:latin typeface="Calibri"/>
-            </a:endParaRPr>
-          </a:p>
-        </p:txBody>
-      </p:sp>
-      <p:sp>
-        <p:nvSpPr>
-          <p:cNvPr id="96" name="PlaceHolder 2"/>
+            <a:endParaRPr b="0" lang="en-IN" sz="9500" spc="-1" strike="noStrike">
+              <a:latin typeface="Arial"/>
+            </a:endParaRPr>
+          </a:p>
+        </p:txBody>
+      </p:sp>
+      <p:sp>
+        <p:nvSpPr>
+          <p:cNvPr id="94" name="PlaceHolder 2"/>
           <p:cNvSpPr>
             <a:spLocks noGrp="1"/>
           </p:cNvSpPr>
@@ -12256,33 +11994,30 @@
         <p:spPr>
           <a:xfrm>
             <a:off x="1206360" y="2324160"/>
-            <a:ext cx="21970800" cy="1002960"/>
-          </a:xfrm>
-          <a:prstGeom prst="rect">
-            <a:avLst/>
-          </a:prstGeom>
-          <a:noFill/>
-          <a:ln w="0">
-            <a:noFill/>
-          </a:ln>
-        </p:spPr>
-        <p:txBody>
-          <a:bodyPr lIns="45720" rIns="45720" anchor="t">
+            <a:ext cx="21970440" cy="1002600"/>
+          </a:xfrm>
+          <a:prstGeom prst="rect">
+            <a:avLst/>
+          </a:prstGeom>
+          <a:noFill/>
+          <a:ln w="0">
+            <a:noFill/>
+          </a:ln>
+        </p:spPr>
+        <p:txBody>
+          <a:bodyPr lIns="45720" rIns="45720" tIns="0" bIns="0" anchor="t">
             <a:normAutofit/>
           </a:bodyPr>
           <a:p>
-            <a:endParaRPr b="0" lang="en-US" sz="4270" spc="-1" strike="noStrike">
-              <a:solidFill>
-                <a:srgbClr val="000000"/>
-              </a:solidFill>
-              <a:latin typeface="Calibri"/>
-            </a:endParaRPr>
-          </a:p>
-        </p:txBody>
-      </p:sp>
-      <p:sp>
-        <p:nvSpPr>
-          <p:cNvPr id="97" name="PlaceHolder 3"/>
+            <a:endParaRPr b="0" lang="en-IN" sz="3200" spc="-1" strike="noStrike">
+              <a:latin typeface="Arial"/>
+            </a:endParaRPr>
+          </a:p>
+        </p:txBody>
+      </p:sp>
+      <p:sp>
+        <p:nvSpPr>
+          <p:cNvPr id="95" name="PlaceHolder 3"/>
           <p:cNvSpPr>
             <a:spLocks noGrp="1"/>
           </p:cNvSpPr>
@@ -12293,18 +12028,18 @@
         <p:spPr>
           <a:xfrm>
             <a:off x="2175480" y="4332240"/>
-            <a:ext cx="20032920" cy="8250120"/>
-          </a:xfrm>
-          <a:prstGeom prst="rect">
-            <a:avLst/>
-          </a:prstGeom>
-          <a:noFill/>
-          <a:ln w="0">
-            <a:noFill/>
-          </a:ln>
-        </p:spPr>
-        <p:txBody>
-          <a:bodyPr anchor="t">
+            <a:ext cx="20032560" cy="8249760"/>
+          </a:xfrm>
+          <a:prstGeom prst="rect">
+            <a:avLst/>
+          </a:prstGeom>
+          <a:noFill/>
+          <a:ln w="0">
+            <a:noFill/>
+          </a:ln>
+        </p:spPr>
+        <p:txBody>
+          <a:bodyPr lIns="0" rIns="0" tIns="0" bIns="0" anchor="t">
             <a:noAutofit/>
           </a:bodyPr>
           <a:p>
@@ -12330,11 +12065,8 @@
               </a:rPr>
               <a:t>Single Point of Failure : The centralized nature of these models creates a single point of failure. Any disruption, cyber-attack, or failure at the central control can cause widespread outages.</a:t>
             </a:r>
-            <a:endParaRPr b="0" lang="en-US" sz="4400" spc="-1" strike="noStrike">
-              <a:solidFill>
-                <a:srgbClr val="000000"/>
-              </a:solidFill>
-              <a:latin typeface="Calibri"/>
+            <a:endParaRPr b="0" lang="en-IN" sz="4400" spc="-1" strike="noStrike">
+              <a:latin typeface="Arial"/>
             </a:endParaRPr>
           </a:p>
           <a:p>
@@ -12360,11 +12092,8 @@
               </a:rPr>
               <a:t>High Infrastructure Costs : Maintaining centralized grids, involves significant costs, including infrastructure setup, maintenance, and cybersecurity measures.</a:t>
             </a:r>
-            <a:endParaRPr b="0" lang="en-US" sz="4400" spc="-1" strike="noStrike">
-              <a:solidFill>
-                <a:srgbClr val="000000"/>
-              </a:solidFill>
-              <a:latin typeface="Calibri"/>
+            <a:endParaRPr b="0" lang="en-IN" sz="4400" spc="-1" strike="noStrike">
+              <a:latin typeface="Arial"/>
             </a:endParaRPr>
           </a:p>
           <a:p>
@@ -12390,11 +12119,8 @@
               </a:rPr>
               <a:t>Lack of Transparency : Consumers in centralized systems often receive a single electricity bill without clear information on the actual costs or sources of energy.</a:t>
             </a:r>
-            <a:endParaRPr b="0" lang="en-US" sz="4400" spc="-1" strike="noStrike">
-              <a:solidFill>
-                <a:srgbClr val="000000"/>
-              </a:solidFill>
-              <a:latin typeface="Calibri"/>
+            <a:endParaRPr b="0" lang="en-IN" sz="4400" spc="-1" strike="noStrike">
+              <a:latin typeface="Arial"/>
             </a:endParaRPr>
           </a:p>
         </p:txBody>
@@ -12431,7 +12157,7 @@
       </p:grpSpPr>
       <p:sp>
         <p:nvSpPr>
-          <p:cNvPr id="98" name="PlaceHolder 1"/>
+          <p:cNvPr id="96" name="PlaceHolder 1"/>
           <p:cNvSpPr>
             <a:spLocks noGrp="1"/>
           </p:cNvSpPr>
@@ -12442,18 +12168,18 @@
         <p:spPr>
           <a:xfrm>
             <a:off x="3430440" y="6255000"/>
-            <a:ext cx="17522640" cy="1413720"/>
-          </a:xfrm>
-          <a:prstGeom prst="rect">
-            <a:avLst/>
-          </a:prstGeom>
-          <a:noFill/>
-          <a:ln w="0">
-            <a:noFill/>
-          </a:ln>
-        </p:spPr>
-        <p:txBody>
-          <a:bodyPr anchor="ctr">
+            <a:ext cx="17522280" cy="1413360"/>
+          </a:xfrm>
+          <a:prstGeom prst="rect">
+            <a:avLst/>
+          </a:prstGeom>
+          <a:noFill/>
+          <a:ln w="0">
+            <a:noFill/>
+          </a:ln>
+        </p:spPr>
+        <p:txBody>
+          <a:bodyPr lIns="0" rIns="0" tIns="0" bIns="0" anchor="ctr">
             <a:normAutofit/>
           </a:bodyPr>
           <a:p>
@@ -12472,18 +12198,15 @@
               </a:rPr>
               <a:t>ALTERNATE APPROACHES</a:t>
             </a:r>
-            <a:endParaRPr b="0" lang="en-US" sz="8000" spc="-1" strike="noStrike">
-              <a:solidFill>
-                <a:srgbClr val="000000"/>
-              </a:solidFill>
-              <a:latin typeface="Calibri"/>
-            </a:endParaRPr>
-          </a:p>
-        </p:txBody>
-      </p:sp>
-      <p:sp>
-        <p:nvSpPr>
-          <p:cNvPr id="99" name="PlaceHolder 2"/>
+            <a:endParaRPr b="0" lang="en-IN" sz="8000" spc="-1" strike="noStrike">
+              <a:latin typeface="Arial"/>
+            </a:endParaRPr>
+          </a:p>
+        </p:txBody>
+      </p:sp>
+      <p:sp>
+        <p:nvSpPr>
+          <p:cNvPr id="97" name="PlaceHolder 2"/>
           <p:cNvSpPr>
             <a:spLocks noGrp="1"/>
           </p:cNvSpPr>
@@ -12494,26 +12217,23 @@
         <p:spPr>
           <a:xfrm>
             <a:off x="2309760" y="-577440"/>
-            <a:ext cx="17522640" cy="6832080"/>
-          </a:xfrm>
-          <a:prstGeom prst="rect">
-            <a:avLst/>
-          </a:prstGeom>
-          <a:noFill/>
-          <a:ln w="0">
-            <a:noFill/>
-          </a:ln>
-        </p:spPr>
-        <p:txBody>
-          <a:bodyPr anchor="t">
+            <a:ext cx="17522280" cy="6831720"/>
+          </a:xfrm>
+          <a:prstGeom prst="rect">
+            <a:avLst/>
+          </a:prstGeom>
+          <a:noFill/>
+          <a:ln w="0">
+            <a:noFill/>
+          </a:ln>
+        </p:spPr>
+        <p:txBody>
+          <a:bodyPr lIns="0" rIns="0" tIns="0" bIns="0" anchor="t">
             <a:noAutofit/>
           </a:bodyPr>
           <a:p>
-            <a:endParaRPr b="0" lang="en-US" sz="4270" spc="-1" strike="noStrike">
-              <a:solidFill>
-                <a:srgbClr val="000000"/>
-              </a:solidFill>
-              <a:latin typeface="Calibri"/>
+            <a:endParaRPr b="0" lang="en-IN" sz="3200" spc="-1" strike="noStrike">
+              <a:latin typeface="Arial"/>
             </a:endParaRPr>
           </a:p>
         </p:txBody>
@@ -12550,14 +12270,14 @@
       </p:grpSpPr>
       <p:sp>
         <p:nvSpPr>
-          <p:cNvPr id="100" name="Rectangle 1"/>
+          <p:cNvPr id="98" name="Rectangle 1"/>
           <p:cNvSpPr/>
           <p:nvPr/>
         </p:nvSpPr>
         <p:spPr>
           <a:xfrm>
             <a:off x="0" y="-39600"/>
-            <a:ext cx="24383520" cy="2007360"/>
+            <a:ext cx="24383160" cy="2007000"/>
           </a:xfrm>
           <a:prstGeom prst="rect">
             <a:avLst/>
@@ -12591,7 +12311,7 @@
       </p:sp>
       <p:sp>
         <p:nvSpPr>
-          <p:cNvPr id="101" name="PlaceHolder 1"/>
+          <p:cNvPr id="99" name="PlaceHolder 1"/>
           <p:cNvSpPr>
             <a:spLocks noGrp="1"/>
           </p:cNvSpPr>
@@ -12602,19 +12322,19 @@
         <p:spPr>
           <a:xfrm>
             <a:off x="2966040" y="964080"/>
-            <a:ext cx="17522640" cy="1413720"/>
-          </a:xfrm>
-          <a:prstGeom prst="rect">
-            <a:avLst/>
-          </a:prstGeom>
-          <a:noFill/>
-          <a:ln w="0">
-            <a:noFill/>
-          </a:ln>
-        </p:spPr>
-        <p:txBody>
-          <a:bodyPr anchor="ctr">
-            <a:normAutofit fontScale="49000"/>
+            <a:ext cx="17522280" cy="1413360"/>
+          </a:xfrm>
+          <a:prstGeom prst="rect">
+            <a:avLst/>
+          </a:prstGeom>
+          <a:noFill/>
+          <a:ln w="0">
+            <a:noFill/>
+          </a:ln>
+        </p:spPr>
+        <p:txBody>
+          <a:bodyPr lIns="0" rIns="0" tIns="0" bIns="0" anchor="ctr">
+            <a:normAutofit fontScale="57000"/>
           </a:bodyPr>
           <a:p>
             <a:pPr algn="ctr">
@@ -12633,20 +12353,17 @@
               <a:t>1) AI-Assisted Energy Systems</a:t>
             </a:r>
             <a:br>
-              <a:rPr sz="9500"/>
+              <a:rPr sz="8000"/>
             </a:br>
-            <a:endParaRPr b="0" lang="en-US" sz="8000" spc="-1" strike="noStrike">
-              <a:solidFill>
-                <a:srgbClr val="000000"/>
-              </a:solidFill>
-              <a:latin typeface="Calibri"/>
-            </a:endParaRPr>
-          </a:p>
-        </p:txBody>
-      </p:sp>
-      <p:sp>
-        <p:nvSpPr>
-          <p:cNvPr id="102" name="PlaceHolder 2"/>
+            <a:endParaRPr b="0" lang="en-IN" sz="8000" spc="-1" strike="noStrike">
+              <a:latin typeface="Arial"/>
+            </a:endParaRPr>
+          </a:p>
+        </p:txBody>
+      </p:sp>
+      <p:sp>
+        <p:nvSpPr>
+          <p:cNvPr id="100" name="PlaceHolder 2"/>
           <p:cNvSpPr>
             <a:spLocks noGrp="1"/>
           </p:cNvSpPr>
@@ -12657,18 +12374,18 @@
         <p:spPr>
           <a:xfrm>
             <a:off x="1777680" y="3381840"/>
-            <a:ext cx="20828160" cy="7888680"/>
-          </a:xfrm>
-          <a:prstGeom prst="rect">
-            <a:avLst/>
-          </a:prstGeom>
-          <a:noFill/>
-          <a:ln w="0">
-            <a:noFill/>
-          </a:ln>
-        </p:spPr>
-        <p:txBody>
-          <a:bodyPr anchor="t">
+            <a:ext cx="20827800" cy="7888320"/>
+          </a:xfrm>
+          <a:prstGeom prst="rect">
+            <a:avLst/>
+          </a:prstGeom>
+          <a:noFill/>
+          <a:ln w="0">
+            <a:noFill/>
+          </a:ln>
+        </p:spPr>
+        <p:txBody>
+          <a:bodyPr lIns="0" rIns="0" tIns="0" bIns="0" anchor="t">
             <a:normAutofit/>
           </a:bodyPr>
           <a:p>
@@ -12704,11 +12421,8 @@
               </a:rPr>
               <a:t> : AI and ML to analyze IoT sensor data and predict energy consumption patterns, enabling businesses to optimize their energy use. Eg:- it can predict peak usage hours in an office building and adjust systems accordingly to save energy.</a:t>
             </a:r>
-            <a:endParaRPr b="0" lang="en-US" sz="4000" spc="-1" strike="noStrike">
-              <a:solidFill>
-                <a:srgbClr val="000000"/>
-              </a:solidFill>
-              <a:latin typeface="Calibri"/>
+            <a:endParaRPr b="0" lang="en-IN" sz="4000" spc="-1" strike="noStrike">
+              <a:latin typeface="Arial"/>
             </a:endParaRPr>
           </a:p>
           <a:p>
@@ -12724,11 +12438,8 @@
                 <a:tab algn="l" pos="0"/>
               </a:tabLst>
             </a:pPr>
-            <a:endParaRPr b="0" lang="en-US" sz="4000" spc="-1" strike="noStrike">
-              <a:solidFill>
-                <a:srgbClr val="000000"/>
-              </a:solidFill>
-              <a:latin typeface="Calibri"/>
+            <a:endParaRPr b="0" lang="en-IN" sz="4000" spc="-1" strike="noStrike">
+              <a:latin typeface="Arial"/>
             </a:endParaRPr>
           </a:p>
           <a:p>
@@ -12766,11 +12477,8 @@
               </a:rPr>
               <a:t>y use.</a:t>
             </a:r>
-            <a:endParaRPr b="0" lang="en-US" sz="4000" spc="-1" strike="noStrike">
-              <a:solidFill>
-                <a:srgbClr val="000000"/>
-              </a:solidFill>
-              <a:latin typeface="Calibri"/>
+            <a:endParaRPr b="0" lang="en-IN" sz="4000" spc="-1" strike="noStrike">
+              <a:latin typeface="Arial"/>
             </a:endParaRPr>
           </a:p>
         </p:txBody>
@@ -12807,14 +12515,14 @@
       </p:grpSpPr>
       <p:sp>
         <p:nvSpPr>
-          <p:cNvPr id="103" name="Rectangle 1"/>
+          <p:cNvPr id="101" name="Rectangle 1"/>
           <p:cNvSpPr/>
           <p:nvPr/>
         </p:nvSpPr>
         <p:spPr>
           <a:xfrm>
             <a:off x="0" y="-39600"/>
-            <a:ext cx="24383520" cy="2007360"/>
+            <a:ext cx="24383160" cy="2007000"/>
           </a:xfrm>
           <a:prstGeom prst="rect">
             <a:avLst/>
@@ -12848,7 +12556,7 @@
       </p:sp>
       <p:sp>
         <p:nvSpPr>
-          <p:cNvPr id="104" name="PlaceHolder 1"/>
+          <p:cNvPr id="102" name="PlaceHolder 1"/>
           <p:cNvSpPr>
             <a:spLocks noGrp="1"/>
           </p:cNvSpPr>
@@ -12859,19 +12567,19 @@
         <p:spPr>
           <a:xfrm>
             <a:off x="3005640" y="964080"/>
-            <a:ext cx="17522640" cy="1413720"/>
-          </a:xfrm>
-          <a:prstGeom prst="rect">
-            <a:avLst/>
-          </a:prstGeom>
-          <a:noFill/>
-          <a:ln w="0">
-            <a:noFill/>
-          </a:ln>
-        </p:spPr>
-        <p:txBody>
-          <a:bodyPr anchor="ctr">
-            <a:normAutofit fontScale="47000"/>
+            <a:ext cx="17522280" cy="1413360"/>
+          </a:xfrm>
+          <a:prstGeom prst="rect">
+            <a:avLst/>
+          </a:prstGeom>
+          <a:noFill/>
+          <a:ln w="0">
+            <a:noFill/>
+          </a:ln>
+        </p:spPr>
+        <p:txBody>
+          <a:bodyPr lIns="0" rIns="0" tIns="0" bIns="0" anchor="ctr">
+            <a:normAutofit fontScale="52000"/>
           </a:bodyPr>
           <a:p>
             <a:pPr algn="ctr">
@@ -12890,20 +12598,17 @@
               <a:t>Limitations of AI-Assisted Systems</a:t>
             </a:r>
             <a:br>
-              <a:rPr sz="9500"/>
+              <a:rPr sz="8800"/>
             </a:br>
-            <a:endParaRPr b="0" lang="en-US" sz="8800" spc="-1" strike="noStrike">
-              <a:solidFill>
-                <a:srgbClr val="000000"/>
-              </a:solidFill>
-              <a:latin typeface="Calibri"/>
-            </a:endParaRPr>
-          </a:p>
-        </p:txBody>
-      </p:sp>
-      <p:sp>
-        <p:nvSpPr>
-          <p:cNvPr id="105" name="PlaceHolder 2"/>
+            <a:endParaRPr b="0" lang="en-IN" sz="8800" spc="-1" strike="noStrike">
+              <a:latin typeface="Arial"/>
+            </a:endParaRPr>
+          </a:p>
+        </p:txBody>
+      </p:sp>
+      <p:sp>
+        <p:nvSpPr>
+          <p:cNvPr id="103" name="PlaceHolder 2"/>
           <p:cNvSpPr>
             <a:spLocks noGrp="1"/>
           </p:cNvSpPr>
@@ -12914,18 +12619,18 @@
         <p:spPr>
           <a:xfrm>
             <a:off x="2125800" y="3381840"/>
-            <a:ext cx="20132280" cy="7494840"/>
-          </a:xfrm>
-          <a:prstGeom prst="rect">
-            <a:avLst/>
-          </a:prstGeom>
-          <a:noFill/>
-          <a:ln w="0">
-            <a:noFill/>
-          </a:ln>
-        </p:spPr>
-        <p:txBody>
-          <a:bodyPr anchor="t">
+            <a:ext cx="20131920" cy="7494480"/>
+          </a:xfrm>
+          <a:prstGeom prst="rect">
+            <a:avLst/>
+          </a:prstGeom>
+          <a:noFill/>
+          <a:ln w="0">
+            <a:noFill/>
+          </a:ln>
+        </p:spPr>
+        <p:txBody>
+          <a:bodyPr lIns="0" rIns="0" tIns="0" bIns="0" anchor="t">
             <a:normAutofit/>
           </a:bodyPr>
           <a:p>
@@ -12961,11 +12666,8 @@
               </a:rPr>
               <a:t> : Centralized AI models require access to large amounts of consumer data. For instance, in smart home systems, sensitive data on daily activities could be exposed to cyber threats.</a:t>
             </a:r>
-            <a:endParaRPr b="0" lang="en-US" sz="4400" spc="-1" strike="noStrike">
-              <a:solidFill>
-                <a:srgbClr val="000000"/>
-              </a:solidFill>
-              <a:latin typeface="Calibri"/>
+            <a:endParaRPr b="0" lang="en-IN" sz="4400" spc="-1" strike="noStrike">
+              <a:latin typeface="Arial"/>
             </a:endParaRPr>
           </a:p>
           <a:p>
@@ -13001,11 +12703,8 @@
               </a:rPr>
               <a:t> : AI models often rely on centralized data storage and processing, which may lead to bottlenecks and potential single points of failure.</a:t>
             </a:r>
-            <a:endParaRPr b="0" lang="en-US" sz="4400" spc="-1" strike="noStrike">
-              <a:solidFill>
-                <a:srgbClr val="000000"/>
-              </a:solidFill>
-              <a:latin typeface="Calibri"/>
+            <a:endParaRPr b="0" lang="en-IN" sz="4400" spc="-1" strike="noStrike">
+              <a:latin typeface="Arial"/>
             </a:endParaRPr>
           </a:p>
           <a:p>
@@ -13031,11 +12730,8 @@
               </a:rPr>
               <a:t>Cannot handle Heterogenous data.</a:t>
             </a:r>
-            <a:endParaRPr b="0" lang="en-US" sz="4400" spc="-1" strike="noStrike">
-              <a:solidFill>
-                <a:srgbClr val="000000"/>
-              </a:solidFill>
-              <a:latin typeface="Calibri"/>
+            <a:endParaRPr b="0" lang="en-IN" sz="4400" spc="-1" strike="noStrike">
+              <a:latin typeface="Arial"/>
             </a:endParaRPr>
           </a:p>
         </p:txBody>
@@ -13072,14 +12768,14 @@
       </p:grpSpPr>
       <p:sp>
         <p:nvSpPr>
-          <p:cNvPr id="106" name="Rectangle 1"/>
+          <p:cNvPr id="104" name="Rectangle 1"/>
           <p:cNvSpPr/>
           <p:nvPr/>
         </p:nvSpPr>
         <p:spPr>
           <a:xfrm>
             <a:off x="0" y="-39600"/>
-            <a:ext cx="24383520" cy="2007360"/>
+            <a:ext cx="24383160" cy="2007000"/>
           </a:xfrm>
           <a:prstGeom prst="rect">
             <a:avLst/>
@@ -13113,7 +12809,7 @@
       </p:sp>
       <p:sp>
         <p:nvSpPr>
-          <p:cNvPr id="107" name="PlaceHolder 1"/>
+          <p:cNvPr id="105" name="PlaceHolder 1"/>
           <p:cNvSpPr>
             <a:spLocks noGrp="1"/>
           </p:cNvSpPr>
@@ -13124,19 +12820,19 @@
         <p:spPr>
           <a:xfrm>
             <a:off x="6705720" y="245520"/>
-            <a:ext cx="10972440" cy="1523520"/>
-          </a:xfrm>
-          <a:prstGeom prst="rect">
-            <a:avLst/>
-          </a:prstGeom>
-          <a:noFill/>
-          <a:ln w="0">
-            <a:noFill/>
-          </a:ln>
-        </p:spPr>
-        <p:txBody>
-          <a:bodyPr anchor="ctr">
-            <a:normAutofit fontScale="84000"/>
+            <a:ext cx="10972080" cy="1523160"/>
+          </a:xfrm>
+          <a:prstGeom prst="rect">
+            <a:avLst/>
+          </a:prstGeom>
+          <a:noFill/>
+          <a:ln w="0">
+            <a:noFill/>
+          </a:ln>
+        </p:spPr>
+        <p:txBody>
+          <a:bodyPr lIns="0" rIns="0" tIns="0" bIns="0" anchor="ctr">
+            <a:normAutofit fontScale="87000"/>
           </a:bodyPr>
           <a:p>
             <a:pPr algn="ctr">
@@ -13154,18 +12850,15 @@
               </a:rPr>
               <a:t>2)  Blockchain-Based Energy Models</a:t>
             </a:r>
-            <a:endParaRPr b="0" lang="en-US" sz="6600" spc="-1" strike="noStrike">
-              <a:solidFill>
-                <a:srgbClr val="000000"/>
-              </a:solidFill>
-              <a:latin typeface="Calibri"/>
-            </a:endParaRPr>
-          </a:p>
-        </p:txBody>
-      </p:sp>
-      <p:sp>
-        <p:nvSpPr>
-          <p:cNvPr id="108" name="PlaceHolder 2"/>
+            <a:endParaRPr b="0" lang="en-IN" sz="6600" spc="-1" strike="noStrike">
+              <a:latin typeface="Arial"/>
+            </a:endParaRPr>
+          </a:p>
+        </p:txBody>
+      </p:sp>
+      <p:sp>
+        <p:nvSpPr>
+          <p:cNvPr id="106" name="PlaceHolder 2"/>
           <p:cNvSpPr>
             <a:spLocks noGrp="1"/>
           </p:cNvSpPr>
@@ -13176,33 +12869,30 @@
         <p:spPr>
           <a:xfrm>
             <a:off x="1206360" y="1669680"/>
-            <a:ext cx="21970800" cy="1002960"/>
-          </a:xfrm>
-          <a:prstGeom prst="rect">
-            <a:avLst/>
-          </a:prstGeom>
-          <a:noFill/>
-          <a:ln w="0">
-            <a:noFill/>
-          </a:ln>
-        </p:spPr>
-        <p:txBody>
-          <a:bodyPr lIns="45720" rIns="45720" anchor="t">
+            <a:ext cx="21970440" cy="1002600"/>
+          </a:xfrm>
+          <a:prstGeom prst="rect">
+            <a:avLst/>
+          </a:prstGeom>
+          <a:noFill/>
+          <a:ln w="0">
+            <a:noFill/>
+          </a:ln>
+        </p:spPr>
+        <p:txBody>
+          <a:bodyPr lIns="45720" rIns="45720" tIns="0" bIns="0" anchor="t">
             <a:normAutofit/>
           </a:bodyPr>
           <a:p>
-            <a:endParaRPr b="0" lang="en-US" sz="4270" spc="-1" strike="noStrike">
-              <a:solidFill>
-                <a:srgbClr val="000000"/>
-              </a:solidFill>
-              <a:latin typeface="Calibri"/>
-            </a:endParaRPr>
-          </a:p>
-        </p:txBody>
-      </p:sp>
-      <p:sp>
-        <p:nvSpPr>
-          <p:cNvPr id="109" name="PlaceHolder 3"/>
+            <a:endParaRPr b="0" lang="en-IN" sz="3200" spc="-1" strike="noStrike">
+              <a:latin typeface="Arial"/>
+            </a:endParaRPr>
+          </a:p>
+        </p:txBody>
+      </p:sp>
+      <p:sp>
+        <p:nvSpPr>
+          <p:cNvPr id="107" name="PlaceHolder 3"/>
           <p:cNvSpPr>
             <a:spLocks noGrp="1"/>
           </p:cNvSpPr>
@@ -13213,18 +12903,18 @@
         <p:spPr>
           <a:xfrm>
             <a:off x="1206360" y="2479320"/>
-            <a:ext cx="20897640" cy="7932240"/>
-          </a:xfrm>
-          <a:prstGeom prst="rect">
-            <a:avLst/>
-          </a:prstGeom>
-          <a:noFill/>
-          <a:ln w="0">
-            <a:noFill/>
-          </a:ln>
-        </p:spPr>
-        <p:txBody>
-          <a:bodyPr anchor="t">
+            <a:ext cx="20897280" cy="7931880"/>
+          </a:xfrm>
+          <a:prstGeom prst="rect">
+            <a:avLst/>
+          </a:prstGeom>
+          <a:noFill/>
+          <a:ln w="0">
+            <a:noFill/>
+          </a:ln>
+        </p:spPr>
+        <p:txBody>
+          <a:bodyPr lIns="0" rIns="0" tIns="0" bIns="0" anchor="t">
             <a:noAutofit/>
           </a:bodyPr>
           <a:p>
@@ -13269,11 +12959,8 @@
               </a:rPr>
               <a:t> with neighbors using blockchain technology. This decentralized approach eliminates the need for a central authority, making transactions transparent, tamper-proof, and more efficient.</a:t>
             </a:r>
-            <a:endParaRPr b="0" lang="en-US" sz="4400" spc="-1" strike="noStrike">
-              <a:solidFill>
-                <a:srgbClr val="000000"/>
-              </a:solidFill>
-              <a:latin typeface="Calibri"/>
+            <a:endParaRPr b="0" lang="en-IN" sz="4400" spc="-1" strike="noStrike">
+              <a:latin typeface="Arial"/>
             </a:endParaRPr>
           </a:p>
           <a:p>
@@ -13309,11 +12996,8 @@
               </a:rPr>
               <a:t> : Every energy transaction is recorded on a blockchain ledger, which cannot be altered, ensuring transparency and trust between parties.</a:t>
             </a:r>
-            <a:endParaRPr b="0" lang="en-US" sz="4400" spc="-1" strike="noStrike">
-              <a:solidFill>
-                <a:srgbClr val="000000"/>
-              </a:solidFill>
-              <a:latin typeface="Calibri"/>
+            <a:endParaRPr b="0" lang="en-IN" sz="4400" spc="-1" strike="noStrike">
+              <a:latin typeface="Arial"/>
             </a:endParaRPr>
           </a:p>
           <a:p>
@@ -13349,11 +13033,8 @@
               </a:rPr>
               <a:t> : Smart contracts can be programmed to execute automatically when certain conditions are met. For example, if Bob’s battery level drops below 30%, a smart contract triggers a purchase of energy from Alice.</a:t>
             </a:r>
-            <a:endParaRPr b="0" lang="en-US" sz="4400" spc="-1" strike="noStrike">
-              <a:solidFill>
-                <a:srgbClr val="000000"/>
-              </a:solidFill>
-              <a:latin typeface="Calibri"/>
+            <a:endParaRPr b="0" lang="en-IN" sz="4400" spc="-1" strike="noStrike">
+              <a:latin typeface="Arial"/>
             </a:endParaRPr>
           </a:p>
         </p:txBody>
@@ -13390,14 +13071,14 @@
       </p:grpSpPr>
       <p:sp>
         <p:nvSpPr>
-          <p:cNvPr id="110" name="Rectangle 1"/>
+          <p:cNvPr id="108" name="Rectangle 1"/>
           <p:cNvSpPr/>
           <p:nvPr/>
         </p:nvSpPr>
         <p:spPr>
           <a:xfrm>
             <a:off x="0" y="-39600"/>
-            <a:ext cx="24383520" cy="2007360"/>
+            <a:ext cx="24383160" cy="2007000"/>
           </a:xfrm>
           <a:prstGeom prst="rect">
             <a:avLst/>
@@ -13431,7 +13112,7 @@
       </p:sp>
       <p:sp>
         <p:nvSpPr>
-          <p:cNvPr id="111" name="PlaceHolder 1"/>
+          <p:cNvPr id="109" name="PlaceHolder 1"/>
           <p:cNvSpPr>
             <a:spLocks noGrp="1"/>
           </p:cNvSpPr>
@@ -13442,19 +13123,19 @@
         <p:spPr>
           <a:xfrm>
             <a:off x="3600720" y="1151280"/>
-            <a:ext cx="17904240" cy="816480"/>
-          </a:xfrm>
-          <a:prstGeom prst="rect">
-            <a:avLst/>
-          </a:prstGeom>
-          <a:noFill/>
-          <a:ln w="0">
-            <a:noFill/>
-          </a:ln>
-        </p:spPr>
-        <p:txBody>
-          <a:bodyPr anchor="ctr">
-            <a:normAutofit fontScale="27000"/>
+            <a:ext cx="17903880" cy="816120"/>
+          </a:xfrm>
+          <a:prstGeom prst="rect">
+            <a:avLst/>
+          </a:prstGeom>
+          <a:noFill/>
+          <a:ln w="0">
+            <a:noFill/>
+          </a:ln>
+        </p:spPr>
+        <p:txBody>
+          <a:bodyPr lIns="0" rIns="0" tIns="0" bIns="0" anchor="ctr">
+            <a:normAutofit fontScale="33000"/>
           </a:bodyPr>
           <a:p>
             <a:pPr algn="ctr">
@@ -13473,20 +13154,17 @@
               <a:t>Issues with Blockchain models</a:t>
             </a:r>
             <a:br>
-              <a:rPr sz="9500"/>
+              <a:rPr sz="8000"/>
             </a:br>
-            <a:endParaRPr b="0" lang="en-US" sz="8000" spc="-1" strike="noStrike">
-              <a:solidFill>
-                <a:srgbClr val="000000"/>
-              </a:solidFill>
-              <a:latin typeface="Calibri"/>
-            </a:endParaRPr>
-          </a:p>
-        </p:txBody>
-      </p:sp>
-      <p:sp>
-        <p:nvSpPr>
-          <p:cNvPr id="112" name="PlaceHolder 2"/>
+            <a:endParaRPr b="0" lang="en-IN" sz="8000" spc="-1" strike="noStrike">
+              <a:latin typeface="Arial"/>
+            </a:endParaRPr>
+          </a:p>
+        </p:txBody>
+      </p:sp>
+      <p:sp>
+        <p:nvSpPr>
+          <p:cNvPr id="110" name="PlaceHolder 2"/>
           <p:cNvSpPr>
             <a:spLocks noGrp="1"/>
           </p:cNvSpPr>
@@ -13496,8 +13174,8 @@
         </p:nvSpPr>
         <p:spPr>
           <a:xfrm rot="10800000">
-            <a:off x="1928160" y="3327480"/>
-            <a:ext cx="21249000" cy="45360"/>
+            <a:off x="1928520" y="3327480"/>
+            <a:ext cx="21248640" cy="45000"/>
           </a:xfrm>
           <a:prstGeom prst="rect">
             <a:avLst/>
@@ -13512,18 +13190,15 @@
             <a:normAutofit/>
           </a:bodyPr>
           <a:p>
-            <a:endParaRPr b="0" lang="en-US" sz="4270" spc="-1" strike="noStrike">
-              <a:solidFill>
-                <a:srgbClr val="000000"/>
-              </a:solidFill>
-              <a:latin typeface="Calibri"/>
-            </a:endParaRPr>
-          </a:p>
-        </p:txBody>
-      </p:sp>
-      <p:sp>
-        <p:nvSpPr>
-          <p:cNvPr id="113" name="PlaceHolder 3"/>
+            <a:endParaRPr b="0" lang="en-IN" sz="3200" spc="-1" strike="noStrike">
+              <a:latin typeface="Arial"/>
+            </a:endParaRPr>
+          </a:p>
+        </p:txBody>
+      </p:sp>
+      <p:sp>
+        <p:nvSpPr>
+          <p:cNvPr id="111" name="PlaceHolder 3"/>
           <p:cNvSpPr>
             <a:spLocks noGrp="1"/>
           </p:cNvSpPr>
@@ -13534,18 +13209,18 @@
         <p:spPr>
           <a:xfrm>
             <a:off x="1928160" y="5425560"/>
-            <a:ext cx="17522640" cy="6832080"/>
-          </a:xfrm>
-          <a:prstGeom prst="rect">
-            <a:avLst/>
-          </a:prstGeom>
-          <a:noFill/>
-          <a:ln w="0">
-            <a:noFill/>
-          </a:ln>
-        </p:spPr>
-        <p:txBody>
-          <a:bodyPr anchor="t">
+            <a:ext cx="17522280" cy="6831720"/>
+          </a:xfrm>
+          <a:prstGeom prst="rect">
+            <a:avLst/>
+          </a:prstGeom>
+          <a:noFill/>
+          <a:ln w="0">
+            <a:noFill/>
+          </a:ln>
+        </p:spPr>
+        <p:txBody>
+          <a:bodyPr lIns="0" rIns="0" tIns="0" bIns="0" anchor="t">
             <a:normAutofit/>
           </a:bodyPr>
           <a:p>
@@ -13571,11 +13246,8 @@
               </a:rPr>
               <a:t>Scalability Issues :  As more participants join a blockchain-based energy network, the number of transactions increases, facing issues as transaction times slow down with network congestion.</a:t>
             </a:r>
-            <a:endParaRPr b="0" lang="en-US" sz="4800" spc="-1" strike="noStrike">
-              <a:solidFill>
-                <a:srgbClr val="000000"/>
-              </a:solidFill>
-              <a:latin typeface="Calibri"/>
+            <a:endParaRPr b="0" lang="en-IN" sz="4800" spc="-1" strike="noStrike">
+              <a:latin typeface="Arial"/>
             </a:endParaRPr>
           </a:p>
         </p:txBody>
@@ -13612,14 +13284,14 @@
       </p:grpSpPr>
       <p:sp>
         <p:nvSpPr>
-          <p:cNvPr id="114" name="Rectangle 3"/>
+          <p:cNvPr id="112" name="Rectangle 3"/>
           <p:cNvSpPr/>
           <p:nvPr/>
         </p:nvSpPr>
         <p:spPr>
           <a:xfrm>
             <a:off x="0" y="-39600"/>
-            <a:ext cx="24383520" cy="2007360"/>
+            <a:ext cx="24383160" cy="2007000"/>
           </a:xfrm>
           <a:prstGeom prst="rect">
             <a:avLst/>
@@ -13653,7 +13325,7 @@
       </p:sp>
       <p:sp>
         <p:nvSpPr>
-          <p:cNvPr id="115" name="PlaceHolder 1"/>
+          <p:cNvPr id="113" name="PlaceHolder 1"/>
           <p:cNvSpPr>
             <a:spLocks noGrp="1"/>
           </p:cNvSpPr>
@@ -13664,19 +13336,19 @@
         <p:spPr>
           <a:xfrm>
             <a:off x="6705720" y="201960"/>
-            <a:ext cx="10972440" cy="1523520"/>
-          </a:xfrm>
-          <a:prstGeom prst="rect">
-            <a:avLst/>
-          </a:prstGeom>
-          <a:noFill/>
-          <a:ln w="0">
-            <a:noFill/>
-          </a:ln>
-        </p:spPr>
-        <p:txBody>
-          <a:bodyPr anchor="ctr">
-            <a:normAutofit fontScale="98000"/>
+            <a:ext cx="10972080" cy="1523160"/>
+          </a:xfrm>
+          <a:prstGeom prst="rect">
+            <a:avLst/>
+          </a:prstGeom>
+          <a:noFill/>
+          <a:ln w="0">
+            <a:noFill/>
+          </a:ln>
+        </p:spPr>
+        <p:txBody>
+          <a:bodyPr lIns="0" rIns="0" tIns="0" bIns="0" anchor="ctr">
+            <a:normAutofit/>
           </a:bodyPr>
           <a:p>
             <a:pPr algn="ctr">
@@ -13703,18 +13375,15 @@
               </a:rPr>
               <a:t>derated Learning</a:t>
             </a:r>
-            <a:endParaRPr b="0" lang="en-US" sz="9500" spc="-1" strike="noStrike">
-              <a:solidFill>
-                <a:srgbClr val="000000"/>
-              </a:solidFill>
-              <a:latin typeface="Calibri"/>
-            </a:endParaRPr>
-          </a:p>
-        </p:txBody>
-      </p:sp>
-      <p:sp>
-        <p:nvSpPr>
-          <p:cNvPr id="116" name="PlaceHolder 2"/>
+            <a:endParaRPr b="0" lang="en-IN" sz="9500" spc="-1" strike="noStrike">
+              <a:latin typeface="Arial"/>
+            </a:endParaRPr>
+          </a:p>
+        </p:txBody>
+      </p:sp>
+      <p:sp>
+        <p:nvSpPr>
+          <p:cNvPr id="114" name="PlaceHolder 2"/>
           <p:cNvSpPr>
             <a:spLocks noGrp="1"/>
           </p:cNvSpPr>
@@ -13725,33 +13394,30 @@
         <p:spPr>
           <a:xfrm>
             <a:off x="1206360" y="2320560"/>
-            <a:ext cx="21970800" cy="1002960"/>
-          </a:xfrm>
-          <a:prstGeom prst="rect">
-            <a:avLst/>
-          </a:prstGeom>
-          <a:noFill/>
-          <a:ln w="0">
-            <a:noFill/>
-          </a:ln>
-        </p:spPr>
-        <p:txBody>
-          <a:bodyPr lIns="45720" rIns="45720" anchor="t">
+            <a:ext cx="21970440" cy="1002600"/>
+          </a:xfrm>
+          <a:prstGeom prst="rect">
+            <a:avLst/>
+          </a:prstGeom>
+          <a:noFill/>
+          <a:ln w="0">
+            <a:noFill/>
+          </a:ln>
+        </p:spPr>
+        <p:txBody>
+          <a:bodyPr lIns="45720" rIns="45720" tIns="0" bIns="0" anchor="t">
             <a:normAutofit/>
           </a:bodyPr>
           <a:p>
-            <a:endParaRPr b="0" lang="en-US" sz="4270" spc="-1" strike="noStrike">
-              <a:solidFill>
-                <a:srgbClr val="000000"/>
-              </a:solidFill>
-              <a:latin typeface="Calibri"/>
-            </a:endParaRPr>
-          </a:p>
-        </p:txBody>
-      </p:sp>
-      <p:sp>
-        <p:nvSpPr>
-          <p:cNvPr id="117" name="PlaceHolder 3"/>
+            <a:endParaRPr b="0" lang="en-IN" sz="3200" spc="-1" strike="noStrike">
+              <a:latin typeface="Arial"/>
+            </a:endParaRPr>
+          </a:p>
+        </p:txBody>
+      </p:sp>
+      <p:sp>
+        <p:nvSpPr>
+          <p:cNvPr id="115" name="PlaceHolder 3"/>
           <p:cNvSpPr>
             <a:spLocks noGrp="1"/>
           </p:cNvSpPr>
@@ -13762,18 +13428,18 @@
         <p:spPr>
           <a:xfrm>
             <a:off x="1355400" y="4053600"/>
-            <a:ext cx="21821760" cy="9822600"/>
-          </a:xfrm>
-          <a:prstGeom prst="rect">
-            <a:avLst/>
-          </a:prstGeom>
-          <a:noFill/>
-          <a:ln w="0">
-            <a:noFill/>
-          </a:ln>
-        </p:spPr>
-        <p:txBody>
-          <a:bodyPr anchor="t">
+            <a:ext cx="21821400" cy="9822240"/>
+          </a:xfrm>
+          <a:prstGeom prst="rect">
+            <a:avLst/>
+          </a:prstGeom>
+          <a:noFill/>
+          <a:ln w="0">
+            <a:noFill/>
+          </a:ln>
+        </p:spPr>
+        <p:txBody>
+          <a:bodyPr lIns="0" rIns="0" tIns="0" bIns="0" anchor="t">
             <a:normAutofit/>
           </a:bodyPr>
           <a:p>
@@ -13799,11 +13465,8 @@
               </a:rPr>
               <a:t>Federated Learning (FL) is a decentralized machine learning approach where multiple edge devices collaboratively train a model while keeping the data localized.</a:t>
             </a:r>
-            <a:endParaRPr b="0" lang="en-US" sz="4270" spc="-1" strike="noStrike">
-              <a:solidFill>
-                <a:srgbClr val="000000"/>
-              </a:solidFill>
-              <a:latin typeface="Calibri"/>
+            <a:endParaRPr b="0" lang="en-IN" sz="4270" spc="-1" strike="noStrike">
+              <a:latin typeface="Arial"/>
             </a:endParaRPr>
           </a:p>
           <a:p>
@@ -13816,18 +13479,15 @@
               </a:spcBef>
               <a:buNone/>
             </a:pPr>
-            <a:endParaRPr b="0" lang="en-US" sz="4270" spc="-1" strike="noStrike">
-              <a:solidFill>
-                <a:srgbClr val="000000"/>
-              </a:solidFill>
-              <a:latin typeface="Calibri"/>
+            <a:endParaRPr b="0" lang="en-IN" sz="4270" spc="-1" strike="noStrike">
+              <a:latin typeface="Arial"/>
             </a:endParaRPr>
           </a:p>
         </p:txBody>
       </p:sp>
       <p:pic>
         <p:nvPicPr>
-          <p:cNvPr id="118" name="flimage.png" descr="flimage.png"/>
+          <p:cNvPr id="116" name="flimage.png" descr="flimage.png"/>
           <p:cNvPicPr/>
           <p:nvPr/>
         </p:nvPicPr>
@@ -13838,7 +13498,7 @@
         <p:spPr>
           <a:xfrm>
             <a:off x="5943600" y="6433560"/>
-            <a:ext cx="11749680" cy="6745320"/>
+            <a:ext cx="11749320" cy="6744960"/>
           </a:xfrm>
           <a:prstGeom prst="rect">
             <a:avLst/>
